--- a/Pitch/AutoSenseAnalytics_pitch.pptx
+++ b/Pitch/AutoSenseAnalytics_pitch.pptx
@@ -17,38 +17,39 @@
     <p:sldId id="265" r:id="rId11"/>
     <p:sldId id="266" r:id="rId12"/>
     <p:sldId id="267" r:id="rId13"/>
+    <p:sldId id="268" r:id="rId14"/>
   </p:sldIdLst>
   <p:sldSz cx="18288000" cy="10287000"/>
   <p:notesSz cx="6858000" cy="9144000"/>
   <p:embeddedFontLst>
     <p:embeddedFont>
       <p:font typeface="DM Sans" pitchFamily="2" charset="0"/>
-      <p:regular r:id="rId14"/>
-      <p:bold r:id="rId15"/>
+      <p:regular r:id="rId15"/>
+      <p:bold r:id="rId16"/>
     </p:embeddedFont>
     <p:embeddedFont>
       <p:font typeface="DM Sans Bold"/>
-      <p:regular r:id="rId16"/>
+      <p:regular r:id="rId17"/>
     </p:embeddedFont>
     <p:embeddedFont>
       <p:font typeface="DM Sans Bold Italics"/>
-      <p:regular r:id="rId17"/>
+      <p:regular r:id="rId18"/>
     </p:embeddedFont>
     <p:embeddedFont>
       <p:font typeface="DM Sans Italics"/>
-      <p:regular r:id="rId18"/>
+      <p:regular r:id="rId19"/>
     </p:embeddedFont>
     <p:embeddedFont>
       <p:font typeface="League Spartan"/>
-      <p:regular r:id="rId19"/>
+      <p:regular r:id="rId20"/>
     </p:embeddedFont>
     <p:embeddedFont>
       <p:font typeface="Now Bold"/>
-      <p:regular r:id="rId20"/>
+      <p:regular r:id="rId21"/>
     </p:embeddedFont>
     <p:embeddedFont>
       <p:font typeface="Open Sauce"/>
-      <p:regular r:id="rId21"/>
+      <p:regular r:id="rId22"/>
     </p:embeddedFont>
   </p:embeddedFontLst>
   <p:defaultTextStyle>
@@ -168,7 +169,7 @@
 <file path=ppt/revisionInfo.xml><?xml version="1.0" encoding="utf-8"?>
 <p1510:revInfo xmlns:a="http://schemas.openxmlformats.org/drawingml/2006/main" xmlns:r="http://schemas.openxmlformats.org/officeDocument/2006/relationships" xmlns:p1510="http://schemas.microsoft.com/office/powerpoint/2015/10/main">
   <p1510:revLst>
-    <p1510:client id="{7FE03760-2498-46E5-88E0-B6F768704F7A}" v="5" dt="2024-11-04T17:30:38.032"/>
+    <p1510:client id="{9DEA8178-CDFA-4A99-80BE-5DE6C817F52C}" v="3" dt="2024-11-06T16:56:12.237"/>
   </p1510:revLst>
 </p1510:revInfo>
 </file>
@@ -176,160 +177,127 @@
 <file path=ppt/changesInfos/changesInfo1.xml><?xml version="1.0" encoding="utf-8"?>
 <pc:chgInfo xmlns:a="http://schemas.openxmlformats.org/drawingml/2006/main" xmlns:r="http://schemas.openxmlformats.org/officeDocument/2006/relationships" xmlns:ac="http://schemas.microsoft.com/office/drawing/2013/main/command" xmlns:pc="http://schemas.microsoft.com/office/powerpoint/2013/main/command">
   <pc:docChgLst>
-    <pc:chgData name="ΣΤΕΡΓΙΟΠΟΥΛΟΣ ΓΕΩΡΓΙΟΣ" userId="b9989e27-3c39-44e7-a295-25b0866113c9" providerId="ADAL" clId="{7FE03760-2498-46E5-88E0-B6F768704F7A}"/>
+    <pc:chgData name="ΣΤΕΡΓΙΟΠΟΥΛΟΣ ΓΕΩΡΓΙΟΣ" userId="b9989e27-3c39-44e7-a295-25b0866113c9" providerId="ADAL" clId="{9DEA8178-CDFA-4A99-80BE-5DE6C817F52C}"/>
     <pc:docChg chg="undo custSel modSld modMainMaster">
-      <pc:chgData name="ΣΤΕΡΓΙΟΠΟΥΛΟΣ ΓΕΩΡΓΙΟΣ" userId="b9989e27-3c39-44e7-a295-25b0866113c9" providerId="ADAL" clId="{7FE03760-2498-46E5-88E0-B6F768704F7A}" dt="2024-11-04T17:33:31.091" v="17" actId="1076"/>
+      <pc:chgData name="ΣΤΕΡΓΙΟΠΟΥΛΟΣ ΓΕΩΡΓΙΟΣ" userId="b9989e27-3c39-44e7-a295-25b0866113c9" providerId="ADAL" clId="{9DEA8178-CDFA-4A99-80BE-5DE6C817F52C}" dt="2024-11-07T12:35:19.248" v="8" actId="14100"/>
       <pc:docMkLst>
         <pc:docMk/>
       </pc:docMkLst>
       <pc:sldChg chg="modTransition">
-        <pc:chgData name="ΣΤΕΡΓΙΟΠΟΥΛΟΣ ΓΕΩΡΓΙΟΣ" userId="b9989e27-3c39-44e7-a295-25b0866113c9" providerId="ADAL" clId="{7FE03760-2498-46E5-88E0-B6F768704F7A}" dt="2024-11-04T17:30:38.032" v="4"/>
+        <pc:chgData name="ΣΤΕΡΓΙΟΠΟΥΛΟΣ ΓΕΩΡΓΙΟΣ" userId="b9989e27-3c39-44e7-a295-25b0866113c9" providerId="ADAL" clId="{9DEA8178-CDFA-4A99-80BE-5DE6C817F52C}" dt="2024-11-06T16:56:12.237" v="2"/>
         <pc:sldMkLst>
           <pc:docMk/>
           <pc:sldMk cId="0" sldId="256"/>
         </pc:sldMkLst>
       </pc:sldChg>
-      <pc:sldChg chg="modSp mod modTransition">
-        <pc:chgData name="ΣΤΕΡΓΙΟΠΟΥΛΟΣ ΓΕΩΡΓΙΟΣ" userId="b9989e27-3c39-44e7-a295-25b0866113c9" providerId="ADAL" clId="{7FE03760-2498-46E5-88E0-B6F768704F7A}" dt="2024-11-04T17:33:11.449" v="16" actId="1076"/>
+      <pc:sldChg chg="modTransition">
+        <pc:chgData name="ΣΤΕΡΓΙΟΠΟΥΛΟΣ ΓΕΩΡΓΙΟΣ" userId="b9989e27-3c39-44e7-a295-25b0866113c9" providerId="ADAL" clId="{9DEA8178-CDFA-4A99-80BE-5DE6C817F52C}" dt="2024-11-06T16:56:12.237" v="2"/>
         <pc:sldMkLst>
           <pc:docMk/>
           <pc:sldMk cId="0" sldId="257"/>
         </pc:sldMkLst>
-        <pc:spChg chg="mod">
-          <ac:chgData name="ΣΤΕΡΓΙΟΠΟΥΛΟΣ ΓΕΩΡΓΙΟΣ" userId="b9989e27-3c39-44e7-a295-25b0866113c9" providerId="ADAL" clId="{7FE03760-2498-46E5-88E0-B6F768704F7A}" dt="2024-11-04T17:32:23.069" v="5" actId="1076"/>
-          <ac:spMkLst>
-            <pc:docMk/>
-            <pc:sldMk cId="0" sldId="257"/>
-            <ac:spMk id="23" creationId="{00000000-0000-0000-0000-000000000000}"/>
-          </ac:spMkLst>
-        </pc:spChg>
-        <pc:spChg chg="mod">
-          <ac:chgData name="ΣΤΕΡΓΙΟΠΟΥΛΟΣ ΓΕΩΡΓΙΟΣ" userId="b9989e27-3c39-44e7-a295-25b0866113c9" providerId="ADAL" clId="{7FE03760-2498-46E5-88E0-B6F768704F7A}" dt="2024-11-04T17:32:31.825" v="6" actId="1076"/>
-          <ac:spMkLst>
-            <pc:docMk/>
-            <pc:sldMk cId="0" sldId="257"/>
-            <ac:spMk id="25" creationId="{00000000-0000-0000-0000-000000000000}"/>
-          </ac:spMkLst>
-        </pc:spChg>
-        <pc:spChg chg="mod">
-          <ac:chgData name="ΣΤΕΡΓΙΟΠΟΥΛΟΣ ΓΕΩΡΓΙΟΣ" userId="b9989e27-3c39-44e7-a295-25b0866113c9" providerId="ADAL" clId="{7FE03760-2498-46E5-88E0-B6F768704F7A}" dt="2024-11-04T17:33:11.449" v="16" actId="1076"/>
-          <ac:spMkLst>
-            <pc:docMk/>
-            <pc:sldMk cId="0" sldId="257"/>
-            <ac:spMk id="27" creationId="{00000000-0000-0000-0000-000000000000}"/>
-          </ac:spMkLst>
-        </pc:spChg>
       </pc:sldChg>
       <pc:sldChg chg="modTransition">
-        <pc:chgData name="ΣΤΕΡΓΙΟΠΟΥΛΟΣ ΓΕΩΡΓΙΟΣ" userId="b9989e27-3c39-44e7-a295-25b0866113c9" providerId="ADAL" clId="{7FE03760-2498-46E5-88E0-B6F768704F7A}" dt="2024-11-04T17:30:38.032" v="4"/>
+        <pc:chgData name="ΣΤΕΡΓΙΟΠΟΥΛΟΣ ΓΕΩΡΓΙΟΣ" userId="b9989e27-3c39-44e7-a295-25b0866113c9" providerId="ADAL" clId="{9DEA8178-CDFA-4A99-80BE-5DE6C817F52C}" dt="2024-11-06T16:56:12.237" v="2"/>
         <pc:sldMkLst>
           <pc:docMk/>
           <pc:sldMk cId="0" sldId="258"/>
         </pc:sldMkLst>
       </pc:sldChg>
-      <pc:sldChg chg="modSp mod modTransition">
-        <pc:chgData name="ΣΤΕΡΓΙΟΠΟΥΛΟΣ ΓΕΩΡΓΙΟΣ" userId="b9989e27-3c39-44e7-a295-25b0866113c9" providerId="ADAL" clId="{7FE03760-2498-46E5-88E0-B6F768704F7A}" dt="2024-11-04T17:33:31.091" v="17" actId="1076"/>
+      <pc:sldChg chg="modTransition">
+        <pc:chgData name="ΣΤΕΡΓΙΟΠΟΥΛΟΣ ΓΕΩΡΓΙΟΣ" userId="b9989e27-3c39-44e7-a295-25b0866113c9" providerId="ADAL" clId="{9DEA8178-CDFA-4A99-80BE-5DE6C817F52C}" dt="2024-11-06T16:56:12.237" v="2"/>
         <pc:sldMkLst>
           <pc:docMk/>
           <pc:sldMk cId="0" sldId="259"/>
         </pc:sldMkLst>
-        <pc:spChg chg="mod">
-          <ac:chgData name="ΣΤΕΡΓΙΟΠΟΥΛΟΣ ΓΕΩΡΓΙΟΣ" userId="b9989e27-3c39-44e7-a295-25b0866113c9" providerId="ADAL" clId="{7FE03760-2498-46E5-88E0-B6F768704F7A}" dt="2024-11-04T17:33:10.674" v="14" actId="1076"/>
-          <ac:spMkLst>
-            <pc:docMk/>
-            <pc:sldMk cId="0" sldId="259"/>
-            <ac:spMk id="4" creationId="{00000000-0000-0000-0000-000000000000}"/>
-          </ac:spMkLst>
-        </pc:spChg>
-        <pc:spChg chg="mod">
-          <ac:chgData name="ΣΤΕΡΓΙΟΠΟΥΛΟΣ ΓΕΩΡΓΙΟΣ" userId="b9989e27-3c39-44e7-a295-25b0866113c9" providerId="ADAL" clId="{7FE03760-2498-46E5-88E0-B6F768704F7A}" dt="2024-11-04T17:33:31.091" v="17" actId="1076"/>
-          <ac:spMkLst>
-            <pc:docMk/>
-            <pc:sldMk cId="0" sldId="259"/>
-            <ac:spMk id="6" creationId="{00000000-0000-0000-0000-000000000000}"/>
-          </ac:spMkLst>
-        </pc:spChg>
-        <pc:spChg chg="mod">
-          <ac:chgData name="ΣΤΕΡΓΙΟΠΟΥΛΟΣ ΓΕΩΡΓΙΟΣ" userId="b9989e27-3c39-44e7-a295-25b0866113c9" providerId="ADAL" clId="{7FE03760-2498-46E5-88E0-B6F768704F7A}" dt="2024-11-04T17:33:09.928" v="12" actId="1076"/>
-          <ac:spMkLst>
-            <pc:docMk/>
-            <pc:sldMk cId="0" sldId="259"/>
-            <ac:spMk id="7" creationId="{00000000-0000-0000-0000-000000000000}"/>
-          </ac:spMkLst>
-        </pc:spChg>
-        <pc:spChg chg="mod">
-          <ac:chgData name="ΣΤΕΡΓΙΟΠΟΥΛΟΣ ΓΕΩΡΓΙΟΣ" userId="b9989e27-3c39-44e7-a295-25b0866113c9" providerId="ADAL" clId="{7FE03760-2498-46E5-88E0-B6F768704F7A}" dt="2024-11-04T17:33:10.274" v="13" actId="1076"/>
-          <ac:spMkLst>
-            <pc:docMk/>
-            <pc:sldMk cId="0" sldId="259"/>
-            <ac:spMk id="8" creationId="{00000000-0000-0000-0000-000000000000}"/>
-          </ac:spMkLst>
-        </pc:spChg>
       </pc:sldChg>
       <pc:sldChg chg="modTransition">
-        <pc:chgData name="ΣΤΕΡΓΙΟΠΟΥΛΟΣ ΓΕΩΡΓΙΟΣ" userId="b9989e27-3c39-44e7-a295-25b0866113c9" providerId="ADAL" clId="{7FE03760-2498-46E5-88E0-B6F768704F7A}" dt="2024-11-04T17:30:38.032" v="4"/>
+        <pc:chgData name="ΣΤΕΡΓΙΟΠΟΥΛΟΣ ΓΕΩΡΓΙΟΣ" userId="b9989e27-3c39-44e7-a295-25b0866113c9" providerId="ADAL" clId="{9DEA8178-CDFA-4A99-80BE-5DE6C817F52C}" dt="2024-11-06T16:56:12.237" v="2"/>
         <pc:sldMkLst>
           <pc:docMk/>
           <pc:sldMk cId="0" sldId="260"/>
         </pc:sldMkLst>
       </pc:sldChg>
       <pc:sldChg chg="modTransition">
-        <pc:chgData name="ΣΤΕΡΓΙΟΠΟΥΛΟΣ ΓΕΩΡΓΙΟΣ" userId="b9989e27-3c39-44e7-a295-25b0866113c9" providerId="ADAL" clId="{7FE03760-2498-46E5-88E0-B6F768704F7A}" dt="2024-11-04T17:30:38.032" v="4"/>
+        <pc:chgData name="ΣΤΕΡΓΙΟΠΟΥΛΟΣ ΓΕΩΡΓΙΟΣ" userId="b9989e27-3c39-44e7-a295-25b0866113c9" providerId="ADAL" clId="{9DEA8178-CDFA-4A99-80BE-5DE6C817F52C}" dt="2024-11-06T16:56:12.237" v="2"/>
         <pc:sldMkLst>
           <pc:docMk/>
           <pc:sldMk cId="0" sldId="261"/>
         </pc:sldMkLst>
       </pc:sldChg>
-      <pc:sldChg chg="modTransition">
-        <pc:chgData name="ΣΤΕΡΓΙΟΠΟΥΛΟΣ ΓΕΩΡΓΙΟΣ" userId="b9989e27-3c39-44e7-a295-25b0866113c9" providerId="ADAL" clId="{7FE03760-2498-46E5-88E0-B6F768704F7A}" dt="2024-11-04T17:30:38.032" v="4"/>
+      <pc:sldChg chg="modSp mod modTransition">
+        <pc:chgData name="ΣΤΕΡΓΙΟΠΟΥΛΟΣ ΓΕΩΡΓΙΟΣ" userId="b9989e27-3c39-44e7-a295-25b0866113c9" providerId="ADAL" clId="{9DEA8178-CDFA-4A99-80BE-5DE6C817F52C}" dt="2024-11-07T12:35:19.248" v="8" actId="14100"/>
         <pc:sldMkLst>
           <pc:docMk/>
           <pc:sldMk cId="0" sldId="262"/>
         </pc:sldMkLst>
+        <pc:spChg chg="mod">
+          <ac:chgData name="ΣΤΕΡΓΙΟΠΟΥΛΟΣ ΓΕΩΡΓΙΟΣ" userId="b9989e27-3c39-44e7-a295-25b0866113c9" providerId="ADAL" clId="{9DEA8178-CDFA-4A99-80BE-5DE6C817F52C}" dt="2024-11-07T12:35:12.815" v="6" actId="1076"/>
+          <ac:spMkLst>
+            <pc:docMk/>
+            <pc:sldMk cId="0" sldId="262"/>
+            <ac:spMk id="19" creationId="{00000000-0000-0000-0000-000000000000}"/>
+          </ac:spMkLst>
+        </pc:spChg>
+        <pc:grpChg chg="mod">
+          <ac:chgData name="ΣΤΕΡΓΙΟΠΟΥΛΟΣ ΓΕΩΡΓΙΟΣ" userId="b9989e27-3c39-44e7-a295-25b0866113c9" providerId="ADAL" clId="{9DEA8178-CDFA-4A99-80BE-5DE6C817F52C}" dt="2024-11-07T12:35:19.248" v="8" actId="14100"/>
+          <ac:grpSpMkLst>
+            <pc:docMk/>
+            <pc:sldMk cId="0" sldId="262"/>
+            <ac:grpSpMk id="15" creationId="{00000000-0000-0000-0000-000000000000}"/>
+          </ac:grpSpMkLst>
+        </pc:grpChg>
       </pc:sldChg>
       <pc:sldChg chg="modTransition">
-        <pc:chgData name="ΣΤΕΡΓΙΟΠΟΥΛΟΣ ΓΕΩΡΓΙΟΣ" userId="b9989e27-3c39-44e7-a295-25b0866113c9" providerId="ADAL" clId="{7FE03760-2498-46E5-88E0-B6F768704F7A}" dt="2024-11-04T17:30:38.032" v="4"/>
+        <pc:chgData name="ΣΤΕΡΓΙΟΠΟΥΛΟΣ ΓΕΩΡΓΙΟΣ" userId="b9989e27-3c39-44e7-a295-25b0866113c9" providerId="ADAL" clId="{9DEA8178-CDFA-4A99-80BE-5DE6C817F52C}" dt="2024-11-06T16:56:12.237" v="2"/>
         <pc:sldMkLst>
           <pc:docMk/>
           <pc:sldMk cId="0" sldId="263"/>
         </pc:sldMkLst>
       </pc:sldChg>
       <pc:sldChg chg="modTransition">
-        <pc:chgData name="ΣΤΕΡΓΙΟΠΟΥΛΟΣ ΓΕΩΡΓΙΟΣ" userId="b9989e27-3c39-44e7-a295-25b0866113c9" providerId="ADAL" clId="{7FE03760-2498-46E5-88E0-B6F768704F7A}" dt="2024-11-04T17:30:38.032" v="4"/>
+        <pc:chgData name="ΣΤΕΡΓΙΟΠΟΥΛΟΣ ΓΕΩΡΓΙΟΣ" userId="b9989e27-3c39-44e7-a295-25b0866113c9" providerId="ADAL" clId="{9DEA8178-CDFA-4A99-80BE-5DE6C817F52C}" dt="2024-11-06T16:56:12.237" v="2"/>
         <pc:sldMkLst>
           <pc:docMk/>
           <pc:sldMk cId="0" sldId="264"/>
         </pc:sldMkLst>
       </pc:sldChg>
       <pc:sldChg chg="modTransition">
-        <pc:chgData name="ΣΤΕΡΓΙΟΠΟΥΛΟΣ ΓΕΩΡΓΙΟΣ" userId="b9989e27-3c39-44e7-a295-25b0866113c9" providerId="ADAL" clId="{7FE03760-2498-46E5-88E0-B6F768704F7A}" dt="2024-11-04T17:30:38.032" v="4"/>
+        <pc:chgData name="ΣΤΕΡΓΙΟΠΟΥΛΟΣ ΓΕΩΡΓΙΟΣ" userId="b9989e27-3c39-44e7-a295-25b0866113c9" providerId="ADAL" clId="{9DEA8178-CDFA-4A99-80BE-5DE6C817F52C}" dt="2024-11-06T16:56:12.237" v="2"/>
         <pc:sldMkLst>
           <pc:docMk/>
           <pc:sldMk cId="0" sldId="265"/>
         </pc:sldMkLst>
       </pc:sldChg>
       <pc:sldChg chg="modTransition">
-        <pc:chgData name="ΣΤΕΡΓΙΟΠΟΥΛΟΣ ΓΕΩΡΓΙΟΣ" userId="b9989e27-3c39-44e7-a295-25b0866113c9" providerId="ADAL" clId="{7FE03760-2498-46E5-88E0-B6F768704F7A}" dt="2024-11-04T17:30:38.032" v="4"/>
+        <pc:chgData name="ΣΤΕΡΓΙΟΠΟΥΛΟΣ ΓΕΩΡΓΙΟΣ" userId="b9989e27-3c39-44e7-a295-25b0866113c9" providerId="ADAL" clId="{9DEA8178-CDFA-4A99-80BE-5DE6C817F52C}" dt="2024-11-06T16:56:12.237" v="2"/>
         <pc:sldMkLst>
           <pc:docMk/>
           <pc:sldMk cId="0" sldId="266"/>
         </pc:sldMkLst>
       </pc:sldChg>
       <pc:sldChg chg="modTransition">
-        <pc:chgData name="ΣΤΕΡΓΙΟΠΟΥΛΟΣ ΓΕΩΡΓΙΟΣ" userId="b9989e27-3c39-44e7-a295-25b0866113c9" providerId="ADAL" clId="{7FE03760-2498-46E5-88E0-B6F768704F7A}" dt="2024-11-04T17:30:38.032" v="4"/>
+        <pc:chgData name="ΣΤΕΡΓΙΟΠΟΥΛΟΣ ΓΕΩΡΓΙΟΣ" userId="b9989e27-3c39-44e7-a295-25b0866113c9" providerId="ADAL" clId="{9DEA8178-CDFA-4A99-80BE-5DE6C817F52C}" dt="2024-11-06T16:56:12.237" v="2"/>
         <pc:sldMkLst>
           <pc:docMk/>
           <pc:sldMk cId="0" sldId="267"/>
         </pc:sldMkLst>
       </pc:sldChg>
+      <pc:sldChg chg="modTransition">
+        <pc:chgData name="ΣΤΕΡΓΙΟΠΟΥΛΟΣ ΓΕΩΡΓΙΟΣ" userId="b9989e27-3c39-44e7-a295-25b0866113c9" providerId="ADAL" clId="{9DEA8178-CDFA-4A99-80BE-5DE6C817F52C}" dt="2024-11-06T16:56:12.237" v="2"/>
+        <pc:sldMkLst>
+          <pc:docMk/>
+          <pc:sldMk cId="0" sldId="268"/>
+        </pc:sldMkLst>
+      </pc:sldChg>
       <pc:sldMasterChg chg="modTransition modSldLayout">
-        <pc:chgData name="ΣΤΕΡΓΙΟΠΟΥΛΟΣ ΓΕΩΡΓΙΟΣ" userId="b9989e27-3c39-44e7-a295-25b0866113c9" providerId="ADAL" clId="{7FE03760-2498-46E5-88E0-B6F768704F7A}" dt="2024-11-04T17:30:38.032" v="4"/>
+        <pc:chgData name="ΣΤΕΡΓΙΟΠΟΥΛΟΣ ΓΕΩΡΓΙΟΣ" userId="b9989e27-3c39-44e7-a295-25b0866113c9" providerId="ADAL" clId="{9DEA8178-CDFA-4A99-80BE-5DE6C817F52C}" dt="2024-11-06T16:56:12.237" v="2"/>
         <pc:sldMasterMkLst>
           <pc:docMk/>
           <pc:sldMasterMk cId="0" sldId="2147483648"/>
         </pc:sldMasterMkLst>
         <pc:sldLayoutChg chg="modTransition">
-          <pc:chgData name="ΣΤΕΡΓΙΟΠΟΥΛΟΣ ΓΕΩΡΓΙΟΣ" userId="b9989e27-3c39-44e7-a295-25b0866113c9" providerId="ADAL" clId="{7FE03760-2498-46E5-88E0-B6F768704F7A}" dt="2024-11-04T17:30:38.032" v="4"/>
+          <pc:chgData name="ΣΤΕΡΓΙΟΠΟΥΛΟΣ ΓΕΩΡΓΙΟΣ" userId="b9989e27-3c39-44e7-a295-25b0866113c9" providerId="ADAL" clId="{9DEA8178-CDFA-4A99-80BE-5DE6C817F52C}" dt="2024-11-06T16:56:12.237" v="2"/>
           <pc:sldLayoutMkLst>
             <pc:docMk/>
             <pc:sldMasterMk cId="0" sldId="2147483648"/>
@@ -337,7 +305,7 @@
           </pc:sldLayoutMkLst>
         </pc:sldLayoutChg>
         <pc:sldLayoutChg chg="modTransition">
-          <pc:chgData name="ΣΤΕΡΓΙΟΠΟΥΛΟΣ ΓΕΩΡΓΙΟΣ" userId="b9989e27-3c39-44e7-a295-25b0866113c9" providerId="ADAL" clId="{7FE03760-2498-46E5-88E0-B6F768704F7A}" dt="2024-11-04T17:30:38.032" v="4"/>
+          <pc:chgData name="ΣΤΕΡΓΙΟΠΟΥΛΟΣ ΓΕΩΡΓΙΟΣ" userId="b9989e27-3c39-44e7-a295-25b0866113c9" providerId="ADAL" clId="{9DEA8178-CDFA-4A99-80BE-5DE6C817F52C}" dt="2024-11-06T16:56:12.237" v="2"/>
           <pc:sldLayoutMkLst>
             <pc:docMk/>
             <pc:sldMasterMk cId="0" sldId="2147483648"/>
@@ -345,7 +313,7 @@
           </pc:sldLayoutMkLst>
         </pc:sldLayoutChg>
         <pc:sldLayoutChg chg="modTransition">
-          <pc:chgData name="ΣΤΕΡΓΙΟΠΟΥΛΟΣ ΓΕΩΡΓΙΟΣ" userId="b9989e27-3c39-44e7-a295-25b0866113c9" providerId="ADAL" clId="{7FE03760-2498-46E5-88E0-B6F768704F7A}" dt="2024-11-04T17:30:38.032" v="4"/>
+          <pc:chgData name="ΣΤΕΡΓΙΟΠΟΥΛΟΣ ΓΕΩΡΓΙΟΣ" userId="b9989e27-3c39-44e7-a295-25b0866113c9" providerId="ADAL" clId="{9DEA8178-CDFA-4A99-80BE-5DE6C817F52C}" dt="2024-11-06T16:56:12.237" v="2"/>
           <pc:sldLayoutMkLst>
             <pc:docMk/>
             <pc:sldMasterMk cId="0" sldId="2147483648"/>
@@ -353,7 +321,7 @@
           </pc:sldLayoutMkLst>
         </pc:sldLayoutChg>
         <pc:sldLayoutChg chg="modTransition">
-          <pc:chgData name="ΣΤΕΡΓΙΟΠΟΥΛΟΣ ΓΕΩΡΓΙΟΣ" userId="b9989e27-3c39-44e7-a295-25b0866113c9" providerId="ADAL" clId="{7FE03760-2498-46E5-88E0-B6F768704F7A}" dt="2024-11-04T17:30:38.032" v="4"/>
+          <pc:chgData name="ΣΤΕΡΓΙΟΠΟΥΛΟΣ ΓΕΩΡΓΙΟΣ" userId="b9989e27-3c39-44e7-a295-25b0866113c9" providerId="ADAL" clId="{9DEA8178-CDFA-4A99-80BE-5DE6C817F52C}" dt="2024-11-06T16:56:12.237" v="2"/>
           <pc:sldLayoutMkLst>
             <pc:docMk/>
             <pc:sldMasterMk cId="0" sldId="2147483648"/>
@@ -361,7 +329,7 @@
           </pc:sldLayoutMkLst>
         </pc:sldLayoutChg>
         <pc:sldLayoutChg chg="modTransition">
-          <pc:chgData name="ΣΤΕΡΓΙΟΠΟΥΛΟΣ ΓΕΩΡΓΙΟΣ" userId="b9989e27-3c39-44e7-a295-25b0866113c9" providerId="ADAL" clId="{7FE03760-2498-46E5-88E0-B6F768704F7A}" dt="2024-11-04T17:30:38.032" v="4"/>
+          <pc:chgData name="ΣΤΕΡΓΙΟΠΟΥΛΟΣ ΓΕΩΡΓΙΟΣ" userId="b9989e27-3c39-44e7-a295-25b0866113c9" providerId="ADAL" clId="{9DEA8178-CDFA-4A99-80BE-5DE6C817F52C}" dt="2024-11-06T16:56:12.237" v="2"/>
           <pc:sldLayoutMkLst>
             <pc:docMk/>
             <pc:sldMasterMk cId="0" sldId="2147483648"/>
@@ -369,7 +337,7 @@
           </pc:sldLayoutMkLst>
         </pc:sldLayoutChg>
         <pc:sldLayoutChg chg="modTransition">
-          <pc:chgData name="ΣΤΕΡΓΙΟΠΟΥΛΟΣ ΓΕΩΡΓΙΟΣ" userId="b9989e27-3c39-44e7-a295-25b0866113c9" providerId="ADAL" clId="{7FE03760-2498-46E5-88E0-B6F768704F7A}" dt="2024-11-04T17:30:38.032" v="4"/>
+          <pc:chgData name="ΣΤΕΡΓΙΟΠΟΥΛΟΣ ΓΕΩΡΓΙΟΣ" userId="b9989e27-3c39-44e7-a295-25b0866113c9" providerId="ADAL" clId="{9DEA8178-CDFA-4A99-80BE-5DE6C817F52C}" dt="2024-11-06T16:56:12.237" v="2"/>
           <pc:sldLayoutMkLst>
             <pc:docMk/>
             <pc:sldMasterMk cId="0" sldId="2147483648"/>
@@ -377,7 +345,7 @@
           </pc:sldLayoutMkLst>
         </pc:sldLayoutChg>
         <pc:sldLayoutChg chg="modTransition">
-          <pc:chgData name="ΣΤΕΡΓΙΟΠΟΥΛΟΣ ΓΕΩΡΓΙΟΣ" userId="b9989e27-3c39-44e7-a295-25b0866113c9" providerId="ADAL" clId="{7FE03760-2498-46E5-88E0-B6F768704F7A}" dt="2024-11-04T17:30:38.032" v="4"/>
+          <pc:chgData name="ΣΤΕΡΓΙΟΠΟΥΛΟΣ ΓΕΩΡΓΙΟΣ" userId="b9989e27-3c39-44e7-a295-25b0866113c9" providerId="ADAL" clId="{9DEA8178-CDFA-4A99-80BE-5DE6C817F52C}" dt="2024-11-06T16:56:12.237" v="2"/>
           <pc:sldLayoutMkLst>
             <pc:docMk/>
             <pc:sldMasterMk cId="0" sldId="2147483648"/>
@@ -385,7 +353,7 @@
           </pc:sldLayoutMkLst>
         </pc:sldLayoutChg>
         <pc:sldLayoutChg chg="modTransition">
-          <pc:chgData name="ΣΤΕΡΓΙΟΠΟΥΛΟΣ ΓΕΩΡΓΙΟΣ" userId="b9989e27-3c39-44e7-a295-25b0866113c9" providerId="ADAL" clId="{7FE03760-2498-46E5-88E0-B6F768704F7A}" dt="2024-11-04T17:30:38.032" v="4"/>
+          <pc:chgData name="ΣΤΕΡΓΙΟΠΟΥΛΟΣ ΓΕΩΡΓΙΟΣ" userId="b9989e27-3c39-44e7-a295-25b0866113c9" providerId="ADAL" clId="{9DEA8178-CDFA-4A99-80BE-5DE6C817F52C}" dt="2024-11-06T16:56:12.237" v="2"/>
           <pc:sldLayoutMkLst>
             <pc:docMk/>
             <pc:sldMasterMk cId="0" sldId="2147483648"/>
@@ -393,7 +361,7 @@
           </pc:sldLayoutMkLst>
         </pc:sldLayoutChg>
         <pc:sldLayoutChg chg="modTransition">
-          <pc:chgData name="ΣΤΕΡΓΙΟΠΟΥΛΟΣ ΓΕΩΡΓΙΟΣ" userId="b9989e27-3c39-44e7-a295-25b0866113c9" providerId="ADAL" clId="{7FE03760-2498-46E5-88E0-B6F768704F7A}" dt="2024-11-04T17:30:38.032" v="4"/>
+          <pc:chgData name="ΣΤΕΡΓΙΟΠΟΥΛΟΣ ΓΕΩΡΓΙΟΣ" userId="b9989e27-3c39-44e7-a295-25b0866113c9" providerId="ADAL" clId="{9DEA8178-CDFA-4A99-80BE-5DE6C817F52C}" dt="2024-11-06T16:56:12.237" v="2"/>
           <pc:sldLayoutMkLst>
             <pc:docMk/>
             <pc:sldMasterMk cId="0" sldId="2147483648"/>
@@ -401,7 +369,7 @@
           </pc:sldLayoutMkLst>
         </pc:sldLayoutChg>
         <pc:sldLayoutChg chg="modTransition">
-          <pc:chgData name="ΣΤΕΡΓΙΟΠΟΥΛΟΣ ΓΕΩΡΓΙΟΣ" userId="b9989e27-3c39-44e7-a295-25b0866113c9" providerId="ADAL" clId="{7FE03760-2498-46E5-88E0-B6F768704F7A}" dt="2024-11-04T17:30:38.032" v="4"/>
+          <pc:chgData name="ΣΤΕΡΓΙΟΠΟΥΛΟΣ ΓΕΩΡΓΙΟΣ" userId="b9989e27-3c39-44e7-a295-25b0866113c9" providerId="ADAL" clId="{9DEA8178-CDFA-4A99-80BE-5DE6C817F52C}" dt="2024-11-06T16:56:12.237" v="2"/>
           <pc:sldLayoutMkLst>
             <pc:docMk/>
             <pc:sldMasterMk cId="0" sldId="2147483648"/>
@@ -409,7 +377,7 @@
           </pc:sldLayoutMkLst>
         </pc:sldLayoutChg>
         <pc:sldLayoutChg chg="modTransition">
-          <pc:chgData name="ΣΤΕΡΓΙΟΠΟΥΛΟΣ ΓΕΩΡΓΙΟΣ" userId="b9989e27-3c39-44e7-a295-25b0866113c9" providerId="ADAL" clId="{7FE03760-2498-46E5-88E0-B6F768704F7A}" dt="2024-11-04T17:30:38.032" v="4"/>
+          <pc:chgData name="ΣΤΕΡΓΙΟΠΟΥΛΟΣ ΓΕΩΡΓΙΟΣ" userId="b9989e27-3c39-44e7-a295-25b0866113c9" providerId="ADAL" clId="{9DEA8178-CDFA-4A99-80BE-5DE6C817F52C}" dt="2024-11-06T16:56:12.237" v="2"/>
           <pc:sldLayoutMkLst>
             <pc:docMk/>
             <pc:sldMasterMk cId="0" sldId="2147483648"/>
@@ -602,7 +570,7 @@
             <a:fld id="{1D8BD707-D9CF-40AE-B4C6-C98DA3205C09}" type="datetimeFigureOut">
               <a:rPr lang="en-US" smtClean="0"/>
               <a:pPr/>
-              <a:t>11/4/2024</a:t>
+              <a:t>11/7/2024</a:t>
             </a:fld>
             <a:endParaRPr lang="en-US"/>
           </a:p>
@@ -656,7 +624,7 @@
   <p:clrMapOvr>
     <a:masterClrMapping/>
   </p:clrMapOvr>
-  <p:transition spd="slow">
+  <p:transition spd="med">
     <p:wipe/>
   </p:transition>
 </p:sldLayout>
@@ -770,7 +738,7 @@
             <a:fld id="{1D8BD707-D9CF-40AE-B4C6-C98DA3205C09}" type="datetimeFigureOut">
               <a:rPr lang="en-US" smtClean="0"/>
               <a:pPr/>
-              <a:t>11/4/2024</a:t>
+              <a:t>11/7/2024</a:t>
             </a:fld>
             <a:endParaRPr lang="en-US"/>
           </a:p>
@@ -824,7 +792,7 @@
   <p:clrMapOvr>
     <a:masterClrMapping/>
   </p:clrMapOvr>
-  <p:transition spd="slow">
+  <p:transition spd="med">
     <p:wipe/>
   </p:transition>
 </p:sldLayout>
@@ -948,7 +916,7 @@
             <a:fld id="{1D8BD707-D9CF-40AE-B4C6-C98DA3205C09}" type="datetimeFigureOut">
               <a:rPr lang="en-US" smtClean="0"/>
               <a:pPr/>
-              <a:t>11/4/2024</a:t>
+              <a:t>11/7/2024</a:t>
             </a:fld>
             <a:endParaRPr lang="en-US"/>
           </a:p>
@@ -1002,7 +970,7 @@
   <p:clrMapOvr>
     <a:masterClrMapping/>
   </p:clrMapOvr>
-  <p:transition spd="slow">
+  <p:transition spd="med">
     <p:wipe/>
   </p:transition>
 </p:sldLayout>
@@ -1116,7 +1084,7 @@
             <a:fld id="{1D8BD707-D9CF-40AE-B4C6-C98DA3205C09}" type="datetimeFigureOut">
               <a:rPr lang="en-US" smtClean="0"/>
               <a:pPr/>
-              <a:t>11/4/2024</a:t>
+              <a:t>11/7/2024</a:t>
             </a:fld>
             <a:endParaRPr lang="en-US"/>
           </a:p>
@@ -1170,7 +1138,7 @@
   <p:clrMapOvr>
     <a:masterClrMapping/>
   </p:clrMapOvr>
-  <p:transition spd="slow">
+  <p:transition spd="med">
     <p:wipe/>
   </p:transition>
 </p:sldLayout>
@@ -1361,7 +1329,7 @@
             <a:fld id="{1D8BD707-D9CF-40AE-B4C6-C98DA3205C09}" type="datetimeFigureOut">
               <a:rPr lang="en-US" smtClean="0"/>
               <a:pPr/>
-              <a:t>11/4/2024</a:t>
+              <a:t>11/7/2024</a:t>
             </a:fld>
             <a:endParaRPr lang="en-US"/>
           </a:p>
@@ -1415,7 +1383,7 @@
   <p:clrMapOvr>
     <a:masterClrMapping/>
   </p:clrMapOvr>
-  <p:transition spd="slow">
+  <p:transition spd="med">
     <p:wipe/>
   </p:transition>
 </p:sldLayout>
@@ -1646,7 +1614,7 @@
             <a:fld id="{1D8BD707-D9CF-40AE-B4C6-C98DA3205C09}" type="datetimeFigureOut">
               <a:rPr lang="en-US" smtClean="0"/>
               <a:pPr/>
-              <a:t>11/4/2024</a:t>
+              <a:t>11/7/2024</a:t>
             </a:fld>
             <a:endParaRPr lang="en-US"/>
           </a:p>
@@ -1700,7 +1668,7 @@
   <p:clrMapOvr>
     <a:masterClrMapping/>
   </p:clrMapOvr>
-  <p:transition spd="slow">
+  <p:transition spd="med">
     <p:wipe/>
   </p:transition>
 </p:sldLayout>
@@ -2065,7 +2033,7 @@
             <a:fld id="{1D8BD707-D9CF-40AE-B4C6-C98DA3205C09}" type="datetimeFigureOut">
               <a:rPr lang="en-US" smtClean="0"/>
               <a:pPr/>
-              <a:t>11/4/2024</a:t>
+              <a:t>11/7/2024</a:t>
             </a:fld>
             <a:endParaRPr lang="en-US"/>
           </a:p>
@@ -2119,7 +2087,7 @@
   <p:clrMapOvr>
     <a:masterClrMapping/>
   </p:clrMapOvr>
-  <p:transition spd="slow">
+  <p:transition spd="med">
     <p:wipe/>
   </p:transition>
 </p:sldLayout>
@@ -2182,7 +2150,7 @@
             <a:fld id="{1D8BD707-D9CF-40AE-B4C6-C98DA3205C09}" type="datetimeFigureOut">
               <a:rPr lang="en-US" smtClean="0"/>
               <a:pPr/>
-              <a:t>11/4/2024</a:t>
+              <a:t>11/7/2024</a:t>
             </a:fld>
             <a:endParaRPr lang="en-US"/>
           </a:p>
@@ -2236,7 +2204,7 @@
   <p:clrMapOvr>
     <a:masterClrMapping/>
   </p:clrMapOvr>
-  <p:transition spd="slow">
+  <p:transition spd="med">
     <p:wipe/>
   </p:transition>
 </p:sldLayout>
@@ -2277,7 +2245,7 @@
             <a:fld id="{1D8BD707-D9CF-40AE-B4C6-C98DA3205C09}" type="datetimeFigureOut">
               <a:rPr lang="en-US" smtClean="0"/>
               <a:pPr/>
-              <a:t>11/4/2024</a:t>
+              <a:t>11/7/2024</a:t>
             </a:fld>
             <a:endParaRPr lang="en-US"/>
           </a:p>
@@ -2331,7 +2299,7 @@
   <p:clrMapOvr>
     <a:masterClrMapping/>
   </p:clrMapOvr>
-  <p:transition spd="slow">
+  <p:transition spd="med">
     <p:wipe/>
   </p:transition>
 </p:sldLayout>
@@ -2552,7 +2520,7 @@
             <a:fld id="{1D8BD707-D9CF-40AE-B4C6-C98DA3205C09}" type="datetimeFigureOut">
               <a:rPr lang="en-US" smtClean="0"/>
               <a:pPr/>
-              <a:t>11/4/2024</a:t>
+              <a:t>11/7/2024</a:t>
             </a:fld>
             <a:endParaRPr lang="en-US"/>
           </a:p>
@@ -2606,7 +2574,7 @@
   <p:clrMapOvr>
     <a:masterClrMapping/>
   </p:clrMapOvr>
-  <p:transition spd="slow">
+  <p:transition spd="med">
     <p:wipe/>
   </p:transition>
 </p:sldLayout>
@@ -2804,7 +2772,7 @@
             <a:fld id="{1D8BD707-D9CF-40AE-B4C6-C98DA3205C09}" type="datetimeFigureOut">
               <a:rPr lang="en-US" smtClean="0"/>
               <a:pPr/>
-              <a:t>11/4/2024</a:t>
+              <a:t>11/7/2024</a:t>
             </a:fld>
             <a:endParaRPr lang="en-US"/>
           </a:p>
@@ -2858,7 +2826,7 @@
   <p:clrMapOvr>
     <a:masterClrMapping/>
   </p:clrMapOvr>
-  <p:transition spd="slow">
+  <p:transition spd="med">
     <p:wipe/>
   </p:transition>
 </p:sldLayout>
@@ -3015,7 +2983,7 @@
             <a:fld id="{1D8BD707-D9CF-40AE-B4C6-C98DA3205C09}" type="datetimeFigureOut">
               <a:rPr lang="en-US" smtClean="0"/>
               <a:pPr/>
-              <a:t>11/4/2024</a:t>
+              <a:t>11/7/2024</a:t>
             </a:fld>
             <a:endParaRPr lang="en-US"/>
           </a:p>
@@ -3116,7 +3084,7 @@
     <p:sldLayoutId id="2147483658" r:id="rId10"/>
     <p:sldLayoutId id="2147483659" r:id="rId11"/>
   </p:sldLayoutIdLst>
-  <p:transition spd="slow">
+  <p:transition spd="med">
     <p:wipe/>
   </p:transition>
   <p:txStyles>
@@ -3914,7 +3882,7 @@
   <p:clrMapOvr>
     <a:masterClrMapping/>
   </p:clrMapOvr>
-  <p:transition spd="slow">
+  <p:transition spd="med">
     <p:wipe/>
   </p:transition>
 </p:sld>
@@ -3953,6 +3921,138 @@
         </p:nvSpPr>
         <p:spPr>
           <a:xfrm>
+            <a:off x="-51264" y="-205057"/>
+            <a:ext cx="18339264" cy="8413137"/>
+          </a:xfrm>
+          <a:custGeom>
+            <a:avLst/>
+            <a:gdLst/>
+            <a:ahLst/>
+            <a:cxnLst/>
+            <a:rect l="l" t="t" r="r" b="b"/>
+            <a:pathLst>
+              <a:path w="18339264" h="8413137">
+                <a:moveTo>
+                  <a:pt x="0" y="0"/>
+                </a:moveTo>
+                <a:lnTo>
+                  <a:pt x="18339264" y="0"/>
+                </a:lnTo>
+                <a:lnTo>
+                  <a:pt x="18339264" y="8413137"/>
+                </a:lnTo>
+                <a:lnTo>
+                  <a:pt x="0" y="8413137"/>
+                </a:lnTo>
+                <a:lnTo>
+                  <a:pt x="0" y="0"/>
+                </a:lnTo>
+                <a:close/>
+              </a:path>
+            </a:pathLst>
+          </a:custGeom>
+          <a:blipFill>
+            <a:blip r:embed="rId2"/>
+            <a:stretch>
+              <a:fillRect/>
+            </a:stretch>
+          </a:blipFill>
+        </p:spPr>
+        <p:txBody>
+          <a:bodyPr/>
+          <a:lstStyle/>
+          <a:p>
+            <a:endParaRPr lang="el-GR"/>
+          </a:p>
+        </p:txBody>
+      </p:sp>
+      <p:sp>
+        <p:nvSpPr>
+          <p:cNvPr id="3" name="TextBox 3"/>
+          <p:cNvSpPr txBox="1"/>
+          <p:nvPr/>
+        </p:nvSpPr>
+        <p:spPr>
+          <a:xfrm>
+            <a:off x="511881" y="9046324"/>
+            <a:ext cx="14853293" cy="385852"/>
+          </a:xfrm>
+          <a:prstGeom prst="rect">
+            <a:avLst/>
+          </a:prstGeom>
+        </p:spPr>
+        <p:txBody>
+          <a:bodyPr lIns="0" tIns="0" rIns="0" bIns="0" rtlCol="0" anchor="t">
+            <a:spAutoFit/>
+          </a:bodyPr>
+          <a:lstStyle/>
+          <a:p>
+            <a:pPr marL="493923" lvl="1" indent="-246962" algn="l">
+              <a:lnSpc>
+                <a:spcPts val="3157"/>
+              </a:lnSpc>
+              <a:buFont typeface="Arial"/>
+              <a:buChar char="•"/>
+            </a:pPr>
+            <a:r>
+              <a:rPr lang="en-US" sz="2287" b="1">
+                <a:solidFill>
+                  <a:srgbClr val="000000"/>
+                </a:solidFill>
+                <a:latin typeface="DM Sans Bold"/>
+                <a:ea typeface="DM Sans Bold"/>
+                <a:cs typeface="DM Sans Bold"/>
+                <a:sym typeface="DM Sans Bold"/>
+              </a:rPr>
+              <a:t>For each connected user the list of the projects they are associated with, will be displayed.</a:t>
+            </a:r>
+          </a:p>
+        </p:txBody>
+      </p:sp>
+    </p:spTree>
+  </p:cSld>
+  <p:clrMapOvr>
+    <a:masterClrMapping/>
+  </p:clrMapOvr>
+  <p:transition spd="med">
+    <p:wipe/>
+  </p:transition>
+</p:sld>
+</file>
+
+<file path=ppt/slides/slide11.xml><?xml version="1.0" encoding="utf-8"?>
+<p:sld xmlns:a="http://schemas.openxmlformats.org/drawingml/2006/main" xmlns:r="http://schemas.openxmlformats.org/officeDocument/2006/relationships" xmlns:p="http://schemas.openxmlformats.org/presentationml/2006/main">
+  <p:cSld>
+    <p:bg>
+      <p:bgPr>
+        <a:solidFill>
+          <a:srgbClr val="CAD0D1"/>
+        </a:solidFill>
+        <a:effectLst/>
+      </p:bgPr>
+    </p:bg>
+    <p:spTree>
+      <p:nvGrpSpPr>
+        <p:cNvPr id="1" name=""/>
+        <p:cNvGrpSpPr/>
+        <p:nvPr/>
+      </p:nvGrpSpPr>
+      <p:grpSpPr>
+        <a:xfrm>
+          <a:off x="0" y="0"/>
+          <a:ext cx="0" cy="0"/>
+          <a:chOff x="0" y="0"/>
+          <a:chExt cx="0" cy="0"/>
+        </a:xfrm>
+      </p:grpSpPr>
+      <p:sp>
+        <p:nvSpPr>
+          <p:cNvPr id="2" name="Freeform 2"/>
+          <p:cNvSpPr/>
+          <p:nvPr/>
+        </p:nvSpPr>
+        <p:spPr>
+          <a:xfrm>
             <a:off x="9087205" y="0"/>
             <a:ext cx="9200795" cy="10287000"/>
           </a:xfrm>
@@ -4107,13 +4207,13 @@
   <p:clrMapOvr>
     <a:masterClrMapping/>
   </p:clrMapOvr>
-  <p:transition spd="slow">
+  <p:transition spd="med">
     <p:wipe/>
   </p:transition>
 </p:sld>
 </file>
 
-<file path=ppt/slides/slide11.xml><?xml version="1.0" encoding="utf-8"?>
+<file path=ppt/slides/slide12.xml><?xml version="1.0" encoding="utf-8"?>
 <p:sld xmlns:a="http://schemas.openxmlformats.org/drawingml/2006/main" xmlns:r="http://schemas.openxmlformats.org/officeDocument/2006/relationships" xmlns:p="http://schemas.openxmlformats.org/presentationml/2006/main">
   <p:cSld>
     <p:bg>
@@ -5537,13 +5637,13 @@
   <p:clrMapOvr>
     <a:masterClrMapping/>
   </p:clrMapOvr>
-  <p:transition spd="slow">
+  <p:transition spd="med">
     <p:wipe/>
   </p:transition>
 </p:sld>
 </file>
 
-<file path=ppt/slides/slide12.xml><?xml version="1.0" encoding="utf-8"?>
+<file path=ppt/slides/slide13.xml><?xml version="1.0" encoding="utf-8"?>
 <p:sld xmlns:a="http://schemas.openxmlformats.org/drawingml/2006/main" xmlns:r="http://schemas.openxmlformats.org/officeDocument/2006/relationships" xmlns:p="http://schemas.openxmlformats.org/presentationml/2006/main">
   <p:cSld>
     <p:bg>
@@ -6021,7 +6121,7 @@
         </p:nvSpPr>
         <p:spPr>
           <a:xfrm>
-            <a:off x="3136813" y="1884522"/>
+            <a:off x="3090411" y="1555811"/>
             <a:ext cx="1861839" cy="338237"/>
           </a:xfrm>
           <a:prstGeom prst="rect">
@@ -6150,7 +6250,7 @@
         </p:nvSpPr>
         <p:spPr>
           <a:xfrm>
-            <a:off x="3425918" y="2188067"/>
+            <a:off x="3312339" y="1907574"/>
             <a:ext cx="1861839" cy="338237"/>
           </a:xfrm>
           <a:prstGeom prst="rect">
@@ -6188,7 +6288,7 @@
   <p:clrMapOvr>
     <a:masterClrMapping/>
   </p:clrMapOvr>
-  <p:transition spd="slow">
+  <p:transition spd="med">
     <p:wipe/>
   </p:transition>
 </p:sld>
@@ -6227,7 +6327,7 @@
         </p:nvGrpSpPr>
         <p:grpSpPr>
           <a:xfrm>
-            <a:off x="9563900" y="7500020"/>
+            <a:off x="9487955" y="5669406"/>
             <a:ext cx="9027044" cy="1147094"/>
             <a:chOff x="0" y="0"/>
             <a:chExt cx="2740990" cy="348306"/>
@@ -6324,7 +6424,7 @@
         </p:nvSpPr>
         <p:spPr>
           <a:xfrm>
-            <a:off x="-371225" y="-760967"/>
+            <a:off x="-210949" y="-1034376"/>
             <a:ext cx="9754014" cy="13005352"/>
           </a:xfrm>
           <a:custGeom>
@@ -6342,10 +6442,10 @@
                   <a:pt x="9754014" y="0"/>
                 </a:lnTo>
                 <a:lnTo>
-                  <a:pt x="9754014" y="13005353"/>
-                </a:lnTo>
-                <a:lnTo>
-                  <a:pt x="0" y="13005353"/>
+                  <a:pt x="9754014" y="13005352"/>
+                </a:lnTo>
+                <a:lnTo>
+                  <a:pt x="0" y="13005352"/>
                 </a:lnTo>
                 <a:lnTo>
                   <a:pt x="0" y="0"/>
@@ -6356,7 +6456,7 @@
           </a:custGeom>
           <a:blipFill>
             <a:blip r:embed="rId2">
-              <a:alphaModFix amt="74000"/>
+              <a:alphaModFix amt="54000"/>
             </a:blip>
             <a:stretch>
               <a:fillRect l="-50182" r="-50182"/>
@@ -6379,7 +6479,7 @@
         </p:nvGrpSpPr>
         <p:grpSpPr>
           <a:xfrm>
-            <a:off x="9563900" y="1913426"/>
+            <a:off x="9529246" y="1101079"/>
             <a:ext cx="9027044" cy="1147094"/>
             <a:chOff x="0" y="0"/>
             <a:chExt cx="2740990" cy="348306"/>
@@ -6476,116 +6576,15 @@
         </p:nvGrpSpPr>
         <p:grpSpPr>
           <a:xfrm>
-            <a:off x="8610204" y="1645368"/>
-            <a:ext cx="1610317" cy="1610317"/>
+            <a:off x="9487955" y="3400917"/>
+            <a:ext cx="9027044" cy="1147094"/>
             <a:chOff x="0" y="0"/>
-            <a:chExt cx="812800" cy="812800"/>
+            <a:chExt cx="2740990" cy="348306"/>
           </a:xfrm>
         </p:grpSpPr>
         <p:sp>
           <p:nvSpPr>
             <p:cNvPr id="10" name="Freeform 10"/>
-            <p:cNvSpPr/>
-            <p:nvPr/>
-          </p:nvSpPr>
-          <p:spPr>
-            <a:xfrm>
-              <a:off x="0" y="0"/>
-              <a:ext cx="812800" cy="812800"/>
-            </a:xfrm>
-            <a:custGeom>
-              <a:avLst/>
-              <a:gdLst/>
-              <a:ahLst/>
-              <a:cxnLst/>
-              <a:rect l="l" t="t" r="r" b="b"/>
-              <a:pathLst>
-                <a:path w="812800" h="812800">
-                  <a:moveTo>
-                    <a:pt x="406400" y="0"/>
-                  </a:moveTo>
-                  <a:cubicBezTo>
-                    <a:pt x="181951" y="0"/>
-                    <a:pt x="0" y="181951"/>
-                    <a:pt x="0" y="406400"/>
-                  </a:cubicBezTo>
-                  <a:cubicBezTo>
-                    <a:pt x="0" y="630849"/>
-                    <a:pt x="181951" y="812800"/>
-                    <a:pt x="406400" y="812800"/>
-                  </a:cubicBezTo>
-                  <a:cubicBezTo>
-                    <a:pt x="630849" y="812800"/>
-                    <a:pt x="812800" y="630849"/>
-                    <a:pt x="812800" y="406400"/>
-                  </a:cubicBezTo>
-                  <a:cubicBezTo>
-                    <a:pt x="812800" y="181951"/>
-                    <a:pt x="630849" y="0"/>
-                    <a:pt x="406400" y="0"/>
-                  </a:cubicBezTo>
-                  <a:close/>
-                </a:path>
-              </a:pathLst>
-            </a:custGeom>
-            <a:solidFill>
-              <a:srgbClr val="194A8D"/>
-            </a:solidFill>
-          </p:spPr>
-          <p:txBody>
-            <a:bodyPr/>
-            <a:lstStyle/>
-            <a:p>
-              <a:endParaRPr lang="el-GR"/>
-            </a:p>
-          </p:txBody>
-        </p:sp>
-        <p:sp>
-          <p:nvSpPr>
-            <p:cNvPr id="11" name="TextBox 11"/>
-            <p:cNvSpPr txBox="1"/>
-            <p:nvPr/>
-          </p:nvSpPr>
-          <p:spPr>
-            <a:xfrm>
-              <a:off x="76200" y="28575"/>
-              <a:ext cx="660400" cy="708025"/>
-            </a:xfrm>
-            <a:prstGeom prst="rect">
-              <a:avLst/>
-            </a:prstGeom>
-          </p:spPr>
-          <p:txBody>
-            <a:bodyPr lIns="50800" tIns="50800" rIns="50800" bIns="50800" rtlCol="0" anchor="ctr"/>
-            <a:lstStyle/>
-            <a:p>
-              <a:pPr algn="ctr">
-                <a:lnSpc>
-                  <a:spcPts val="2659"/>
-                </a:lnSpc>
-              </a:pPr>
-              <a:endParaRPr/>
-            </a:p>
-          </p:txBody>
-        </p:sp>
-      </p:grpSp>
-      <p:grpSp>
-        <p:nvGrpSpPr>
-          <p:cNvPr id="12" name="Group 12"/>
-          <p:cNvGrpSpPr/>
-          <p:nvPr/>
-        </p:nvGrpSpPr>
-        <p:grpSpPr>
-          <a:xfrm>
-            <a:off x="9563900" y="4665436"/>
-            <a:ext cx="9027044" cy="1147094"/>
-            <a:chOff x="0" y="0"/>
-            <a:chExt cx="2740990" cy="348306"/>
-          </a:xfrm>
-        </p:grpSpPr>
-        <p:sp>
-          <p:nvSpPr>
-            <p:cNvPr id="13" name="Freeform 13"/>
             <p:cNvSpPr/>
             <p:nvPr/>
           </p:nvSpPr>
@@ -6639,7 +6638,7 @@
         </p:sp>
         <p:sp>
           <p:nvSpPr>
-            <p:cNvPr id="14" name="TextBox 14"/>
+            <p:cNvPr id="11" name="TextBox 11"/>
             <p:cNvSpPr txBox="1"/>
             <p:nvPr/>
           </p:nvSpPr>
@@ -6668,16 +6667,117 @@
       </p:grpSp>
       <p:grpSp>
         <p:nvGrpSpPr>
+          <p:cNvPr id="12" name="Group 12"/>
+          <p:cNvGrpSpPr/>
+          <p:nvPr/>
+        </p:nvGrpSpPr>
+        <p:grpSpPr>
+          <a:xfrm>
+            <a:off x="8551694" y="3168884"/>
+            <a:ext cx="1610317" cy="1610317"/>
+            <a:chOff x="0" y="0"/>
+            <a:chExt cx="827412" cy="827412"/>
+          </a:xfrm>
+        </p:grpSpPr>
+        <p:sp>
+          <p:nvSpPr>
+            <p:cNvPr id="13" name="Freeform 13"/>
+            <p:cNvSpPr/>
+            <p:nvPr/>
+          </p:nvSpPr>
+          <p:spPr>
+            <a:xfrm>
+              <a:off x="0" y="0"/>
+              <a:ext cx="827412" cy="827412"/>
+            </a:xfrm>
+            <a:custGeom>
+              <a:avLst/>
+              <a:gdLst/>
+              <a:ahLst/>
+              <a:cxnLst/>
+              <a:rect l="l" t="t" r="r" b="b"/>
+              <a:pathLst>
+                <a:path w="827412" h="827412">
+                  <a:moveTo>
+                    <a:pt x="413706" y="0"/>
+                  </a:moveTo>
+                  <a:cubicBezTo>
+                    <a:pt x="185222" y="0"/>
+                    <a:pt x="0" y="185222"/>
+                    <a:pt x="0" y="413706"/>
+                  </a:cubicBezTo>
+                  <a:cubicBezTo>
+                    <a:pt x="0" y="642189"/>
+                    <a:pt x="185222" y="827412"/>
+                    <a:pt x="413706" y="827412"/>
+                  </a:cubicBezTo>
+                  <a:cubicBezTo>
+                    <a:pt x="642189" y="827412"/>
+                    <a:pt x="827412" y="642189"/>
+                    <a:pt x="827412" y="413706"/>
+                  </a:cubicBezTo>
+                  <a:cubicBezTo>
+                    <a:pt x="827412" y="185222"/>
+                    <a:pt x="642189" y="0"/>
+                    <a:pt x="413706" y="0"/>
+                  </a:cubicBezTo>
+                  <a:close/>
+                </a:path>
+              </a:pathLst>
+            </a:custGeom>
+            <a:solidFill>
+              <a:srgbClr val="194A8D"/>
+            </a:solidFill>
+          </p:spPr>
+          <p:txBody>
+            <a:bodyPr/>
+            <a:lstStyle/>
+            <a:p>
+              <a:endParaRPr lang="el-GR"/>
+            </a:p>
+          </p:txBody>
+        </p:sp>
+        <p:sp>
+          <p:nvSpPr>
+            <p:cNvPr id="14" name="TextBox 14"/>
+            <p:cNvSpPr txBox="1"/>
+            <p:nvPr/>
+          </p:nvSpPr>
+          <p:spPr>
+            <a:xfrm>
+              <a:off x="77570" y="29945"/>
+              <a:ext cx="672272" cy="719897"/>
+            </a:xfrm>
+            <a:prstGeom prst="rect">
+              <a:avLst/>
+            </a:prstGeom>
+          </p:spPr>
+          <p:txBody>
+            <a:bodyPr lIns="50800" tIns="50800" rIns="50800" bIns="50800" rtlCol="0" anchor="ctr"/>
+            <a:lstStyle/>
+            <a:p>
+              <a:pPr algn="ctr">
+                <a:lnSpc>
+                  <a:spcPts val="2659"/>
+                </a:lnSpc>
+              </a:pPr>
+              <a:endParaRPr/>
+            </a:p>
+          </p:txBody>
+        </p:sp>
+      </p:grpSp>
+      <p:grpSp>
+        <p:nvGrpSpPr>
           <p:cNvPr id="15" name="Group 15"/>
           <p:cNvGrpSpPr/>
           <p:nvPr/>
         </p:nvGrpSpPr>
         <p:grpSpPr>
           <a:xfrm>
-            <a:off x="8614786" y="4464330"/>
-            <a:ext cx="1549306" cy="1549306"/>
+            <a:off x="8575550" y="869467"/>
+            <a:ext cx="1586461" cy="1610317"/>
             <a:chOff x="0" y="0"/>
-            <a:chExt cx="812800" cy="812800"/>
+            <a:chExt cx="815154" cy="827412"/>
           </a:xfrm>
         </p:grpSpPr>
         <p:sp>
@@ -6689,7 +6789,7 @@
           <p:spPr>
             <a:xfrm>
               <a:off x="0" y="0"/>
-              <a:ext cx="812800" cy="812800"/>
+              <a:ext cx="815154" cy="827412"/>
             </a:xfrm>
             <a:custGeom>
               <a:avLst/>
@@ -6698,29 +6798,29 @@
               <a:cxnLst/>
               <a:rect l="l" t="t" r="r" b="b"/>
               <a:pathLst>
-                <a:path w="812800" h="812800">
+                <a:path w="815154" h="827412">
                   <a:moveTo>
-                    <a:pt x="406400" y="0"/>
+                    <a:pt x="407577" y="0"/>
                   </a:moveTo>
                   <a:cubicBezTo>
-                    <a:pt x="181951" y="0"/>
-                    <a:pt x="0" y="181951"/>
-                    <a:pt x="0" y="406400"/>
+                    <a:pt x="182478" y="0"/>
+                    <a:pt x="0" y="185222"/>
+                    <a:pt x="0" y="413706"/>
                   </a:cubicBezTo>
                   <a:cubicBezTo>
-                    <a:pt x="0" y="630849"/>
-                    <a:pt x="181951" y="812800"/>
-                    <a:pt x="406400" y="812800"/>
+                    <a:pt x="0" y="642189"/>
+                    <a:pt x="182478" y="827412"/>
+                    <a:pt x="407577" y="827412"/>
                   </a:cubicBezTo>
                   <a:cubicBezTo>
-                    <a:pt x="630849" y="812800"/>
-                    <a:pt x="812800" y="630849"/>
-                    <a:pt x="812800" y="406400"/>
+                    <a:pt x="632676" y="827412"/>
+                    <a:pt x="815154" y="642189"/>
+                    <a:pt x="815154" y="413706"/>
                   </a:cubicBezTo>
                   <a:cubicBezTo>
-                    <a:pt x="812800" y="181951"/>
-                    <a:pt x="630849" y="0"/>
-                    <a:pt x="406400" y="0"/>
+                    <a:pt x="815154" y="185222"/>
+                    <a:pt x="632676" y="0"/>
+                    <a:pt x="407577" y="0"/>
                   </a:cubicBezTo>
                   <a:close/>
                 </a:path>
@@ -6746,8 +6846,8 @@
           </p:nvSpPr>
           <p:spPr>
             <a:xfrm>
-              <a:off x="76200" y="28575"/>
-              <a:ext cx="660400" cy="708025"/>
+              <a:off x="76421" y="29945"/>
+              <a:ext cx="662313" cy="719897"/>
             </a:xfrm>
             <a:prstGeom prst="rect">
               <a:avLst/>
@@ -6775,10 +6875,10 @@
         </p:nvGrpSpPr>
         <p:grpSpPr>
           <a:xfrm>
-            <a:off x="8640710" y="7298914"/>
-            <a:ext cx="1549306" cy="1549306"/>
+            <a:off x="8564765" y="5468300"/>
+            <a:ext cx="1597246" cy="1549306"/>
             <a:chOff x="0" y="0"/>
-            <a:chExt cx="812800" cy="812800"/>
+            <a:chExt cx="837951" cy="812800"/>
           </a:xfrm>
         </p:grpSpPr>
         <p:sp>
@@ -6790,7 +6890,7 @@
           <p:spPr>
             <a:xfrm>
               <a:off x="0" y="0"/>
-              <a:ext cx="812800" cy="812800"/>
+              <a:ext cx="837951" cy="812800"/>
             </a:xfrm>
             <a:custGeom>
               <a:avLst/>
@@ -6799,29 +6899,29 @@
               <a:cxnLst/>
               <a:rect l="l" t="t" r="r" b="b"/>
               <a:pathLst>
-                <a:path w="812800" h="812800">
+                <a:path w="837951" h="812800">
                   <a:moveTo>
-                    <a:pt x="406400" y="0"/>
+                    <a:pt x="418975" y="0"/>
                   </a:moveTo>
                   <a:cubicBezTo>
-                    <a:pt x="181951" y="0"/>
+                    <a:pt x="187582" y="0"/>
                     <a:pt x="0" y="181951"/>
                     <a:pt x="0" y="406400"/>
                   </a:cubicBezTo>
                   <a:cubicBezTo>
                     <a:pt x="0" y="630849"/>
-                    <a:pt x="181951" y="812800"/>
-                    <a:pt x="406400" y="812800"/>
+                    <a:pt x="187582" y="812800"/>
+                    <a:pt x="418975" y="812800"/>
                   </a:cubicBezTo>
                   <a:cubicBezTo>
-                    <a:pt x="630849" y="812800"/>
-                    <a:pt x="812800" y="630849"/>
-                    <a:pt x="812800" y="406400"/>
+                    <a:pt x="650369" y="812800"/>
+                    <a:pt x="837951" y="630849"/>
+                    <a:pt x="837951" y="406400"/>
                   </a:cubicBezTo>
                   <a:cubicBezTo>
-                    <a:pt x="812800" y="181951"/>
-                    <a:pt x="630849" y="0"/>
-                    <a:pt x="406400" y="0"/>
+                    <a:pt x="837951" y="181951"/>
+                    <a:pt x="650369" y="0"/>
+                    <a:pt x="418975" y="0"/>
                   </a:cubicBezTo>
                   <a:close/>
                 </a:path>
@@ -6847,8 +6947,8 @@
           </p:nvSpPr>
           <p:spPr>
             <a:xfrm>
-              <a:off x="76200" y="28575"/>
-              <a:ext cx="660400" cy="708025"/>
+              <a:off x="78558" y="28575"/>
+              <a:ext cx="680835" cy="708025"/>
             </a:xfrm>
             <a:prstGeom prst="rect">
               <a:avLst/>
@@ -6928,16 +7028,113 @@
           </a:p>
         </p:txBody>
       </p:sp>
-      <p:sp>
-        <p:nvSpPr>
-          <p:cNvPr id="22" name="TextBox 22"/>
+      <p:grpSp>
+        <p:nvGrpSpPr>
+          <p:cNvPr id="22" name="Group 22"/>
+          <p:cNvGrpSpPr/>
+          <p:nvPr/>
+        </p:nvGrpSpPr>
+        <p:grpSpPr>
+          <a:xfrm>
+            <a:off x="9563887" y="8106325"/>
+            <a:ext cx="9027044" cy="1147094"/>
+            <a:chOff x="0" y="0"/>
+            <a:chExt cx="2740990" cy="348306"/>
+          </a:xfrm>
+        </p:grpSpPr>
+        <p:sp>
+          <p:nvSpPr>
+            <p:cNvPr id="23" name="Freeform 23"/>
+            <p:cNvSpPr/>
+            <p:nvPr/>
+          </p:nvSpPr>
+          <p:spPr>
+            <a:xfrm>
+              <a:off x="0" y="0"/>
+              <a:ext cx="2740990" cy="348306"/>
+            </a:xfrm>
+            <a:custGeom>
+              <a:avLst/>
+              <a:gdLst/>
+              <a:ahLst/>
+              <a:cxnLst/>
+              <a:rect l="l" t="t" r="r" b="b"/>
+              <a:pathLst>
+                <a:path w="2740990" h="348306">
+                  <a:moveTo>
+                    <a:pt x="0" y="0"/>
+                  </a:moveTo>
+                  <a:lnTo>
+                    <a:pt x="2740990" y="0"/>
+                  </a:lnTo>
+                  <a:lnTo>
+                    <a:pt x="2740990" y="348306"/>
+                  </a:lnTo>
+                  <a:lnTo>
+                    <a:pt x="0" y="348306"/>
+                  </a:lnTo>
+                  <a:close/>
+                </a:path>
+              </a:pathLst>
+            </a:custGeom>
+            <a:solidFill>
+              <a:srgbClr val="EBE2E2"/>
+            </a:solidFill>
+            <a:ln w="38100" cap="sq">
+              <a:solidFill>
+                <a:srgbClr val="1E81CE"/>
+              </a:solidFill>
+              <a:prstDash val="solid"/>
+              <a:miter/>
+            </a:ln>
+          </p:spPr>
+          <p:txBody>
+            <a:bodyPr/>
+            <a:lstStyle/>
+            <a:p>
+              <a:endParaRPr lang="el-GR"/>
+            </a:p>
+          </p:txBody>
+        </p:sp>
+        <p:sp>
+          <p:nvSpPr>
+            <p:cNvPr id="24" name="TextBox 24"/>
+            <p:cNvSpPr txBox="1"/>
+            <p:nvPr/>
+          </p:nvSpPr>
+          <p:spPr>
+            <a:xfrm>
+              <a:off x="0" y="-47625"/>
+              <a:ext cx="2740990" cy="395931"/>
+            </a:xfrm>
+            <a:prstGeom prst="rect">
+              <a:avLst/>
+            </a:prstGeom>
+          </p:spPr>
+          <p:txBody>
+            <a:bodyPr lIns="50800" tIns="50800" rIns="50800" bIns="50800" rtlCol="0" anchor="ctr"/>
+            <a:lstStyle/>
+            <a:p>
+              <a:pPr algn="ctr">
+                <a:lnSpc>
+                  <a:spcPts val="3219"/>
+                </a:lnSpc>
+              </a:pPr>
+              <a:endParaRPr/>
+            </a:p>
+          </p:txBody>
+        </p:sp>
+      </p:grpSp>
+      <p:sp>
+        <p:nvSpPr>
+          <p:cNvPr id="25" name="TextBox 25"/>
           <p:cNvSpPr txBox="1"/>
           <p:nvPr/>
         </p:nvSpPr>
         <p:spPr>
           <a:xfrm>
-            <a:off x="10411322" y="7814918"/>
-            <a:ext cx="6522677" cy="469673"/>
+            <a:off x="10412243" y="8226200"/>
+            <a:ext cx="7172025" cy="847954"/>
           </a:xfrm>
           <a:prstGeom prst="rect">
             <a:avLst/>
@@ -6951,14 +7148,14 @@
           <a:p>
             <a:pPr marL="0" lvl="0" indent="0" algn="ctr">
               <a:lnSpc>
-                <a:spcPts val="3847"/>
+                <a:spcPts val="3436"/>
               </a:lnSpc>
               <a:spcBef>
                 <a:spcPct val="0"/>
               </a:spcBef>
             </a:pPr>
             <a:r>
-              <a:rPr lang="en-US" sz="2787" b="1" u="none" strike="noStrike">
+              <a:rPr lang="en-US" sz="2490" b="1">
                 <a:solidFill>
                   <a:srgbClr val="194A8D"/>
                 </a:solidFill>
@@ -6967,20 +7164,20 @@
                 <a:cs typeface="DM Sans Bold"/>
                 <a:sym typeface="DM Sans Bold"/>
               </a:rPr>
-              <a:t>Data fragmentation </a:t>
-            </a:r>
-          </a:p>
-        </p:txBody>
-      </p:sp>
-      <p:sp>
-        <p:nvSpPr>
-          <p:cNvPr id="23" name="TextBox 23"/>
+              <a:t>Limitations of stationary sensors, non unified data, limited spatial insight</a:t>
+            </a:r>
+          </a:p>
+        </p:txBody>
+      </p:sp>
+      <p:sp>
+        <p:nvSpPr>
+          <p:cNvPr id="26" name="TextBox 26"/>
           <p:cNvSpPr txBox="1"/>
           <p:nvPr/>
         </p:nvSpPr>
         <p:spPr>
           <a:xfrm>
-            <a:off x="8582212" y="2106642"/>
+            <a:off x="8514985" y="1351861"/>
             <a:ext cx="1679599" cy="740698"/>
           </a:xfrm>
           <a:prstGeom prst="rect">
@@ -6999,7 +7196,7 @@
               </a:lnSpc>
             </a:pPr>
             <a:r>
-              <a:rPr lang="en-US" sz="5314" spc="531" dirty="0">
+              <a:rPr lang="en-US" sz="5314" spc="531">
                 <a:solidFill>
                   <a:srgbClr val="97D9F0"/>
                 </a:solidFill>
@@ -7008,21 +7205,21 @@
                 <a:cs typeface="League Spartan"/>
                 <a:sym typeface="League Spartan"/>
               </a:rPr>
-              <a:t>01</a:t>
-            </a:r>
-          </a:p>
-        </p:txBody>
-      </p:sp>
-      <p:sp>
-        <p:nvSpPr>
-          <p:cNvPr id="24" name="TextBox 24"/>
+              <a:t>1</a:t>
+            </a:r>
+          </a:p>
+        </p:txBody>
+      </p:sp>
+      <p:sp>
+        <p:nvSpPr>
+          <p:cNvPr id="27" name="TextBox 27"/>
           <p:cNvSpPr txBox="1"/>
           <p:nvPr/>
         </p:nvSpPr>
         <p:spPr>
           <a:xfrm>
-            <a:off x="11658640" y="2191878"/>
-            <a:ext cx="3808363" cy="469673"/>
+            <a:off x="10162011" y="1226836"/>
+            <a:ext cx="8172951" cy="847954"/>
           </a:xfrm>
           <a:prstGeom prst="rect">
             <a:avLst/>
@@ -7036,14 +7233,14 @@
           <a:p>
             <a:pPr algn="ctr">
               <a:lnSpc>
-                <a:spcPts val="3847"/>
+                <a:spcPts val="3436"/>
               </a:lnSpc>
               <a:spcBef>
                 <a:spcPct val="0"/>
               </a:spcBef>
             </a:pPr>
             <a:r>
-              <a:rPr lang="en-US" sz="2787" b="1">
+              <a:rPr lang="en-US" sz="2490" b="1">
                 <a:solidFill>
                   <a:srgbClr val="194A8D"/>
                 </a:solidFill>
@@ -7052,21 +7249,65 @@
                 <a:cs typeface="DM Sans Bold"/>
                 <a:sym typeface="DM Sans Bold"/>
               </a:rPr>
-              <a:t>Lack of available data </a:t>
-            </a:r>
-          </a:p>
-        </p:txBody>
-      </p:sp>
-      <p:sp>
-        <p:nvSpPr>
-          <p:cNvPr id="25" name="TextBox 25"/>
+              <a:t>Lack of available data for Urban Infrastructure, needed for deployment and maintenance decisions </a:t>
+            </a:r>
+          </a:p>
+        </p:txBody>
+      </p:sp>
+      <p:sp>
+        <p:nvSpPr>
+          <p:cNvPr id="28" name="TextBox 28"/>
           <p:cNvSpPr txBox="1"/>
           <p:nvPr/>
         </p:nvSpPr>
         <p:spPr>
           <a:xfrm>
-            <a:off x="8606068" y="4927891"/>
-            <a:ext cx="1614453" cy="718907"/>
+            <a:off x="10027866" y="3565373"/>
+            <a:ext cx="8441241" cy="802666"/>
+          </a:xfrm>
+          <a:prstGeom prst="rect">
+            <a:avLst/>
+          </a:prstGeom>
+        </p:spPr>
+        <p:txBody>
+          <a:bodyPr lIns="0" tIns="0" rIns="0" bIns="0" rtlCol="0" anchor="t">
+            <a:spAutoFit/>
+          </a:bodyPr>
+          <a:lstStyle/>
+          <a:p>
+            <a:pPr marL="0" lvl="0" indent="0" algn="ctr">
+              <a:lnSpc>
+                <a:spcPts val="3295"/>
+              </a:lnSpc>
+              <a:spcBef>
+                <a:spcPct val="0"/>
+              </a:spcBef>
+            </a:pPr>
+            <a:r>
+              <a:rPr lang="en-US" sz="2387" b="1">
+                <a:solidFill>
+                  <a:srgbClr val="194A8D"/>
+                </a:solidFill>
+                <a:latin typeface="DM Sans Bold"/>
+                <a:ea typeface="DM Sans Bold"/>
+                <a:cs typeface="DM Sans Bold"/>
+                <a:sym typeface="DM Sans Bold"/>
+              </a:rPr>
+              <a:t> Network blind spots, weak signal strength, incorrectly positioned antennas </a:t>
+            </a:r>
+          </a:p>
+        </p:txBody>
+      </p:sp>
+      <p:sp>
+        <p:nvSpPr>
+          <p:cNvPr id="29" name="TextBox 29"/>
+          <p:cNvSpPr txBox="1"/>
+          <p:nvPr/>
+        </p:nvSpPr>
+        <p:spPr>
+          <a:xfrm>
+            <a:off x="8580132" y="5988875"/>
+            <a:ext cx="1533939" cy="718907"/>
           </a:xfrm>
           <a:prstGeom prst="rect">
             <a:avLst/>
@@ -7084,7 +7325,7 @@
               </a:lnSpc>
             </a:pPr>
             <a:r>
-              <a:rPr lang="en-US" sz="5108" spc="510" dirty="0">
+              <a:rPr lang="en-US" sz="5108" spc="510">
                 <a:solidFill>
                   <a:srgbClr val="97D9F0"/>
                 </a:solidFill>
@@ -7093,21 +7334,122 @@
                 <a:cs typeface="League Spartan"/>
                 <a:sym typeface="League Spartan"/>
               </a:rPr>
-              <a:t>02</a:t>
-            </a:r>
-          </a:p>
-        </p:txBody>
-      </p:sp>
-      <p:sp>
-        <p:nvSpPr>
-          <p:cNvPr id="26" name="TextBox 26"/>
+              <a:t>3</a:t>
+            </a:r>
+          </a:p>
+        </p:txBody>
+      </p:sp>
+      <p:grpSp>
+        <p:nvGrpSpPr>
+          <p:cNvPr id="30" name="Group 30"/>
+          <p:cNvGrpSpPr/>
+          <p:nvPr/>
+        </p:nvGrpSpPr>
+        <p:grpSpPr>
+          <a:xfrm>
+            <a:off x="8640697" y="7905219"/>
+            <a:ext cx="1521314" cy="1549306"/>
+            <a:chOff x="0" y="0"/>
+            <a:chExt cx="798115" cy="812800"/>
+          </a:xfrm>
+        </p:grpSpPr>
+        <p:sp>
+          <p:nvSpPr>
+            <p:cNvPr id="31" name="Freeform 31"/>
+            <p:cNvSpPr/>
+            <p:nvPr/>
+          </p:nvSpPr>
+          <p:spPr>
+            <a:xfrm>
+              <a:off x="0" y="0"/>
+              <a:ext cx="798115" cy="812800"/>
+            </a:xfrm>
+            <a:custGeom>
+              <a:avLst/>
+              <a:gdLst/>
+              <a:ahLst/>
+              <a:cxnLst/>
+              <a:rect l="l" t="t" r="r" b="b"/>
+              <a:pathLst>
+                <a:path w="798115" h="812800">
+                  <a:moveTo>
+                    <a:pt x="399057" y="0"/>
+                  </a:moveTo>
+                  <a:cubicBezTo>
+                    <a:pt x="178664" y="0"/>
+                    <a:pt x="0" y="181951"/>
+                    <a:pt x="0" y="406400"/>
+                  </a:cubicBezTo>
+                  <a:cubicBezTo>
+                    <a:pt x="0" y="630849"/>
+                    <a:pt x="178664" y="812800"/>
+                    <a:pt x="399057" y="812800"/>
+                  </a:cubicBezTo>
+                  <a:cubicBezTo>
+                    <a:pt x="619451" y="812800"/>
+                    <a:pt x="798115" y="630849"/>
+                    <a:pt x="798115" y="406400"/>
+                  </a:cubicBezTo>
+                  <a:cubicBezTo>
+                    <a:pt x="798115" y="181951"/>
+                    <a:pt x="619451" y="0"/>
+                    <a:pt x="399057" y="0"/>
+                  </a:cubicBezTo>
+                  <a:close/>
+                </a:path>
+              </a:pathLst>
+            </a:custGeom>
+            <a:solidFill>
+              <a:srgbClr val="194A8D"/>
+            </a:solidFill>
+          </p:spPr>
+          <p:txBody>
+            <a:bodyPr/>
+            <a:lstStyle/>
+            <a:p>
+              <a:endParaRPr lang="el-GR"/>
+            </a:p>
+          </p:txBody>
+        </p:sp>
+        <p:sp>
+          <p:nvSpPr>
+            <p:cNvPr id="32" name="TextBox 32"/>
+            <p:cNvSpPr txBox="1"/>
+            <p:nvPr/>
+          </p:nvSpPr>
+          <p:spPr>
+            <a:xfrm>
+              <a:off x="74823" y="28575"/>
+              <a:ext cx="648468" cy="708025"/>
+            </a:xfrm>
+            <a:prstGeom prst="rect">
+              <a:avLst/>
+            </a:prstGeom>
+          </p:spPr>
+          <p:txBody>
+            <a:bodyPr lIns="50800" tIns="50800" rIns="50800" bIns="50800" rtlCol="0" anchor="ctr"/>
+            <a:lstStyle/>
+            <a:p>
+              <a:pPr algn="ctr">
+                <a:lnSpc>
+                  <a:spcPts val="2659"/>
+                </a:lnSpc>
+              </a:pPr>
+              <a:endParaRPr/>
+            </a:p>
+          </p:txBody>
+        </p:sp>
+      </p:grpSp>
+      <p:sp>
+        <p:nvSpPr>
+          <p:cNvPr id="33" name="TextBox 33"/>
           <p:cNvSpPr txBox="1"/>
           <p:nvPr/>
         </p:nvSpPr>
         <p:spPr>
           <a:xfrm>
-            <a:off x="9214978" y="4918028"/>
-            <a:ext cx="8709530" cy="469673"/>
+            <a:off x="8514985" y="8408256"/>
+            <a:ext cx="1574196" cy="718907"/>
           </a:xfrm>
           <a:prstGeom prst="rect">
             <a:avLst/>
@@ -7119,16 +7461,57 @@
           </a:bodyPr>
           <a:lstStyle/>
           <a:p>
+            <a:pPr algn="ctr">
+              <a:lnSpc>
+                <a:spcPts val="5414"/>
+              </a:lnSpc>
+            </a:pPr>
+            <a:r>
+              <a:rPr lang="en-US" sz="5108" spc="510">
+                <a:solidFill>
+                  <a:srgbClr val="97D9F0"/>
+                </a:solidFill>
+                <a:latin typeface="League Spartan"/>
+                <a:ea typeface="League Spartan"/>
+                <a:cs typeface="League Spartan"/>
+                <a:sym typeface="League Spartan"/>
+              </a:rPr>
+              <a:t>4</a:t>
+            </a:r>
+          </a:p>
+        </p:txBody>
+      </p:sp>
+      <p:sp>
+        <p:nvSpPr>
+          <p:cNvPr id="34" name="TextBox 34"/>
+          <p:cNvSpPr txBox="1"/>
+          <p:nvPr/>
+        </p:nvSpPr>
+        <p:spPr>
+          <a:xfrm>
+            <a:off x="10162011" y="5778825"/>
+            <a:ext cx="7672488" cy="847954"/>
+          </a:xfrm>
+          <a:prstGeom prst="rect">
+            <a:avLst/>
+          </a:prstGeom>
+        </p:spPr>
+        <p:txBody>
+          <a:bodyPr lIns="0" tIns="0" rIns="0" bIns="0" rtlCol="0" anchor="t">
+            <a:spAutoFit/>
+          </a:bodyPr>
+          <a:lstStyle/>
+          <a:p>
             <a:pPr marL="0" lvl="0" indent="0" algn="ctr">
               <a:lnSpc>
-                <a:spcPts val="3847"/>
+                <a:spcPts val="3436"/>
               </a:lnSpc>
               <a:spcBef>
                 <a:spcPct val="0"/>
               </a:spcBef>
             </a:pPr>
             <a:r>
-              <a:rPr lang="en-US" sz="2787" b="1">
+              <a:rPr lang="en-US" sz="2490" b="1">
                 <a:solidFill>
                   <a:srgbClr val="194A8D"/>
                 </a:solidFill>
@@ -7137,21 +7520,21 @@
                 <a:cs typeface="DM Sans Bold"/>
                 <a:sym typeface="DM Sans Bold"/>
               </a:rPr>
-              <a:t>Inflexible data collection </a:t>
-            </a:r>
-          </a:p>
-        </p:txBody>
-      </p:sp>
-      <p:sp>
-        <p:nvSpPr>
-          <p:cNvPr id="27" name="TextBox 27"/>
+              <a:t>Not enough data for road quality and roughness, unsafe roads in need of maintenance</a:t>
+            </a:r>
+          </a:p>
+        </p:txBody>
+      </p:sp>
+      <p:sp>
+        <p:nvSpPr>
+          <p:cNvPr id="35" name="TextBox 35"/>
           <p:cNvSpPr txBox="1"/>
           <p:nvPr/>
         </p:nvSpPr>
         <p:spPr>
           <a:xfrm>
-            <a:off x="8575563" y="7865254"/>
-            <a:ext cx="1614453" cy="718907"/>
+            <a:off x="8482412" y="3648745"/>
+            <a:ext cx="1679599" cy="740698"/>
           </a:xfrm>
           <a:prstGeom prst="rect">
             <a:avLst/>
@@ -7165,11 +7548,11 @@
           <a:p>
             <a:pPr algn="ctr">
               <a:lnSpc>
-                <a:spcPts val="5414"/>
+                <a:spcPts val="5633"/>
               </a:lnSpc>
             </a:pPr>
             <a:r>
-              <a:rPr lang="en-US" sz="5108" spc="510" dirty="0">
+              <a:rPr lang="en-US" sz="5314" spc="531">
                 <a:solidFill>
                   <a:srgbClr val="97D9F0"/>
                 </a:solidFill>
@@ -7178,7 +7561,7 @@
                 <a:cs typeface="League Spartan"/>
                 <a:sym typeface="League Spartan"/>
               </a:rPr>
-              <a:t>03</a:t>
+              <a:t>2</a:t>
             </a:r>
           </a:p>
         </p:txBody>
@@ -7188,7 +7571,7 @@
   <p:clrMapOvr>
     <a:masterClrMapping/>
   </p:clrMapOvr>
-  <p:transition spd="slow">
+  <p:transition spd="med">
     <p:wipe/>
   </p:transition>
 </p:sld>
@@ -7317,7 +7700,7 @@
         </p:nvSpPr>
         <p:spPr>
           <a:xfrm>
-            <a:off x="8701767" y="1762438"/>
+            <a:off x="8478442" y="1743560"/>
             <a:ext cx="6621194" cy="0"/>
           </a:xfrm>
           <a:prstGeom prst="line">
@@ -7560,7 +7943,7 @@
         </p:nvSpPr>
         <p:spPr>
           <a:xfrm>
-            <a:off x="8701739" y="1131394"/>
+            <a:off x="8478442" y="1131394"/>
             <a:ext cx="4776341" cy="538216"/>
           </a:xfrm>
           <a:prstGeom prst="rect">
@@ -7604,8 +7987,8 @@
         </p:nvSpPr>
         <p:spPr>
           <a:xfrm>
-            <a:off x="8701767" y="1892926"/>
-            <a:ext cx="8406408" cy="327721"/>
+            <a:off x="8443345" y="1811920"/>
+            <a:ext cx="9844655" cy="334638"/>
           </a:xfrm>
           <a:prstGeom prst="rect">
             <a:avLst/>
@@ -7619,14 +8002,14 @@
           <a:p>
             <a:pPr algn="ctr">
               <a:lnSpc>
-                <a:spcPts val="2641"/>
+                <a:spcPts val="2798"/>
               </a:lnSpc>
               <a:spcBef>
                 <a:spcPct val="0"/>
               </a:spcBef>
             </a:pPr>
             <a:r>
-              <a:rPr lang="en-US" sz="1914">
+              <a:rPr lang="en-US" sz="2028">
                 <a:solidFill>
                   <a:srgbClr val="CFF4FF"/>
                 </a:solidFill>
@@ -7635,7 +8018,55 @@
                 <a:cs typeface="DM Sans"/>
                 <a:sym typeface="DM Sans"/>
               </a:rPr>
-              <a:t>Deploy sensors on vehicles to collect real-time data across various routes </a:t>
+              <a:t>Deploy sensors on vehicles to collect </a:t>
+            </a:r>
+            <a:r>
+              <a:rPr lang="en-US" sz="2028">
+                <a:solidFill>
+                  <a:srgbClr val="6CBFF8"/>
+                </a:solidFill>
+                <a:latin typeface="DM Sans"/>
+                <a:ea typeface="DM Sans"/>
+                <a:cs typeface="DM Sans"/>
+                <a:sym typeface="DM Sans"/>
+              </a:rPr>
+              <a:t>real-time mobile</a:t>
+            </a:r>
+            <a:r>
+              <a:rPr lang="en-US" sz="2028">
+                <a:solidFill>
+                  <a:srgbClr val="CFF4FF"/>
+                </a:solidFill>
+                <a:latin typeface="DM Sans"/>
+                <a:ea typeface="DM Sans"/>
+                <a:cs typeface="DM Sans"/>
+                <a:sym typeface="DM Sans"/>
+              </a:rPr>
+              <a:t> data across </a:t>
+            </a:r>
+            <a:r>
+              <a:rPr lang="en-US" sz="2028">
+                <a:solidFill>
+                  <a:srgbClr val="6CBFF8"/>
+                </a:solidFill>
+                <a:latin typeface="DM Sans"/>
+                <a:ea typeface="DM Sans"/>
+                <a:cs typeface="DM Sans"/>
+                <a:sym typeface="DM Sans"/>
+              </a:rPr>
+              <a:t>various routes</a:t>
+            </a:r>
+            <a:r>
+              <a:rPr lang="en-US" sz="2028">
+                <a:solidFill>
+                  <a:srgbClr val="CFF4FF"/>
+                </a:solidFill>
+                <a:latin typeface="DM Sans"/>
+                <a:ea typeface="DM Sans"/>
+                <a:cs typeface="DM Sans"/>
+                <a:sym typeface="DM Sans"/>
+              </a:rPr>
+              <a:t> </a:t>
             </a:r>
           </a:p>
         </p:txBody>
@@ -7648,7 +8079,7 @@
         </p:nvSpPr>
         <p:spPr>
           <a:xfrm>
-            <a:off x="-111970" y="1019175"/>
+            <a:off x="-49576" y="783405"/>
             <a:ext cx="6068374" cy="819804"/>
           </a:xfrm>
           <a:prstGeom prst="rect">
@@ -7692,8 +8123,8 @@
         </p:nvSpPr>
         <p:spPr>
           <a:xfrm>
-            <a:off x="8701739" y="3630346"/>
-            <a:ext cx="5896540" cy="538205"/>
+            <a:off x="8543739" y="3396032"/>
+            <a:ext cx="9141655" cy="1081130"/>
           </a:xfrm>
           <a:prstGeom prst="rect">
             <a:avLst/>
@@ -7723,7 +8154,31 @@
                 <a:cs typeface="DM Sans"/>
                 <a:sym typeface="DM Sans"/>
               </a:rPr>
-              <a:t>Data Sharing Partnerships</a:t>
+              <a:t>Data Sharing Partnerships and </a:t>
+            </a:r>
+            <a:r>
+              <a:rPr lang="en-US" sz="3123">
+                <a:solidFill>
+                  <a:srgbClr val="6CBFF8"/>
+                </a:solidFill>
+                <a:latin typeface="DM Sans"/>
+                <a:ea typeface="DM Sans"/>
+                <a:cs typeface="DM Sans"/>
+                <a:sym typeface="DM Sans"/>
+              </a:rPr>
+              <a:t>on-demand</a:t>
+            </a:r>
+            <a:r>
+              <a:rPr lang="en-US" sz="3123">
+                <a:solidFill>
+                  <a:srgbClr val="CFF4FF"/>
+                </a:solidFill>
+                <a:latin typeface="DM Sans"/>
+                <a:ea typeface="DM Sans"/>
+                <a:cs typeface="DM Sans"/>
+                <a:sym typeface="DM Sans"/>
+              </a:rPr>
+              <a:t> data collection</a:t>
             </a:r>
           </a:p>
         </p:txBody>
@@ -7736,8 +8191,8 @@
         </p:nvSpPr>
         <p:spPr>
           <a:xfrm>
-            <a:off x="8701767" y="5855278"/>
-            <a:ext cx="7065461" cy="999518"/>
+            <a:off x="8543739" y="5553227"/>
+            <a:ext cx="9353267" cy="1550679"/>
           </a:xfrm>
           <a:prstGeom prst="rect">
             <a:avLst/>
@@ -7772,7 +8227,55 @@
                 <a:cs typeface="DM Sans"/>
                 <a:sym typeface="DM Sans"/>
               </a:rPr>
-              <a:t>Adoption of IoT Technology</a:t>
+              <a:t>Adoption of IoT Technologies providing us with </a:t>
+            </a:r>
+            <a:r>
+              <a:rPr lang="en-US" sz="3190">
+                <a:solidFill>
+                  <a:srgbClr val="6CBFF8"/>
+                </a:solidFill>
+                <a:latin typeface="DM Sans"/>
+                <a:ea typeface="DM Sans"/>
+                <a:cs typeface="DM Sans"/>
+                <a:sym typeface="DM Sans"/>
+              </a:rPr>
+              <a:t>continuous</a:t>
+            </a:r>
+            <a:r>
+              <a:rPr lang="en-US" sz="3190">
+                <a:solidFill>
+                  <a:srgbClr val="CFF4FF"/>
+                </a:solidFill>
+                <a:latin typeface="DM Sans"/>
+                <a:ea typeface="DM Sans"/>
+                <a:cs typeface="DM Sans"/>
+                <a:sym typeface="DM Sans"/>
+              </a:rPr>
+              <a:t> and </a:t>
+            </a:r>
+            <a:r>
+              <a:rPr lang="en-US" sz="3190">
+                <a:solidFill>
+                  <a:srgbClr val="6CBFF8"/>
+                </a:solidFill>
+                <a:latin typeface="DM Sans"/>
+                <a:ea typeface="DM Sans"/>
+                <a:cs typeface="DM Sans"/>
+                <a:sym typeface="DM Sans"/>
+              </a:rPr>
+              <a:t>automated</a:t>
+            </a:r>
+            <a:r>
+              <a:rPr lang="en-US" sz="3190">
+                <a:solidFill>
+                  <a:srgbClr val="CFF4FF"/>
+                </a:solidFill>
+                <a:latin typeface="DM Sans"/>
+                <a:ea typeface="DM Sans"/>
+                <a:cs typeface="DM Sans"/>
+                <a:sym typeface="DM Sans"/>
+              </a:rPr>
+              <a:t> data</a:t>
             </a:r>
           </a:p>
           <a:p>
@@ -7804,8 +8307,8 @@
         </p:nvSpPr>
         <p:spPr>
           <a:xfrm>
-            <a:off x="8701739" y="8503423"/>
-            <a:ext cx="9643867" cy="537119"/>
+            <a:off x="8543739" y="8070747"/>
+            <a:ext cx="9643867" cy="1089569"/>
           </a:xfrm>
           <a:prstGeom prst="rect">
             <a:avLst/>
@@ -7835,7 +8338,111 @@
                 <a:cs typeface="DM Sans"/>
                 <a:sym typeface="DM Sans"/>
               </a:rPr>
-              <a:t>Centralized Data Integration Platforms</a:t>
+              <a:t>Centralized Data Integration Platform offering  </a:t>
+            </a:r>
+            <a:r>
+              <a:rPr lang="en-US" sz="3170">
+                <a:solidFill>
+                  <a:srgbClr val="6CBFF8"/>
+                </a:solidFill>
+                <a:latin typeface="DM Sans"/>
+                <a:ea typeface="DM Sans"/>
+                <a:cs typeface="DM Sans"/>
+                <a:sym typeface="DM Sans"/>
+              </a:rPr>
+              <a:t>unified </a:t>
+            </a:r>
+            <a:r>
+              <a:rPr lang="en-US" sz="3170">
+                <a:solidFill>
+                  <a:srgbClr val="CFF4FF"/>
+                </a:solidFill>
+                <a:latin typeface="DM Sans"/>
+                <a:ea typeface="DM Sans"/>
+                <a:cs typeface="DM Sans"/>
+                <a:sym typeface="DM Sans"/>
+              </a:rPr>
+              <a:t>and </a:t>
+            </a:r>
+            <a:r>
+              <a:rPr lang="en-US" sz="3170">
+                <a:solidFill>
+                  <a:srgbClr val="6CBFF8"/>
+                </a:solidFill>
+                <a:latin typeface="DM Sans"/>
+                <a:ea typeface="DM Sans"/>
+                <a:cs typeface="DM Sans"/>
+                <a:sym typeface="DM Sans"/>
+              </a:rPr>
+              <a:t>complete</a:t>
+            </a:r>
+            <a:r>
+              <a:rPr lang="en-US" sz="3170">
+                <a:solidFill>
+                  <a:srgbClr val="4BD1FB"/>
+                </a:solidFill>
+                <a:latin typeface="DM Sans"/>
+                <a:ea typeface="DM Sans"/>
+                <a:cs typeface="DM Sans"/>
+                <a:sym typeface="DM Sans"/>
+              </a:rPr>
+              <a:t> </a:t>
+            </a:r>
+            <a:r>
+              <a:rPr lang="en-US" sz="3170">
+                <a:solidFill>
+                  <a:srgbClr val="CFF4FF"/>
+                </a:solidFill>
+                <a:latin typeface="DM Sans"/>
+                <a:ea typeface="DM Sans"/>
+                <a:cs typeface="DM Sans"/>
+                <a:sym typeface="DM Sans"/>
+              </a:rPr>
+              <a:t>data presentation</a:t>
+            </a:r>
+          </a:p>
+        </p:txBody>
+      </p:sp>
+      <p:sp>
+        <p:nvSpPr>
+          <p:cNvPr id="16" name="TextBox 16"/>
+          <p:cNvSpPr txBox="1"/>
+          <p:nvPr/>
+        </p:nvSpPr>
+        <p:spPr>
+          <a:xfrm>
+            <a:off x="845506" y="4428103"/>
+            <a:ext cx="4278208" cy="1017551"/>
+          </a:xfrm>
+          <a:prstGeom prst="rect">
+            <a:avLst/>
+          </a:prstGeom>
+        </p:spPr>
+        <p:txBody>
+          <a:bodyPr lIns="0" tIns="0" rIns="0" bIns="0" rtlCol="0" anchor="t">
+            <a:spAutoFit/>
+          </a:bodyPr>
+          <a:lstStyle/>
+          <a:p>
+            <a:pPr algn="ctr">
+              <a:lnSpc>
+                <a:spcPts val="4123"/>
+              </a:lnSpc>
+              <a:spcBef>
+                <a:spcPct val="0"/>
+              </a:spcBef>
+            </a:pPr>
+            <a:r>
+              <a:rPr lang="en-US" sz="2987" i="1">
+                <a:solidFill>
+                  <a:srgbClr val="FFFFFF"/>
+                </a:solidFill>
+                <a:latin typeface="DM Sans Italics"/>
+                <a:ea typeface="DM Sans Italics"/>
+                <a:cs typeface="DM Sans Italics"/>
+                <a:sym typeface="DM Sans Italics"/>
+              </a:rPr>
+              <a:t>A Business to Business  Company Model</a:t>
             </a:r>
           </a:p>
         </p:txBody>
@@ -7845,7 +8452,7 @@
   <p:clrMapOvr>
     <a:masterClrMapping/>
   </p:clrMapOvr>
-  <p:transition spd="slow">
+  <p:transition spd="med">
     <p:wipe/>
   </p:transition>
 </p:sld>
@@ -7883,775 +8490,8 @@
           <p:nvPr/>
         </p:nvSpPr>
         <p:spPr>
-          <a:xfrm>
-            <a:off x="0" y="-392725"/>
-            <a:ext cx="19324444" cy="3050739"/>
-          </a:xfrm>
-          <a:custGeom>
-            <a:avLst/>
-            <a:gdLst/>
-            <a:ahLst/>
-            <a:cxnLst/>
-            <a:rect l="l" t="t" r="r" b="b"/>
-            <a:pathLst>
-              <a:path w="19324444" h="3050739">
-                <a:moveTo>
-                  <a:pt x="0" y="0"/>
-                </a:moveTo>
-                <a:lnTo>
-                  <a:pt x="19324444" y="0"/>
-                </a:lnTo>
-                <a:lnTo>
-                  <a:pt x="19324444" y="3050739"/>
-                </a:lnTo>
-                <a:lnTo>
-                  <a:pt x="0" y="3050739"/>
-                </a:lnTo>
-                <a:lnTo>
-                  <a:pt x="0" y="0"/>
-                </a:lnTo>
-                <a:close/>
-              </a:path>
-            </a:pathLst>
-          </a:custGeom>
-          <a:blipFill>
-            <a:blip r:embed="rId2">
-              <a:alphaModFix amt="67000"/>
-            </a:blip>
-            <a:stretch>
-              <a:fillRect t="-80700" b="-175922"/>
-            </a:stretch>
-          </a:blipFill>
-        </p:spPr>
-        <p:txBody>
-          <a:bodyPr/>
-          <a:lstStyle/>
-          <a:p>
-            <a:endParaRPr lang="el-GR"/>
-          </a:p>
-        </p:txBody>
-      </p:sp>
-      <p:sp>
-        <p:nvSpPr>
-          <p:cNvPr id="3" name="TextBox 3"/>
-          <p:cNvSpPr txBox="1"/>
-          <p:nvPr/>
-        </p:nvSpPr>
-        <p:spPr>
-          <a:xfrm>
-            <a:off x="4467437" y="915508"/>
-            <a:ext cx="8245699" cy="714375"/>
-          </a:xfrm>
-          <a:prstGeom prst="rect">
-            <a:avLst/>
-          </a:prstGeom>
-        </p:spPr>
-        <p:txBody>
-          <a:bodyPr lIns="0" tIns="0" rIns="0" bIns="0" rtlCol="0" anchor="t">
-            <a:spAutoFit/>
-          </a:bodyPr>
-          <a:lstStyle/>
-          <a:p>
-            <a:pPr marL="0" lvl="0" indent="0" algn="ctr">
-              <a:lnSpc>
-                <a:spcPts val="5687"/>
-              </a:lnSpc>
-              <a:spcBef>
-                <a:spcPct val="0"/>
-              </a:spcBef>
-            </a:pPr>
-            <a:r>
-              <a:rPr lang="en-US" sz="4739" b="1">
-                <a:solidFill>
-                  <a:srgbClr val="FFFFFF"/>
-                </a:solidFill>
-                <a:latin typeface="Now Bold"/>
-                <a:ea typeface="Now Bold"/>
-                <a:cs typeface="Now Bold"/>
-                <a:sym typeface="Now Bold"/>
-              </a:rPr>
-              <a:t>UNIQUENESS</a:t>
-            </a:r>
-          </a:p>
-        </p:txBody>
-      </p:sp>
-      <p:sp>
-        <p:nvSpPr>
-          <p:cNvPr id="4" name="TextBox 4"/>
-          <p:cNvSpPr txBox="1"/>
-          <p:nvPr/>
-        </p:nvSpPr>
-        <p:spPr>
-          <a:xfrm>
-            <a:off x="288007" y="3735988"/>
-            <a:ext cx="4256332" cy="628474"/>
-          </a:xfrm>
-          <a:prstGeom prst="rect">
-            <a:avLst/>
-          </a:prstGeom>
-        </p:spPr>
-        <p:txBody>
-          <a:bodyPr lIns="0" tIns="0" rIns="0" bIns="0" rtlCol="0" anchor="t">
-            <a:spAutoFit/>
-          </a:bodyPr>
-          <a:lstStyle/>
-          <a:p>
-            <a:pPr marL="0" lvl="0" indent="0" algn="ctr">
-              <a:lnSpc>
-                <a:spcPts val="5185"/>
-              </a:lnSpc>
-              <a:spcBef>
-                <a:spcPct val="0"/>
-              </a:spcBef>
-            </a:pPr>
-            <a:r>
-              <a:rPr lang="en-US" sz="3757" b="1" dirty="0">
-                <a:solidFill>
-                  <a:srgbClr val="4BD1FB"/>
-                </a:solidFill>
-                <a:latin typeface="DM Sans Bold"/>
-                <a:ea typeface="DM Sans Bold"/>
-                <a:cs typeface="DM Sans Bold"/>
-                <a:sym typeface="DM Sans Bold"/>
-              </a:rPr>
-              <a:t>Vehicle Utilization</a:t>
-            </a:r>
-          </a:p>
-        </p:txBody>
-      </p:sp>
-      <p:sp>
-        <p:nvSpPr>
-          <p:cNvPr id="5" name="TextBox 5"/>
-          <p:cNvSpPr txBox="1"/>
-          <p:nvPr/>
-        </p:nvSpPr>
-        <p:spPr>
-          <a:xfrm>
-            <a:off x="288007" y="5124450"/>
-            <a:ext cx="5723939" cy="2961128"/>
-          </a:xfrm>
-          <a:prstGeom prst="rect">
-            <a:avLst/>
-          </a:prstGeom>
-        </p:spPr>
-        <p:txBody>
-          <a:bodyPr lIns="0" tIns="0" rIns="0" bIns="0" rtlCol="0" anchor="t">
-            <a:spAutoFit/>
-          </a:bodyPr>
-          <a:lstStyle/>
-          <a:p>
-            <a:pPr marL="0" lvl="0" indent="0" algn="l">
-              <a:lnSpc>
-                <a:spcPts val="2944"/>
-              </a:lnSpc>
-              <a:spcBef>
-                <a:spcPct val="0"/>
-              </a:spcBef>
-            </a:pPr>
-            <a:r>
-              <a:rPr lang="en-US" sz="2133">
-                <a:solidFill>
-                  <a:srgbClr val="FFFFFF"/>
-                </a:solidFill>
-                <a:latin typeface="DM Sans"/>
-                <a:ea typeface="DM Sans"/>
-                <a:cs typeface="DM Sans"/>
-                <a:sym typeface="DM Sans"/>
-              </a:rPr>
-              <a:t>P</a:t>
-            </a:r>
-            <a:r>
-              <a:rPr lang="en-US" sz="2133" u="none" strike="noStrike">
-                <a:solidFill>
-                  <a:srgbClr val="FFFFFF"/>
-                </a:solidFill>
-                <a:latin typeface="DM Sans"/>
-                <a:ea typeface="DM Sans"/>
-                <a:cs typeface="DM Sans"/>
-                <a:sym typeface="DM Sans"/>
-              </a:rPr>
-              <a:t>ublic transportation vehicles: established routes frequently </a:t>
-            </a:r>
-          </a:p>
-          <a:p>
-            <a:pPr algn="l">
-              <a:lnSpc>
-                <a:spcPts val="2944"/>
-              </a:lnSpc>
-              <a:spcBef>
-                <a:spcPct val="0"/>
-              </a:spcBef>
-            </a:pPr>
-            <a:endParaRPr lang="en-US" sz="2133" u="none" strike="noStrike">
-              <a:solidFill>
-                <a:srgbClr val="FFFFFF"/>
-              </a:solidFill>
-              <a:latin typeface="DM Sans"/>
-              <a:ea typeface="DM Sans"/>
-              <a:cs typeface="DM Sans"/>
-              <a:sym typeface="DM Sans"/>
-            </a:endParaRPr>
-          </a:p>
-          <a:p>
-            <a:pPr marL="0" lvl="0" indent="0" algn="l">
-              <a:lnSpc>
-                <a:spcPts val="2944"/>
-              </a:lnSpc>
-              <a:spcBef>
-                <a:spcPct val="0"/>
-              </a:spcBef>
-            </a:pPr>
-            <a:r>
-              <a:rPr lang="en-US" sz="2133" u="none" strike="noStrike">
-                <a:solidFill>
-                  <a:srgbClr val="FFFFFF"/>
-                </a:solidFill>
-                <a:latin typeface="DM Sans"/>
-                <a:ea typeface="DM Sans"/>
-                <a:cs typeface="DM Sans"/>
-                <a:sym typeface="DM Sans"/>
-              </a:rPr>
-              <a:t>Private transportation vehicles (taxis): wide range of routes </a:t>
-            </a:r>
-          </a:p>
-          <a:p>
-            <a:pPr algn="l">
-              <a:lnSpc>
-                <a:spcPts val="2944"/>
-              </a:lnSpc>
-              <a:spcBef>
-                <a:spcPct val="0"/>
-              </a:spcBef>
-            </a:pPr>
-            <a:endParaRPr lang="en-US" sz="2133" u="none" strike="noStrike">
-              <a:solidFill>
-                <a:srgbClr val="FFFFFF"/>
-              </a:solidFill>
-              <a:latin typeface="DM Sans"/>
-              <a:ea typeface="DM Sans"/>
-              <a:cs typeface="DM Sans"/>
-              <a:sym typeface="DM Sans"/>
-            </a:endParaRPr>
-          </a:p>
-          <a:p>
-            <a:pPr algn="l">
-              <a:lnSpc>
-                <a:spcPts val="2944"/>
-              </a:lnSpc>
-              <a:spcBef>
-                <a:spcPct val="0"/>
-              </a:spcBef>
-            </a:pPr>
-            <a:r>
-              <a:rPr lang="en-US" sz="2133" u="none" strike="noStrike">
-                <a:solidFill>
-                  <a:srgbClr val="FFFFFF"/>
-                </a:solidFill>
-                <a:latin typeface="DM Sans"/>
-                <a:ea typeface="DM Sans"/>
-                <a:cs typeface="DM Sans"/>
-                <a:sym typeface="DM Sans"/>
-              </a:rPr>
-              <a:t>Commercial Fleets: specific hours  </a:t>
-            </a:r>
-          </a:p>
-          <a:p>
-            <a:pPr marL="0" lvl="0" indent="0" algn="ctr">
-              <a:lnSpc>
-                <a:spcPts val="2944"/>
-              </a:lnSpc>
-              <a:spcBef>
-                <a:spcPct val="0"/>
-              </a:spcBef>
-            </a:pPr>
-            <a:endParaRPr lang="en-US" sz="2133" u="none" strike="noStrike">
-              <a:solidFill>
-                <a:srgbClr val="FFFFFF"/>
-              </a:solidFill>
-              <a:latin typeface="DM Sans"/>
-              <a:ea typeface="DM Sans"/>
-              <a:cs typeface="DM Sans"/>
-              <a:sym typeface="DM Sans"/>
-            </a:endParaRPr>
-          </a:p>
-        </p:txBody>
-      </p:sp>
-      <p:sp>
-        <p:nvSpPr>
-          <p:cNvPr id="6" name="TextBox 6"/>
-          <p:cNvSpPr txBox="1"/>
-          <p:nvPr/>
-        </p:nvSpPr>
-        <p:spPr>
-          <a:xfrm>
-            <a:off x="5334000" y="3735988"/>
-            <a:ext cx="7138272" cy="628474"/>
-          </a:xfrm>
-          <a:prstGeom prst="rect">
-            <a:avLst/>
-          </a:prstGeom>
-        </p:spPr>
-        <p:txBody>
-          <a:bodyPr lIns="0" tIns="0" rIns="0" bIns="0" rtlCol="0" anchor="t">
-            <a:spAutoFit/>
-          </a:bodyPr>
-          <a:lstStyle/>
-          <a:p>
-            <a:pPr marL="0" lvl="0" indent="0" algn="ctr">
-              <a:lnSpc>
-                <a:spcPts val="5185"/>
-              </a:lnSpc>
-              <a:spcBef>
-                <a:spcPct val="0"/>
-              </a:spcBef>
-            </a:pPr>
-            <a:r>
-              <a:rPr lang="en-US" sz="3757" b="1" dirty="0">
-                <a:solidFill>
-                  <a:srgbClr val="4BD1FB"/>
-                </a:solidFill>
-                <a:latin typeface="DM Sans Bold"/>
-                <a:ea typeface="DM Sans Bold"/>
-                <a:cs typeface="DM Sans Bold"/>
-                <a:sym typeface="DM Sans Bold"/>
-              </a:rPr>
-              <a:t>Enhanced Features</a:t>
-            </a:r>
-          </a:p>
-        </p:txBody>
-      </p:sp>
-      <p:sp>
-        <p:nvSpPr>
-          <p:cNvPr id="7" name="TextBox 7"/>
-          <p:cNvSpPr txBox="1"/>
-          <p:nvPr/>
-        </p:nvSpPr>
-        <p:spPr>
-          <a:xfrm>
-            <a:off x="6649882" y="5077765"/>
-            <a:ext cx="6902620" cy="3044973"/>
-          </a:xfrm>
-          <a:prstGeom prst="rect">
-            <a:avLst/>
-          </a:prstGeom>
-        </p:spPr>
-        <p:txBody>
-          <a:bodyPr lIns="0" tIns="0" rIns="0" bIns="0" rtlCol="0" anchor="t">
-            <a:spAutoFit/>
-          </a:bodyPr>
-          <a:lstStyle/>
-          <a:p>
-            <a:pPr marL="0" lvl="0" indent="0" algn="just">
-              <a:lnSpc>
-                <a:spcPts val="3057"/>
-              </a:lnSpc>
-              <a:spcBef>
-                <a:spcPct val="0"/>
-              </a:spcBef>
-            </a:pPr>
-            <a:r>
-              <a:rPr lang="en-US" sz="2215" u="none" strike="noStrike" dirty="0">
-                <a:solidFill>
-                  <a:srgbClr val="FFFFFF"/>
-                </a:solidFill>
-                <a:latin typeface="DM Sans"/>
-                <a:ea typeface="DM Sans"/>
-                <a:cs typeface="DM Sans"/>
-                <a:sym typeface="DM Sans"/>
-              </a:rPr>
-              <a:t>Low-cost and high-speed hardware </a:t>
-            </a:r>
-          </a:p>
-          <a:p>
-            <a:pPr algn="just">
-              <a:lnSpc>
-                <a:spcPts val="3057"/>
-              </a:lnSpc>
-              <a:spcBef>
-                <a:spcPct val="0"/>
-              </a:spcBef>
-            </a:pPr>
-            <a:endParaRPr lang="en-US" sz="2215" u="none" strike="noStrike" dirty="0">
-              <a:solidFill>
-                <a:srgbClr val="FFFFFF"/>
-              </a:solidFill>
-              <a:latin typeface="DM Sans"/>
-              <a:ea typeface="DM Sans"/>
-              <a:cs typeface="DM Sans"/>
-              <a:sym typeface="DM Sans"/>
-            </a:endParaRPr>
-          </a:p>
-          <a:p>
-            <a:pPr marL="0" lvl="0" indent="0" algn="just">
-              <a:lnSpc>
-                <a:spcPts val="3057"/>
-              </a:lnSpc>
-              <a:spcBef>
-                <a:spcPct val="0"/>
-              </a:spcBef>
-            </a:pPr>
-            <a:r>
-              <a:rPr lang="en-US" sz="2215" u="none" strike="noStrike" dirty="0">
-                <a:solidFill>
-                  <a:srgbClr val="FFFFFF"/>
-                </a:solidFill>
-                <a:latin typeface="DM Sans"/>
-                <a:ea typeface="DM Sans"/>
-                <a:cs typeface="DM Sans"/>
-                <a:sym typeface="DM Sans"/>
-              </a:rPr>
-              <a:t>Plug and play h/w </a:t>
-            </a:r>
-          </a:p>
-          <a:p>
-            <a:pPr algn="just">
-              <a:lnSpc>
-                <a:spcPts val="3057"/>
-              </a:lnSpc>
-              <a:spcBef>
-                <a:spcPct val="0"/>
-              </a:spcBef>
-            </a:pPr>
-            <a:endParaRPr lang="en-US" sz="2215" u="none" strike="noStrike" dirty="0">
-              <a:solidFill>
-                <a:srgbClr val="FFFFFF"/>
-              </a:solidFill>
-              <a:latin typeface="DM Sans"/>
-              <a:ea typeface="DM Sans"/>
-              <a:cs typeface="DM Sans"/>
-              <a:sym typeface="DM Sans"/>
-            </a:endParaRPr>
-          </a:p>
-          <a:p>
-            <a:pPr marL="0" lvl="0" indent="0" algn="just">
-              <a:lnSpc>
-                <a:spcPts val="3057"/>
-              </a:lnSpc>
-              <a:spcBef>
-                <a:spcPct val="0"/>
-              </a:spcBef>
-            </a:pPr>
-            <a:r>
-              <a:rPr lang="en-US" sz="2215" u="none" strike="noStrike" dirty="0">
-                <a:solidFill>
-                  <a:srgbClr val="FFFFFF"/>
-                </a:solidFill>
-                <a:latin typeface="DM Sans"/>
-                <a:ea typeface="DM Sans"/>
-                <a:cs typeface="DM Sans"/>
-                <a:sym typeface="DM Sans"/>
-              </a:rPr>
-              <a:t>Edge-AI </a:t>
-            </a:r>
-          </a:p>
-          <a:p>
-            <a:pPr marL="0" lvl="0" indent="0" algn="just">
-              <a:lnSpc>
-                <a:spcPts val="3057"/>
-              </a:lnSpc>
-              <a:spcBef>
-                <a:spcPct val="0"/>
-              </a:spcBef>
-            </a:pPr>
-            <a:endParaRPr lang="en-US" sz="2215" u="none" strike="noStrike" dirty="0">
-              <a:solidFill>
-                <a:srgbClr val="FFFFFF"/>
-              </a:solidFill>
-              <a:latin typeface="DM Sans"/>
-              <a:ea typeface="DM Sans"/>
-              <a:cs typeface="DM Sans"/>
-              <a:sym typeface="DM Sans"/>
-            </a:endParaRPr>
-          </a:p>
-          <a:p>
-            <a:pPr algn="just">
-              <a:lnSpc>
-                <a:spcPts val="3057"/>
-              </a:lnSpc>
-              <a:spcBef>
-                <a:spcPct val="0"/>
-              </a:spcBef>
-            </a:pPr>
-            <a:r>
-              <a:rPr lang="en-US" sz="2215" u="none" strike="noStrike" dirty="0">
-                <a:solidFill>
-                  <a:srgbClr val="FFFFFF"/>
-                </a:solidFill>
-                <a:latin typeface="DM Sans"/>
-                <a:ea typeface="DM Sans"/>
-                <a:cs typeface="DM Sans"/>
-                <a:sym typeface="DM Sans"/>
-              </a:rPr>
-              <a:t>Application specific hardware design</a:t>
-            </a:r>
-          </a:p>
-          <a:p>
-            <a:pPr marL="0" lvl="0" indent="0" algn="ctr">
-              <a:lnSpc>
-                <a:spcPts val="3057"/>
-              </a:lnSpc>
-              <a:spcBef>
-                <a:spcPct val="0"/>
-              </a:spcBef>
-            </a:pPr>
-            <a:endParaRPr lang="en-US" sz="2215" u="none" strike="noStrike" dirty="0">
-              <a:solidFill>
-                <a:srgbClr val="FFFFFF"/>
-              </a:solidFill>
-              <a:latin typeface="DM Sans"/>
-              <a:ea typeface="DM Sans"/>
-              <a:cs typeface="DM Sans"/>
-              <a:sym typeface="DM Sans"/>
-            </a:endParaRPr>
-          </a:p>
-        </p:txBody>
-      </p:sp>
-      <p:sp>
-        <p:nvSpPr>
-          <p:cNvPr id="8" name="TextBox 8"/>
-          <p:cNvSpPr txBox="1"/>
-          <p:nvPr/>
-        </p:nvSpPr>
-        <p:spPr>
-          <a:xfrm>
-            <a:off x="11636293" y="3735988"/>
-            <a:ext cx="7138272" cy="628474"/>
-          </a:xfrm>
-          <a:prstGeom prst="rect">
-            <a:avLst/>
-          </a:prstGeom>
-        </p:spPr>
-        <p:txBody>
-          <a:bodyPr lIns="0" tIns="0" rIns="0" bIns="0" rtlCol="0" anchor="t">
-            <a:spAutoFit/>
-          </a:bodyPr>
-          <a:lstStyle/>
-          <a:p>
-            <a:pPr marL="0" lvl="0" indent="0" algn="ctr">
-              <a:lnSpc>
-                <a:spcPts val="5185"/>
-              </a:lnSpc>
-              <a:spcBef>
-                <a:spcPct val="0"/>
-              </a:spcBef>
-            </a:pPr>
-            <a:r>
-              <a:rPr lang="en-US" sz="3757" b="1" dirty="0">
-                <a:solidFill>
-                  <a:srgbClr val="4BD1FB"/>
-                </a:solidFill>
-                <a:latin typeface="DM Sans Bold"/>
-                <a:ea typeface="DM Sans Bold"/>
-                <a:cs typeface="DM Sans Bold"/>
-                <a:sym typeface="DM Sans Bold"/>
-              </a:rPr>
-              <a:t>Data Analysis</a:t>
-            </a:r>
-          </a:p>
-        </p:txBody>
-      </p:sp>
-      <p:sp>
-        <p:nvSpPr>
-          <p:cNvPr id="9" name="TextBox 9"/>
-          <p:cNvSpPr txBox="1"/>
-          <p:nvPr/>
-        </p:nvSpPr>
-        <p:spPr>
-          <a:xfrm>
-            <a:off x="12713136" y="5124450"/>
-            <a:ext cx="5648184" cy="2325985"/>
-          </a:xfrm>
-          <a:prstGeom prst="rect">
-            <a:avLst/>
-          </a:prstGeom>
-        </p:spPr>
-        <p:txBody>
-          <a:bodyPr lIns="0" tIns="0" rIns="0" bIns="0" rtlCol="0" anchor="t">
-            <a:spAutoFit/>
-          </a:bodyPr>
-          <a:lstStyle/>
-          <a:p>
-            <a:pPr marL="0" lvl="0" indent="0" algn="just">
-              <a:lnSpc>
-                <a:spcPts val="3129"/>
-              </a:lnSpc>
-              <a:spcBef>
-                <a:spcPct val="0"/>
-              </a:spcBef>
-            </a:pPr>
-            <a:r>
-              <a:rPr lang="en-US" sz="2267" dirty="0">
-                <a:solidFill>
-                  <a:srgbClr val="FFFFFF"/>
-                </a:solidFill>
-                <a:latin typeface="DM Sans"/>
-                <a:ea typeface="DM Sans"/>
-                <a:cs typeface="DM Sans"/>
-                <a:sym typeface="DM Sans"/>
-              </a:rPr>
-              <a:t>Cu</a:t>
-            </a:r>
-            <a:r>
-              <a:rPr lang="en-US" sz="2267" u="none" strike="noStrike" dirty="0">
-                <a:solidFill>
-                  <a:srgbClr val="FFFFFF"/>
-                </a:solidFill>
-                <a:latin typeface="DM Sans"/>
-                <a:ea typeface="DM Sans"/>
-                <a:cs typeface="DM Sans"/>
-                <a:sym typeface="DM Sans"/>
-              </a:rPr>
-              <a:t>stomized data analysis per project  </a:t>
-            </a:r>
-          </a:p>
-          <a:p>
-            <a:pPr algn="just">
-              <a:lnSpc>
-                <a:spcPts val="3129"/>
-              </a:lnSpc>
-              <a:spcBef>
-                <a:spcPct val="0"/>
-              </a:spcBef>
-            </a:pPr>
-            <a:endParaRPr lang="en-US" sz="2267" u="none" strike="noStrike" dirty="0">
-              <a:solidFill>
-                <a:srgbClr val="FFFFFF"/>
-              </a:solidFill>
-              <a:latin typeface="DM Sans"/>
-              <a:ea typeface="DM Sans"/>
-              <a:cs typeface="DM Sans"/>
-              <a:sym typeface="DM Sans"/>
-            </a:endParaRPr>
-          </a:p>
-          <a:p>
-            <a:pPr marL="0" lvl="0" indent="0" algn="just">
-              <a:lnSpc>
-                <a:spcPts val="3129"/>
-              </a:lnSpc>
-              <a:spcBef>
-                <a:spcPct val="0"/>
-              </a:spcBef>
-            </a:pPr>
-            <a:r>
-              <a:rPr lang="en-US" sz="2267" u="none" strike="noStrike" dirty="0">
-                <a:solidFill>
-                  <a:srgbClr val="FFFFFF"/>
-                </a:solidFill>
-                <a:latin typeface="DM Sans"/>
-                <a:ea typeface="DM Sans"/>
-                <a:cs typeface="DM Sans"/>
-                <a:sym typeface="DM Sans"/>
-              </a:rPr>
-              <a:t>Friendly and readable data presentation </a:t>
-            </a:r>
-          </a:p>
-          <a:p>
-            <a:pPr algn="just">
-              <a:lnSpc>
-                <a:spcPts val="3129"/>
-              </a:lnSpc>
-              <a:spcBef>
-                <a:spcPct val="0"/>
-              </a:spcBef>
-            </a:pPr>
-            <a:endParaRPr lang="en-US" sz="2267" u="none" strike="noStrike" dirty="0">
-              <a:solidFill>
-                <a:srgbClr val="FFFFFF"/>
-              </a:solidFill>
-              <a:latin typeface="DM Sans"/>
-              <a:ea typeface="DM Sans"/>
-              <a:cs typeface="DM Sans"/>
-              <a:sym typeface="DM Sans"/>
-            </a:endParaRPr>
-          </a:p>
-          <a:p>
-            <a:pPr algn="just">
-              <a:lnSpc>
-                <a:spcPts val="3129"/>
-              </a:lnSpc>
-              <a:spcBef>
-                <a:spcPct val="0"/>
-              </a:spcBef>
-            </a:pPr>
-            <a:r>
-              <a:rPr lang="en-US" sz="2267" u="none" strike="noStrike" dirty="0">
-                <a:solidFill>
-                  <a:srgbClr val="FFFFFF"/>
-                </a:solidFill>
-                <a:latin typeface="DM Sans"/>
-                <a:ea typeface="DM Sans"/>
-                <a:cs typeface="DM Sans"/>
-                <a:sym typeface="DM Sans"/>
-              </a:rPr>
-              <a:t>Covering a wide spectrum of applications </a:t>
-            </a:r>
-          </a:p>
-          <a:p>
-            <a:pPr marL="0" lvl="0" indent="0" algn="ctr">
-              <a:lnSpc>
-                <a:spcPts val="3129"/>
-              </a:lnSpc>
-              <a:spcBef>
-                <a:spcPct val="0"/>
-              </a:spcBef>
-            </a:pPr>
-            <a:endParaRPr lang="en-US" sz="2267" u="none" strike="noStrike" dirty="0">
-              <a:solidFill>
-                <a:srgbClr val="FFFFFF"/>
-              </a:solidFill>
-              <a:latin typeface="DM Sans"/>
-              <a:ea typeface="DM Sans"/>
-              <a:cs typeface="DM Sans"/>
-              <a:sym typeface="DM Sans"/>
-            </a:endParaRPr>
-          </a:p>
-        </p:txBody>
-      </p:sp>
-    </p:spTree>
-  </p:cSld>
-  <p:clrMapOvr>
-    <a:masterClrMapping/>
-  </p:clrMapOvr>
-  <p:transition spd="slow">
-    <p:wipe/>
-  </p:transition>
-</p:sld>
-</file>
-
-<file path=ppt/slides/slide5.xml><?xml version="1.0" encoding="utf-8"?>
-<p:sld xmlns:a="http://schemas.openxmlformats.org/drawingml/2006/main" xmlns:r="http://schemas.openxmlformats.org/officeDocument/2006/relationships" xmlns:p="http://schemas.openxmlformats.org/presentationml/2006/main">
-  <p:cSld>
-    <p:bg>
-      <p:bgPr>
-        <a:solidFill>
-          <a:srgbClr val="051D40"/>
-        </a:solidFill>
-        <a:effectLst/>
-      </p:bgPr>
-    </p:bg>
-    <p:spTree>
-      <p:nvGrpSpPr>
-        <p:cNvPr id="1" name=""/>
-        <p:cNvGrpSpPr/>
-        <p:nvPr/>
-      </p:nvGrpSpPr>
-      <p:grpSpPr>
-        <a:xfrm>
-          <a:off x="0" y="0"/>
-          <a:ext cx="0" cy="0"/>
-          <a:chOff x="0" y="0"/>
-          <a:chExt cx="0" cy="0"/>
-        </a:xfrm>
-      </p:grpSpPr>
-      <p:sp>
-        <p:nvSpPr>
-          <p:cNvPr id="2" name="Freeform 2"/>
-          <p:cNvSpPr/>
-          <p:nvPr/>
-        </p:nvSpPr>
-        <p:spPr>
           <a:xfrm rot="1313163">
-            <a:off x="-4261137" y="6573910"/>
+            <a:off x="-3514114" y="6354761"/>
             <a:ext cx="9085628" cy="5368780"/>
           </a:xfrm>
           <a:custGeom>
@@ -8710,7 +8550,7 @@
         </p:nvSpPr>
         <p:spPr>
           <a:xfrm>
-            <a:off x="2267961" y="8412696"/>
+            <a:off x="3534132" y="8412696"/>
             <a:ext cx="4319810" cy="426581"/>
           </a:xfrm>
           <a:custGeom>
@@ -8725,10 +8565,10 @@
                   <a:pt x="0" y="0"/>
                 </a:moveTo>
                 <a:lnTo>
-                  <a:pt x="4319809" y="0"/>
-                </a:lnTo>
-                <a:lnTo>
-                  <a:pt x="4319809" y="426581"/>
+                  <a:pt x="4319810" y="0"/>
+                </a:lnTo>
+                <a:lnTo>
+                  <a:pt x="4319810" y="426581"/>
                 </a:lnTo>
                 <a:lnTo>
                   <a:pt x="0" y="426581"/>
@@ -8755,121 +8595,15 @@
           </a:p>
         </p:txBody>
       </p:sp>
-      <p:sp>
-        <p:nvSpPr>
-          <p:cNvPr id="4" name="Freeform 4"/>
-          <p:cNvSpPr/>
-          <p:nvPr/>
-        </p:nvSpPr>
-        <p:spPr>
-          <a:xfrm>
-            <a:off x="6984095" y="8412696"/>
-            <a:ext cx="4319810" cy="426581"/>
-          </a:xfrm>
-          <a:custGeom>
-            <a:avLst/>
-            <a:gdLst/>
-            <a:ahLst/>
-            <a:cxnLst/>
-            <a:rect l="l" t="t" r="r" b="b"/>
-            <a:pathLst>
-              <a:path w="4319810" h="426581">
-                <a:moveTo>
-                  <a:pt x="0" y="0"/>
-                </a:moveTo>
-                <a:lnTo>
-                  <a:pt x="4319810" y="0"/>
-                </a:lnTo>
-                <a:lnTo>
-                  <a:pt x="4319810" y="426581"/>
-                </a:lnTo>
-                <a:lnTo>
-                  <a:pt x="0" y="426581"/>
-                </a:lnTo>
-                <a:lnTo>
-                  <a:pt x="0" y="0"/>
-                </a:lnTo>
-                <a:close/>
-              </a:path>
-            </a:pathLst>
-          </a:custGeom>
-          <a:blipFill>
-            <a:blip r:embed="rId4"/>
-            <a:stretch>
-              <a:fillRect t="-99999"/>
-            </a:stretch>
-          </a:blipFill>
-        </p:spPr>
-        <p:txBody>
-          <a:bodyPr/>
-          <a:lstStyle/>
-          <a:p>
-            <a:endParaRPr lang="el-GR"/>
-          </a:p>
-        </p:txBody>
-      </p:sp>
-      <p:sp>
-        <p:nvSpPr>
-          <p:cNvPr id="5" name="Freeform 5"/>
-          <p:cNvSpPr/>
-          <p:nvPr/>
-        </p:nvSpPr>
-        <p:spPr>
-          <a:xfrm>
-            <a:off x="11703955" y="8412696"/>
-            <a:ext cx="4319810" cy="426581"/>
-          </a:xfrm>
-          <a:custGeom>
-            <a:avLst/>
-            <a:gdLst/>
-            <a:ahLst/>
-            <a:cxnLst/>
-            <a:rect l="l" t="t" r="r" b="b"/>
-            <a:pathLst>
-              <a:path w="4319810" h="426581">
-                <a:moveTo>
-                  <a:pt x="0" y="0"/>
-                </a:moveTo>
-                <a:lnTo>
-                  <a:pt x="4319809" y="0"/>
-                </a:lnTo>
-                <a:lnTo>
-                  <a:pt x="4319809" y="426581"/>
-                </a:lnTo>
-                <a:lnTo>
-                  <a:pt x="0" y="426581"/>
-                </a:lnTo>
-                <a:lnTo>
-                  <a:pt x="0" y="0"/>
-                </a:lnTo>
-                <a:close/>
-              </a:path>
-            </a:pathLst>
-          </a:custGeom>
-          <a:blipFill>
-            <a:blip r:embed="rId4"/>
-            <a:stretch>
-              <a:fillRect t="-99999"/>
-            </a:stretch>
-          </a:blipFill>
-        </p:spPr>
-        <p:txBody>
-          <a:bodyPr/>
-          <a:lstStyle/>
-          <a:p>
-            <a:endParaRPr lang="el-GR"/>
-          </a:p>
-        </p:txBody>
-      </p:sp>
       <p:grpSp>
         <p:nvGrpSpPr>
-          <p:cNvPr id="6" name="Group 6"/>
+          <p:cNvPr id="4" name="Group 4"/>
           <p:cNvGrpSpPr/>
           <p:nvPr/>
         </p:nvGrpSpPr>
         <p:grpSpPr>
           <a:xfrm>
-            <a:off x="2290722" y="2778142"/>
+            <a:off x="3642789" y="2770321"/>
             <a:ext cx="4297048" cy="6268830"/>
             <a:chOff x="0" y="0"/>
             <a:chExt cx="1131733" cy="1651050"/>
@@ -8877,7 +8611,7 @@
         </p:grpSpPr>
         <p:sp>
           <p:nvSpPr>
-            <p:cNvPr id="7" name="Freeform 7"/>
+            <p:cNvPr id="5" name="Freeform 5"/>
             <p:cNvSpPr/>
             <p:nvPr/>
           </p:nvSpPr>
@@ -8931,7 +8665,7 @@
         </p:sp>
         <p:sp>
           <p:nvSpPr>
-            <p:cNvPr id="8" name="TextBox 8"/>
+            <p:cNvPr id="6" name="TextBox 6"/>
             <p:cNvSpPr txBox="1"/>
             <p:nvPr/>
           </p:nvSpPr>
@@ -8960,13 +8694,13 @@
       </p:grpSp>
       <p:grpSp>
         <p:nvGrpSpPr>
-          <p:cNvPr id="9" name="Group 9"/>
+          <p:cNvPr id="7" name="Group 7"/>
           <p:cNvGrpSpPr/>
           <p:nvPr/>
         </p:nvGrpSpPr>
         <p:grpSpPr>
           <a:xfrm>
-            <a:off x="6993607" y="2778142"/>
+            <a:off x="10931273" y="2778142"/>
             <a:ext cx="4297048" cy="6268830"/>
             <a:chOff x="0" y="0"/>
             <a:chExt cx="1131733" cy="1651050"/>
@@ -8974,7 +8708,7 @@
         </p:grpSpPr>
         <p:sp>
           <p:nvSpPr>
-            <p:cNvPr id="10" name="Freeform 10"/>
+            <p:cNvPr id="8" name="Freeform 8"/>
             <p:cNvSpPr/>
             <p:nvPr/>
           </p:nvSpPr>
@@ -9028,7 +8762,7 @@
         </p:sp>
         <p:sp>
           <p:nvSpPr>
-            <p:cNvPr id="11" name="TextBox 11"/>
+            <p:cNvPr id="9" name="TextBox 9"/>
             <p:cNvSpPr txBox="1"/>
             <p:nvPr/>
           </p:nvSpPr>
@@ -9055,15 +8789,1618 @@
           </p:txBody>
         </p:sp>
       </p:grpSp>
+      <p:sp>
+        <p:nvSpPr>
+          <p:cNvPr id="10" name="Freeform 10"/>
+          <p:cNvSpPr/>
+          <p:nvPr/>
+        </p:nvSpPr>
+        <p:spPr>
+          <a:xfrm rot="1313163">
+            <a:off x="14330817" y="-1655690"/>
+            <a:ext cx="9085628" cy="5368780"/>
+          </a:xfrm>
+          <a:custGeom>
+            <a:avLst/>
+            <a:gdLst/>
+            <a:ahLst/>
+            <a:cxnLst/>
+            <a:rect l="l" t="t" r="r" b="b"/>
+            <a:pathLst>
+              <a:path w="9085628" h="5368780">
+                <a:moveTo>
+                  <a:pt x="0" y="0"/>
+                </a:moveTo>
+                <a:lnTo>
+                  <a:pt x="9085629" y="0"/>
+                </a:lnTo>
+                <a:lnTo>
+                  <a:pt x="9085629" y="5368780"/>
+                </a:lnTo>
+                <a:lnTo>
+                  <a:pt x="0" y="5368780"/>
+                </a:lnTo>
+                <a:lnTo>
+                  <a:pt x="0" y="0"/>
+                </a:lnTo>
+                <a:close/>
+              </a:path>
+            </a:pathLst>
+          </a:custGeom>
+          <a:blipFill>
+            <a:blip r:embed="rId2">
+              <a:extLst>
+                <a:ext uri="{96DAC541-7B7A-43D3-8B79-37D633B846F1}">
+                  <asvg:svgBlip xmlns:asvg="http://schemas.microsoft.com/office/drawing/2016/SVG/main" r:embed="rId3"/>
+                </a:ext>
+              </a:extLst>
+            </a:blip>
+            <a:stretch>
+              <a:fillRect/>
+            </a:stretch>
+          </a:blipFill>
+        </p:spPr>
+        <p:txBody>
+          <a:bodyPr/>
+          <a:lstStyle/>
+          <a:p>
+            <a:endParaRPr lang="el-GR"/>
+          </a:p>
+        </p:txBody>
+      </p:sp>
       <p:grpSp>
         <p:nvGrpSpPr>
-          <p:cNvPr id="12" name="Group 12"/>
+          <p:cNvPr id="11" name="Group 11"/>
           <p:cNvGrpSpPr/>
           <p:nvPr/>
         </p:nvGrpSpPr>
         <p:grpSpPr>
           <a:xfrm>
-            <a:off x="11700230" y="2778142"/>
+            <a:off x="717700" y="321941"/>
+            <a:ext cx="12764017" cy="1635155"/>
+            <a:chOff x="0" y="0"/>
+            <a:chExt cx="3361716" cy="430658"/>
+          </a:xfrm>
+        </p:grpSpPr>
+        <p:sp>
+          <p:nvSpPr>
+            <p:cNvPr id="12" name="Freeform 12"/>
+            <p:cNvSpPr/>
+            <p:nvPr/>
+          </p:nvSpPr>
+          <p:spPr>
+            <a:xfrm>
+              <a:off x="0" y="0"/>
+              <a:ext cx="3361717" cy="430658"/>
+            </a:xfrm>
+            <a:custGeom>
+              <a:avLst/>
+              <a:gdLst/>
+              <a:ahLst/>
+              <a:cxnLst/>
+              <a:rect l="l" t="t" r="r" b="b"/>
+              <a:pathLst>
+                <a:path w="3361717" h="430658">
+                  <a:moveTo>
+                    <a:pt x="0" y="0"/>
+                  </a:moveTo>
+                  <a:lnTo>
+                    <a:pt x="3361717" y="0"/>
+                  </a:lnTo>
+                  <a:lnTo>
+                    <a:pt x="3361717" y="430658"/>
+                  </a:lnTo>
+                  <a:lnTo>
+                    <a:pt x="0" y="430658"/>
+                  </a:lnTo>
+                  <a:close/>
+                </a:path>
+              </a:pathLst>
+            </a:custGeom>
+            <a:solidFill>
+              <a:srgbClr val="96CDDD"/>
+            </a:solidFill>
+            <a:ln w="28575" cap="sq">
+              <a:solidFill>
+                <a:srgbClr val="FFFFFF"/>
+              </a:solidFill>
+              <a:prstDash val="solid"/>
+              <a:miter/>
+            </a:ln>
+          </p:spPr>
+          <p:txBody>
+            <a:bodyPr/>
+            <a:lstStyle/>
+            <a:p>
+              <a:endParaRPr lang="el-GR"/>
+            </a:p>
+          </p:txBody>
+        </p:sp>
+        <p:sp>
+          <p:nvSpPr>
+            <p:cNvPr id="13" name="TextBox 13"/>
+            <p:cNvSpPr txBox="1"/>
+            <p:nvPr/>
+          </p:nvSpPr>
+          <p:spPr>
+            <a:xfrm>
+              <a:off x="0" y="-38100"/>
+              <a:ext cx="3361716" cy="468758"/>
+            </a:xfrm>
+            <a:prstGeom prst="rect">
+              <a:avLst/>
+            </a:prstGeom>
+          </p:spPr>
+          <p:txBody>
+            <a:bodyPr lIns="50800" tIns="50800" rIns="50800" bIns="50800" rtlCol="0" anchor="ctr"/>
+            <a:lstStyle/>
+            <a:p>
+              <a:pPr algn="ctr">
+                <a:lnSpc>
+                  <a:spcPts val="2605"/>
+                </a:lnSpc>
+              </a:pPr>
+              <a:endParaRPr/>
+            </a:p>
+          </p:txBody>
+        </p:sp>
+      </p:grpSp>
+      <p:sp>
+        <p:nvSpPr>
+          <p:cNvPr id="14" name="Freeform 14"/>
+          <p:cNvSpPr/>
+          <p:nvPr/>
+        </p:nvSpPr>
+        <p:spPr>
+          <a:xfrm>
+            <a:off x="8424736" y="457535"/>
+            <a:ext cx="1438527" cy="1434115"/>
+          </a:xfrm>
+          <a:custGeom>
+            <a:avLst/>
+            <a:gdLst/>
+            <a:ahLst/>
+            <a:cxnLst/>
+            <a:rect l="l" t="t" r="r" b="b"/>
+            <a:pathLst>
+              <a:path w="1438527" h="1434115">
+                <a:moveTo>
+                  <a:pt x="0" y="0"/>
+                </a:moveTo>
+                <a:lnTo>
+                  <a:pt x="1438528" y="0"/>
+                </a:lnTo>
+                <a:lnTo>
+                  <a:pt x="1438528" y="1434115"/>
+                </a:lnTo>
+                <a:lnTo>
+                  <a:pt x="0" y="1434115"/>
+                </a:lnTo>
+                <a:lnTo>
+                  <a:pt x="0" y="0"/>
+                </a:lnTo>
+                <a:close/>
+              </a:path>
+            </a:pathLst>
+          </a:custGeom>
+          <a:blipFill>
+            <a:blip r:embed="rId5"/>
+            <a:stretch>
+              <a:fillRect/>
+            </a:stretch>
+          </a:blipFill>
+        </p:spPr>
+        <p:txBody>
+          <a:bodyPr/>
+          <a:lstStyle/>
+          <a:p>
+            <a:endParaRPr lang="el-GR"/>
+          </a:p>
+        </p:txBody>
+      </p:sp>
+      <p:sp>
+        <p:nvSpPr>
+          <p:cNvPr id="15" name="Freeform 15"/>
+          <p:cNvSpPr/>
+          <p:nvPr/>
+        </p:nvSpPr>
+        <p:spPr>
+          <a:xfrm>
+            <a:off x="5001032" y="2963236"/>
+            <a:ext cx="1386011" cy="1315536"/>
+          </a:xfrm>
+          <a:custGeom>
+            <a:avLst/>
+            <a:gdLst/>
+            <a:ahLst/>
+            <a:cxnLst/>
+            <a:rect l="l" t="t" r="r" b="b"/>
+            <a:pathLst>
+              <a:path w="1386011" h="1315536">
+                <a:moveTo>
+                  <a:pt x="0" y="0"/>
+                </a:moveTo>
+                <a:lnTo>
+                  <a:pt x="1386010" y="0"/>
+                </a:lnTo>
+                <a:lnTo>
+                  <a:pt x="1386010" y="1315536"/>
+                </a:lnTo>
+                <a:lnTo>
+                  <a:pt x="0" y="1315536"/>
+                </a:lnTo>
+                <a:lnTo>
+                  <a:pt x="0" y="0"/>
+                </a:lnTo>
+                <a:close/>
+              </a:path>
+            </a:pathLst>
+          </a:custGeom>
+          <a:blipFill>
+            <a:blip r:embed="rId6"/>
+            <a:stretch>
+              <a:fillRect l="-29391" t="-34063" r="-28266" b="-32040"/>
+            </a:stretch>
+          </a:blipFill>
+        </p:spPr>
+        <p:txBody>
+          <a:bodyPr/>
+          <a:lstStyle/>
+          <a:p>
+            <a:endParaRPr lang="el-GR"/>
+          </a:p>
+        </p:txBody>
+      </p:sp>
+      <p:sp>
+        <p:nvSpPr>
+          <p:cNvPr id="16" name="Freeform 16"/>
+          <p:cNvSpPr/>
+          <p:nvPr/>
+        </p:nvSpPr>
+        <p:spPr>
+          <a:xfrm>
+            <a:off x="12473015" y="3065449"/>
+            <a:ext cx="1184578" cy="918048"/>
+          </a:xfrm>
+          <a:custGeom>
+            <a:avLst/>
+            <a:gdLst/>
+            <a:ahLst/>
+            <a:cxnLst/>
+            <a:rect l="l" t="t" r="r" b="b"/>
+            <a:pathLst>
+              <a:path w="1184578" h="918048">
+                <a:moveTo>
+                  <a:pt x="0" y="0"/>
+                </a:moveTo>
+                <a:lnTo>
+                  <a:pt x="1184578" y="0"/>
+                </a:lnTo>
+                <a:lnTo>
+                  <a:pt x="1184578" y="918048"/>
+                </a:lnTo>
+                <a:lnTo>
+                  <a:pt x="0" y="918048"/>
+                </a:lnTo>
+                <a:lnTo>
+                  <a:pt x="0" y="0"/>
+                </a:lnTo>
+                <a:close/>
+              </a:path>
+            </a:pathLst>
+          </a:custGeom>
+          <a:blipFill>
+            <a:blip r:embed="rId7"/>
+            <a:stretch>
+              <a:fillRect/>
+            </a:stretch>
+          </a:blipFill>
+        </p:spPr>
+        <p:txBody>
+          <a:bodyPr/>
+          <a:lstStyle/>
+          <a:p>
+            <a:endParaRPr lang="el-GR"/>
+          </a:p>
+        </p:txBody>
+      </p:sp>
+      <p:sp>
+        <p:nvSpPr>
+          <p:cNvPr id="17" name="TextBox 17"/>
+          <p:cNvSpPr txBox="1"/>
+          <p:nvPr/>
+        </p:nvSpPr>
+        <p:spPr>
+          <a:xfrm>
+            <a:off x="4075240" y="4354972"/>
+            <a:ext cx="3432147" cy="385572"/>
+          </a:xfrm>
+          <a:prstGeom prst="rect">
+            <a:avLst/>
+          </a:prstGeom>
+        </p:spPr>
+        <p:txBody>
+          <a:bodyPr lIns="0" tIns="0" rIns="0" bIns="0" rtlCol="0" anchor="t">
+            <a:spAutoFit/>
+          </a:bodyPr>
+          <a:lstStyle/>
+          <a:p>
+            <a:pPr marL="0" lvl="0" indent="0" algn="ctr">
+              <a:lnSpc>
+                <a:spcPts val="3174"/>
+              </a:lnSpc>
+              <a:spcBef>
+                <a:spcPct val="0"/>
+              </a:spcBef>
+            </a:pPr>
+            <a:r>
+              <a:rPr lang="en-US" sz="2300" b="1">
+                <a:solidFill>
+                  <a:srgbClr val="0071C9"/>
+                </a:solidFill>
+                <a:latin typeface="DM Sans Bold"/>
+                <a:ea typeface="DM Sans Bold"/>
+                <a:cs typeface="DM Sans Bold"/>
+                <a:sym typeface="DM Sans Bold"/>
+              </a:rPr>
+              <a:t>Signal RSSI Mapping</a:t>
+            </a:r>
+          </a:p>
+        </p:txBody>
+      </p:sp>
+      <p:sp>
+        <p:nvSpPr>
+          <p:cNvPr id="18" name="TextBox 18"/>
+          <p:cNvSpPr txBox="1"/>
+          <p:nvPr/>
+        </p:nvSpPr>
+        <p:spPr>
+          <a:xfrm>
+            <a:off x="11096781" y="7044847"/>
+            <a:ext cx="3583389" cy="526031"/>
+          </a:xfrm>
+          <a:prstGeom prst="rect">
+            <a:avLst/>
+          </a:prstGeom>
+        </p:spPr>
+        <p:txBody>
+          <a:bodyPr lIns="0" tIns="0" rIns="0" bIns="0" rtlCol="0" anchor="t">
+            <a:spAutoFit/>
+          </a:bodyPr>
+          <a:lstStyle/>
+          <a:p>
+            <a:pPr marL="339473" lvl="1" indent="-169736" algn="l">
+              <a:lnSpc>
+                <a:spcPts val="2169"/>
+              </a:lnSpc>
+              <a:buFont typeface="Arial"/>
+              <a:buChar char="•"/>
+            </a:pPr>
+            <a:r>
+              <a:rPr lang="en-US" sz="1572">
+                <a:solidFill>
+                  <a:srgbClr val="051D40"/>
+                </a:solidFill>
+                <a:latin typeface="DM Sans"/>
+                <a:ea typeface="DM Sans"/>
+                <a:cs typeface="DM Sans"/>
+                <a:sym typeface="DM Sans"/>
+              </a:rPr>
+              <a:t>A map of the campus </a:t>
+            </a:r>
+            <a:r>
+              <a:rPr lang="en-US" sz="1572" b="1">
+                <a:solidFill>
+                  <a:srgbClr val="051D40"/>
+                </a:solidFill>
+                <a:latin typeface="DM Sans Bold"/>
+                <a:ea typeface="DM Sans Bold"/>
+                <a:cs typeface="DM Sans Bold"/>
+                <a:sym typeface="DM Sans Bold"/>
+              </a:rPr>
+              <a:t> WiFi access points locations</a:t>
+            </a:r>
+            <a:r>
+              <a:rPr lang="en-US" sz="1572">
+                <a:solidFill>
+                  <a:srgbClr val="051D40"/>
+                </a:solidFill>
+                <a:latin typeface="DM Sans"/>
+                <a:ea typeface="DM Sans"/>
+                <a:cs typeface="DM Sans"/>
+                <a:sym typeface="DM Sans"/>
+              </a:rPr>
+              <a:t> </a:t>
+            </a:r>
+          </a:p>
+        </p:txBody>
+      </p:sp>
+      <p:sp>
+        <p:nvSpPr>
+          <p:cNvPr id="19" name="TextBox 19"/>
+          <p:cNvSpPr txBox="1"/>
+          <p:nvPr/>
+        </p:nvSpPr>
+        <p:spPr>
+          <a:xfrm>
+            <a:off x="11039687" y="4299104"/>
+            <a:ext cx="4083959" cy="385572"/>
+          </a:xfrm>
+          <a:prstGeom prst="rect">
+            <a:avLst/>
+          </a:prstGeom>
+        </p:spPr>
+        <p:txBody>
+          <a:bodyPr lIns="0" tIns="0" rIns="0" bIns="0" rtlCol="0" anchor="t">
+            <a:spAutoFit/>
+          </a:bodyPr>
+          <a:lstStyle/>
+          <a:p>
+            <a:pPr marL="0" lvl="0" indent="0" algn="ctr">
+              <a:lnSpc>
+                <a:spcPts val="3174"/>
+              </a:lnSpc>
+              <a:spcBef>
+                <a:spcPct val="0"/>
+              </a:spcBef>
+            </a:pPr>
+            <a:r>
+              <a:rPr lang="en-US" sz="2300" b="1">
+                <a:solidFill>
+                  <a:srgbClr val="854C40"/>
+                </a:solidFill>
+                <a:latin typeface="DM Sans Bold"/>
+                <a:ea typeface="DM Sans Bold"/>
+                <a:cs typeface="DM Sans Bold"/>
+                <a:sym typeface="DM Sans Bold"/>
+              </a:rPr>
+              <a:t>WiFi Access-Point Mapping </a:t>
+            </a:r>
+          </a:p>
+        </p:txBody>
+      </p:sp>
+      <p:sp>
+        <p:nvSpPr>
+          <p:cNvPr id="20" name="TextBox 20"/>
+          <p:cNvSpPr txBox="1"/>
+          <p:nvPr/>
+        </p:nvSpPr>
+        <p:spPr>
+          <a:xfrm>
+            <a:off x="4136612" y="5400304"/>
+            <a:ext cx="3200745" cy="1133345"/>
+          </a:xfrm>
+          <a:prstGeom prst="rect">
+            <a:avLst/>
+          </a:prstGeom>
+        </p:spPr>
+        <p:txBody>
+          <a:bodyPr lIns="0" tIns="0" rIns="0" bIns="0" rtlCol="0" anchor="t">
+            <a:spAutoFit/>
+          </a:bodyPr>
+          <a:lstStyle/>
+          <a:p>
+            <a:pPr algn="ctr">
+              <a:lnSpc>
+                <a:spcPts val="2307"/>
+              </a:lnSpc>
+            </a:pPr>
+            <a:r>
+              <a:rPr lang="en-US" sz="1672" dirty="0">
+                <a:solidFill>
+                  <a:srgbClr val="051D40"/>
+                </a:solidFill>
+                <a:latin typeface="DM Sans"/>
+                <a:ea typeface="DM Sans"/>
+                <a:cs typeface="DM Sans"/>
+                <a:sym typeface="DM Sans"/>
+              </a:rPr>
+              <a:t>4G/5G</a:t>
+            </a:r>
+          </a:p>
+          <a:p>
+            <a:pPr algn="ctr">
+              <a:lnSpc>
+                <a:spcPts val="2307"/>
+              </a:lnSpc>
+            </a:pPr>
+            <a:r>
+              <a:rPr lang="en-US" sz="1672" dirty="0">
+                <a:solidFill>
+                  <a:srgbClr val="051D40"/>
+                </a:solidFill>
+                <a:latin typeface="DM Sans"/>
+                <a:ea typeface="DM Sans"/>
+                <a:cs typeface="DM Sans"/>
+                <a:sym typeface="DM Sans"/>
+              </a:rPr>
+              <a:t>LoRa</a:t>
+            </a:r>
+          </a:p>
+          <a:p>
+            <a:pPr algn="ctr">
+              <a:lnSpc>
+                <a:spcPts val="2307"/>
+              </a:lnSpc>
+            </a:pPr>
+            <a:r>
+              <a:rPr lang="en-US" sz="1672" dirty="0">
+                <a:solidFill>
+                  <a:srgbClr val="051D40"/>
+                </a:solidFill>
+                <a:latin typeface="DM Sans"/>
+                <a:ea typeface="DM Sans"/>
+                <a:cs typeface="DM Sans"/>
+                <a:sym typeface="DM Sans"/>
+              </a:rPr>
+              <a:t>NB-IoT</a:t>
+            </a:r>
+          </a:p>
+          <a:p>
+            <a:pPr algn="ctr">
+              <a:lnSpc>
+                <a:spcPts val="2307"/>
+              </a:lnSpc>
+            </a:pPr>
+            <a:r>
+              <a:rPr lang="en-US" sz="1672" dirty="0">
+                <a:solidFill>
+                  <a:srgbClr val="051D40"/>
+                </a:solidFill>
+                <a:latin typeface="DM Sans"/>
+                <a:ea typeface="DM Sans"/>
+                <a:cs typeface="DM Sans"/>
+                <a:sym typeface="DM Sans"/>
+              </a:rPr>
+              <a:t>and others</a:t>
+            </a:r>
+          </a:p>
+        </p:txBody>
+      </p:sp>
+      <p:sp>
+        <p:nvSpPr>
+          <p:cNvPr id="21" name="TextBox 21"/>
+          <p:cNvSpPr txBox="1"/>
+          <p:nvPr/>
+        </p:nvSpPr>
+        <p:spPr>
+          <a:xfrm>
+            <a:off x="3648016" y="6994594"/>
+            <a:ext cx="4117780" cy="1704845"/>
+          </a:xfrm>
+          <a:prstGeom prst="rect">
+            <a:avLst/>
+          </a:prstGeom>
+        </p:spPr>
+        <p:txBody>
+          <a:bodyPr lIns="0" tIns="0" rIns="0" bIns="0" rtlCol="0" anchor="t">
+            <a:spAutoFit/>
+          </a:bodyPr>
+          <a:lstStyle/>
+          <a:p>
+            <a:pPr marL="361062" lvl="1" indent="-180531" algn="l">
+              <a:lnSpc>
+                <a:spcPts val="2307"/>
+              </a:lnSpc>
+              <a:buFont typeface="Arial"/>
+              <a:buChar char="•"/>
+            </a:pPr>
+            <a:r>
+              <a:rPr lang="en-US" sz="1672">
+                <a:solidFill>
+                  <a:srgbClr val="051D40"/>
+                </a:solidFill>
+                <a:latin typeface="DM Sans"/>
+                <a:ea typeface="DM Sans"/>
+                <a:cs typeface="DM Sans"/>
+                <a:sym typeface="DM Sans"/>
+              </a:rPr>
+              <a:t>Detection of </a:t>
+            </a:r>
+            <a:r>
+              <a:rPr lang="en-US" sz="1672" b="1">
+                <a:solidFill>
+                  <a:srgbClr val="051D40"/>
+                </a:solidFill>
+                <a:latin typeface="DM Sans Bold"/>
+                <a:ea typeface="DM Sans Bold"/>
+                <a:cs typeface="DM Sans Bold"/>
+                <a:sym typeface="DM Sans Bold"/>
+              </a:rPr>
+              <a:t>dead signal spots </a:t>
+            </a:r>
+          </a:p>
+          <a:p>
+            <a:pPr marL="361062" lvl="1" indent="-180531" algn="l">
+              <a:lnSpc>
+                <a:spcPts val="2307"/>
+              </a:lnSpc>
+              <a:buFont typeface="Arial"/>
+              <a:buChar char="•"/>
+            </a:pPr>
+            <a:r>
+              <a:rPr lang="en-US" sz="1672">
+                <a:solidFill>
+                  <a:srgbClr val="051D40"/>
+                </a:solidFill>
+                <a:latin typeface="DM Sans"/>
+                <a:ea typeface="DM Sans"/>
+                <a:cs typeface="DM Sans"/>
+                <a:sym typeface="DM Sans"/>
+              </a:rPr>
+              <a:t>Recommendation of new</a:t>
+            </a:r>
+            <a:r>
+              <a:rPr lang="en-US" sz="1672" b="1">
+                <a:solidFill>
+                  <a:srgbClr val="051D40"/>
+                </a:solidFill>
+                <a:latin typeface="DM Sans Bold"/>
+                <a:ea typeface="DM Sans Bold"/>
+                <a:cs typeface="DM Sans Bold"/>
+                <a:sym typeface="DM Sans Bold"/>
+              </a:rPr>
+              <a:t> access points placement </a:t>
+            </a:r>
+          </a:p>
+          <a:p>
+            <a:pPr marL="361062" lvl="1" indent="-180531" algn="l">
+              <a:lnSpc>
+                <a:spcPts val="2307"/>
+              </a:lnSpc>
+              <a:buFont typeface="Arial"/>
+              <a:buChar char="•"/>
+            </a:pPr>
+            <a:r>
+              <a:rPr lang="en-US" sz="1672">
+                <a:solidFill>
+                  <a:srgbClr val="051D40"/>
+                </a:solidFill>
+                <a:latin typeface="DM Sans"/>
+                <a:ea typeface="DM Sans"/>
+                <a:cs typeface="DM Sans"/>
+                <a:sym typeface="DM Sans"/>
+              </a:rPr>
+              <a:t>Creation of </a:t>
+            </a:r>
+            <a:r>
+              <a:rPr lang="en-US" sz="1672" b="1">
+                <a:solidFill>
+                  <a:srgbClr val="051D40"/>
+                </a:solidFill>
+                <a:latin typeface="DM Sans Bold"/>
+                <a:ea typeface="DM Sans Bold"/>
+                <a:cs typeface="DM Sans Bold"/>
+                <a:sym typeface="DM Sans Bold"/>
+              </a:rPr>
+              <a:t>signal coverage heatmap</a:t>
+            </a:r>
+            <a:r>
+              <a:rPr lang="en-US" sz="1672">
+                <a:solidFill>
+                  <a:srgbClr val="051D40"/>
+                </a:solidFill>
+                <a:latin typeface="DM Sans"/>
+                <a:ea typeface="DM Sans"/>
+                <a:cs typeface="DM Sans"/>
+                <a:sym typeface="DM Sans"/>
+              </a:rPr>
+              <a:t> </a:t>
+            </a:r>
+          </a:p>
+          <a:p>
+            <a:pPr marL="361062" lvl="1" indent="-180531" algn="l">
+              <a:lnSpc>
+                <a:spcPts val="2307"/>
+              </a:lnSpc>
+              <a:buFont typeface="Arial"/>
+              <a:buChar char="•"/>
+            </a:pPr>
+            <a:r>
+              <a:rPr lang="en-US" sz="1672">
+                <a:solidFill>
+                  <a:srgbClr val="051D40"/>
+                </a:solidFill>
+                <a:latin typeface="DM Sans"/>
+                <a:ea typeface="DM Sans"/>
+                <a:cs typeface="DM Sans"/>
+                <a:sym typeface="DM Sans"/>
+              </a:rPr>
+              <a:t>Comparison of network service providers </a:t>
+            </a:r>
+          </a:p>
+        </p:txBody>
+      </p:sp>
+      <p:sp>
+        <p:nvSpPr>
+          <p:cNvPr id="22" name="TextBox 22"/>
+          <p:cNvSpPr txBox="1"/>
+          <p:nvPr/>
+        </p:nvSpPr>
+        <p:spPr>
+          <a:xfrm>
+            <a:off x="4190941" y="4881382"/>
+            <a:ext cx="3200745" cy="276095"/>
+          </a:xfrm>
+          <a:prstGeom prst="rect">
+            <a:avLst/>
+          </a:prstGeom>
+        </p:spPr>
+        <p:txBody>
+          <a:bodyPr lIns="0" tIns="0" rIns="0" bIns="0" rtlCol="0" anchor="t">
+            <a:spAutoFit/>
+          </a:bodyPr>
+          <a:lstStyle/>
+          <a:p>
+            <a:pPr algn="ctr">
+              <a:lnSpc>
+                <a:spcPts val="2307"/>
+              </a:lnSpc>
+            </a:pPr>
+            <a:endParaRPr/>
+          </a:p>
+        </p:txBody>
+      </p:sp>
+      <p:sp>
+        <p:nvSpPr>
+          <p:cNvPr id="23" name="TextBox 23"/>
+          <p:cNvSpPr txBox="1"/>
+          <p:nvPr/>
+        </p:nvSpPr>
+        <p:spPr>
+          <a:xfrm>
+            <a:off x="3880424" y="4913276"/>
+            <a:ext cx="3200745" cy="292859"/>
+          </a:xfrm>
+          <a:prstGeom prst="rect">
+            <a:avLst/>
+          </a:prstGeom>
+        </p:spPr>
+        <p:txBody>
+          <a:bodyPr lIns="0" tIns="0" rIns="0" bIns="0" rtlCol="0" anchor="t">
+            <a:spAutoFit/>
+          </a:bodyPr>
+          <a:lstStyle/>
+          <a:p>
+            <a:pPr algn="l">
+              <a:lnSpc>
+                <a:spcPts val="2445"/>
+              </a:lnSpc>
+            </a:pPr>
+            <a:r>
+              <a:rPr lang="en-US" sz="1772">
+                <a:solidFill>
+                  <a:srgbClr val="051D40"/>
+                </a:solidFill>
+                <a:latin typeface="DM Sans"/>
+                <a:ea typeface="DM Sans"/>
+                <a:cs typeface="DM Sans"/>
+                <a:sym typeface="DM Sans"/>
+              </a:rPr>
+              <a:t>Measuring:</a:t>
+            </a:r>
+          </a:p>
+        </p:txBody>
+      </p:sp>
+      <p:sp>
+        <p:nvSpPr>
+          <p:cNvPr id="24" name="TextBox 24"/>
+          <p:cNvSpPr txBox="1"/>
+          <p:nvPr/>
+        </p:nvSpPr>
+        <p:spPr>
+          <a:xfrm>
+            <a:off x="3696958" y="6619374"/>
+            <a:ext cx="3200745" cy="292859"/>
+          </a:xfrm>
+          <a:prstGeom prst="rect">
+            <a:avLst/>
+          </a:prstGeom>
+        </p:spPr>
+        <p:txBody>
+          <a:bodyPr lIns="0" tIns="0" rIns="0" bIns="0" rtlCol="0" anchor="t">
+            <a:spAutoFit/>
+          </a:bodyPr>
+          <a:lstStyle/>
+          <a:p>
+            <a:pPr algn="l">
+              <a:lnSpc>
+                <a:spcPts val="2445"/>
+              </a:lnSpc>
+            </a:pPr>
+            <a:r>
+              <a:rPr lang="en-US" sz="1772">
+                <a:solidFill>
+                  <a:srgbClr val="051D40"/>
+                </a:solidFill>
+                <a:latin typeface="DM Sans"/>
+                <a:ea typeface="DM Sans"/>
+                <a:cs typeface="DM Sans"/>
+                <a:sym typeface="DM Sans"/>
+              </a:rPr>
+              <a:t>Providing:</a:t>
+            </a:r>
+          </a:p>
+        </p:txBody>
+      </p:sp>
+      <p:sp>
+        <p:nvSpPr>
+          <p:cNvPr id="25" name="TextBox 25"/>
+          <p:cNvSpPr txBox="1"/>
+          <p:nvPr/>
+        </p:nvSpPr>
+        <p:spPr>
+          <a:xfrm>
+            <a:off x="11039687" y="4913276"/>
+            <a:ext cx="3200745" cy="292859"/>
+          </a:xfrm>
+          <a:prstGeom prst="rect">
+            <a:avLst/>
+          </a:prstGeom>
+        </p:spPr>
+        <p:txBody>
+          <a:bodyPr lIns="0" tIns="0" rIns="0" bIns="0" rtlCol="0" anchor="t">
+            <a:spAutoFit/>
+          </a:bodyPr>
+          <a:lstStyle/>
+          <a:p>
+            <a:pPr algn="l">
+              <a:lnSpc>
+                <a:spcPts val="2445"/>
+              </a:lnSpc>
+            </a:pPr>
+            <a:r>
+              <a:rPr lang="en-US" sz="1772">
+                <a:solidFill>
+                  <a:srgbClr val="051D40"/>
+                </a:solidFill>
+                <a:latin typeface="DM Sans"/>
+                <a:ea typeface="DM Sans"/>
+                <a:cs typeface="DM Sans"/>
+                <a:sym typeface="DM Sans"/>
+              </a:rPr>
+              <a:t>Detecting:</a:t>
+            </a:r>
+          </a:p>
+        </p:txBody>
+      </p:sp>
+      <p:sp>
+        <p:nvSpPr>
+          <p:cNvPr id="26" name="TextBox 26"/>
+          <p:cNvSpPr txBox="1"/>
+          <p:nvPr/>
+        </p:nvSpPr>
+        <p:spPr>
+          <a:xfrm>
+            <a:off x="11098650" y="5350712"/>
+            <a:ext cx="3966033" cy="561845"/>
+          </a:xfrm>
+          <a:prstGeom prst="rect">
+            <a:avLst/>
+          </a:prstGeom>
+        </p:spPr>
+        <p:txBody>
+          <a:bodyPr lIns="0" tIns="0" rIns="0" bIns="0" rtlCol="0" anchor="t">
+            <a:spAutoFit/>
+          </a:bodyPr>
+          <a:lstStyle/>
+          <a:p>
+            <a:pPr algn="just">
+              <a:lnSpc>
+                <a:spcPts val="2307"/>
+              </a:lnSpc>
+            </a:pPr>
+            <a:r>
+              <a:rPr lang="en-US" sz="1672">
+                <a:solidFill>
+                  <a:srgbClr val="051D40"/>
+                </a:solidFill>
+                <a:latin typeface="DM Sans"/>
+                <a:ea typeface="DM Sans"/>
+                <a:cs typeface="DM Sans"/>
+                <a:sym typeface="DM Sans"/>
+              </a:rPr>
+              <a:t>Approximate detection of access point location, in campus</a:t>
+            </a:r>
+          </a:p>
+        </p:txBody>
+      </p:sp>
+      <p:sp>
+        <p:nvSpPr>
+          <p:cNvPr id="27" name="TextBox 27"/>
+          <p:cNvSpPr txBox="1"/>
+          <p:nvPr/>
+        </p:nvSpPr>
+        <p:spPr>
+          <a:xfrm>
+            <a:off x="11096781" y="6648698"/>
+            <a:ext cx="3200745" cy="292859"/>
+          </a:xfrm>
+          <a:prstGeom prst="rect">
+            <a:avLst/>
+          </a:prstGeom>
+        </p:spPr>
+        <p:txBody>
+          <a:bodyPr lIns="0" tIns="0" rIns="0" bIns="0" rtlCol="0" anchor="t">
+            <a:spAutoFit/>
+          </a:bodyPr>
+          <a:lstStyle/>
+          <a:p>
+            <a:pPr algn="l">
+              <a:lnSpc>
+                <a:spcPts val="2445"/>
+              </a:lnSpc>
+            </a:pPr>
+            <a:r>
+              <a:rPr lang="en-US" sz="1772">
+                <a:solidFill>
+                  <a:srgbClr val="051D40"/>
+                </a:solidFill>
+                <a:latin typeface="DM Sans"/>
+                <a:ea typeface="DM Sans"/>
+                <a:cs typeface="DM Sans"/>
+                <a:sym typeface="DM Sans"/>
+              </a:rPr>
+              <a:t>Providing:</a:t>
+            </a:r>
+          </a:p>
+        </p:txBody>
+      </p:sp>
+      <p:sp>
+        <p:nvSpPr>
+          <p:cNvPr id="28" name="TextBox 28"/>
+          <p:cNvSpPr txBox="1"/>
+          <p:nvPr/>
+        </p:nvSpPr>
+        <p:spPr>
+          <a:xfrm>
+            <a:off x="11096781" y="6144004"/>
+            <a:ext cx="3966033" cy="276095"/>
+          </a:xfrm>
+          <a:prstGeom prst="rect">
+            <a:avLst/>
+          </a:prstGeom>
+        </p:spPr>
+        <p:txBody>
+          <a:bodyPr lIns="0" tIns="0" rIns="0" bIns="0" rtlCol="0" anchor="t">
+            <a:spAutoFit/>
+          </a:bodyPr>
+          <a:lstStyle/>
+          <a:p>
+            <a:pPr algn="just">
+              <a:lnSpc>
+                <a:spcPts val="2307"/>
+              </a:lnSpc>
+            </a:pPr>
+            <a:r>
+              <a:rPr lang="en-US" sz="1672">
+                <a:solidFill>
+                  <a:srgbClr val="051D40"/>
+                </a:solidFill>
+                <a:latin typeface="DM Sans"/>
+                <a:ea typeface="DM Sans"/>
+                <a:cs typeface="DM Sans"/>
+                <a:sym typeface="DM Sans"/>
+              </a:rPr>
+              <a:t>WiFi RSSI</a:t>
+            </a:r>
+          </a:p>
+        </p:txBody>
+      </p:sp>
+      <p:sp>
+        <p:nvSpPr>
+          <p:cNvPr id="29" name="TextBox 29"/>
+          <p:cNvSpPr txBox="1"/>
+          <p:nvPr/>
+        </p:nvSpPr>
+        <p:spPr>
+          <a:xfrm>
+            <a:off x="11098650" y="7628028"/>
+            <a:ext cx="3583389" cy="526031"/>
+          </a:xfrm>
+          <a:prstGeom prst="rect">
+            <a:avLst/>
+          </a:prstGeom>
+        </p:spPr>
+        <p:txBody>
+          <a:bodyPr lIns="0" tIns="0" rIns="0" bIns="0" rtlCol="0" anchor="t">
+            <a:spAutoFit/>
+          </a:bodyPr>
+          <a:lstStyle/>
+          <a:p>
+            <a:pPr marL="339473" lvl="1" indent="-169736" algn="l">
+              <a:lnSpc>
+                <a:spcPts val="2169"/>
+              </a:lnSpc>
+              <a:buFont typeface="Arial"/>
+              <a:buChar char="•"/>
+            </a:pPr>
+            <a:r>
+              <a:rPr lang="en-US" sz="1572">
+                <a:solidFill>
+                  <a:srgbClr val="051D40"/>
+                </a:solidFill>
+                <a:latin typeface="DM Sans"/>
+                <a:ea typeface="DM Sans"/>
+                <a:cs typeface="DM Sans"/>
+                <a:sym typeface="DM Sans"/>
+              </a:rPr>
+              <a:t>A </a:t>
+            </a:r>
+            <a:r>
+              <a:rPr lang="en-US" sz="1572" b="1">
+                <a:solidFill>
+                  <a:srgbClr val="051D40"/>
+                </a:solidFill>
+                <a:latin typeface="DM Sans Bold"/>
+                <a:ea typeface="DM Sans Bold"/>
+                <a:cs typeface="DM Sans Bold"/>
+                <a:sym typeface="DM Sans Bold"/>
+              </a:rPr>
+              <a:t>heatmap </a:t>
+            </a:r>
+            <a:r>
+              <a:rPr lang="en-US" sz="1572">
+                <a:solidFill>
+                  <a:srgbClr val="051D40"/>
+                </a:solidFill>
+                <a:latin typeface="DM Sans"/>
+                <a:ea typeface="DM Sans"/>
+                <a:cs typeface="DM Sans"/>
+                <a:sym typeface="DM Sans"/>
+              </a:rPr>
+              <a:t>of the campus </a:t>
+            </a:r>
+            <a:r>
+              <a:rPr lang="en-US" sz="1572" b="1">
+                <a:solidFill>
+                  <a:srgbClr val="051D40"/>
+                </a:solidFill>
+                <a:latin typeface="DM Sans Bold"/>
+                <a:ea typeface="DM Sans Bold"/>
+                <a:cs typeface="DM Sans Bold"/>
+                <a:sym typeface="DM Sans Bold"/>
+              </a:rPr>
+              <a:t>WiFi signal</a:t>
+            </a:r>
+          </a:p>
+        </p:txBody>
+      </p:sp>
+      <p:sp>
+        <p:nvSpPr>
+          <p:cNvPr id="30" name="TextBox 30"/>
+          <p:cNvSpPr txBox="1"/>
+          <p:nvPr/>
+        </p:nvSpPr>
+        <p:spPr>
+          <a:xfrm>
+            <a:off x="11098650" y="8173408"/>
+            <a:ext cx="3583389" cy="526031"/>
+          </a:xfrm>
+          <a:prstGeom prst="rect">
+            <a:avLst/>
+          </a:prstGeom>
+        </p:spPr>
+        <p:txBody>
+          <a:bodyPr lIns="0" tIns="0" rIns="0" bIns="0" rtlCol="0" anchor="t">
+            <a:spAutoFit/>
+          </a:bodyPr>
+          <a:lstStyle/>
+          <a:p>
+            <a:pPr marL="339473" lvl="1" indent="-169736" algn="l">
+              <a:lnSpc>
+                <a:spcPts val="2169"/>
+              </a:lnSpc>
+              <a:buFont typeface="Arial"/>
+              <a:buChar char="•"/>
+            </a:pPr>
+            <a:r>
+              <a:rPr lang="en-US" sz="1572">
+                <a:solidFill>
+                  <a:srgbClr val="051D40"/>
+                </a:solidFill>
+                <a:latin typeface="DM Sans"/>
+                <a:ea typeface="DM Sans"/>
+                <a:cs typeface="DM Sans"/>
+                <a:sym typeface="DM Sans"/>
+              </a:rPr>
+              <a:t>Recommendations for </a:t>
+            </a:r>
+            <a:r>
+              <a:rPr lang="en-US" sz="1572" b="1">
+                <a:solidFill>
+                  <a:srgbClr val="051D40"/>
+                </a:solidFill>
+                <a:latin typeface="DM Sans Bold"/>
+                <a:ea typeface="DM Sans Bold"/>
+                <a:cs typeface="DM Sans Bold"/>
+                <a:sym typeface="DM Sans Bold"/>
+              </a:rPr>
+              <a:t>access-points reallocation </a:t>
+            </a:r>
+          </a:p>
+        </p:txBody>
+      </p:sp>
+      <p:sp>
+        <p:nvSpPr>
+          <p:cNvPr id="31" name="Freeform 31"/>
+          <p:cNvSpPr/>
+          <p:nvPr/>
+        </p:nvSpPr>
+        <p:spPr>
+          <a:xfrm>
+            <a:off x="845234" y="702961"/>
+            <a:ext cx="2851724" cy="943263"/>
+          </a:xfrm>
+          <a:custGeom>
+            <a:avLst/>
+            <a:gdLst/>
+            <a:ahLst/>
+            <a:cxnLst/>
+            <a:rect l="l" t="t" r="r" b="b"/>
+            <a:pathLst>
+              <a:path w="2851724" h="943263">
+                <a:moveTo>
+                  <a:pt x="0" y="0"/>
+                </a:moveTo>
+                <a:lnTo>
+                  <a:pt x="2851724" y="0"/>
+                </a:lnTo>
+                <a:lnTo>
+                  <a:pt x="2851724" y="943262"/>
+                </a:lnTo>
+                <a:lnTo>
+                  <a:pt x="0" y="943262"/>
+                </a:lnTo>
+                <a:lnTo>
+                  <a:pt x="0" y="0"/>
+                </a:lnTo>
+                <a:close/>
+              </a:path>
+            </a:pathLst>
+          </a:custGeom>
+          <a:blipFill>
+            <a:blip r:embed="rId8"/>
+            <a:stretch>
+              <a:fillRect l="-6860" t="-57829" b="-57548"/>
+            </a:stretch>
+          </a:blipFill>
+        </p:spPr>
+        <p:txBody>
+          <a:bodyPr/>
+          <a:lstStyle/>
+          <a:p>
+            <a:endParaRPr lang="el-GR"/>
+          </a:p>
+        </p:txBody>
+      </p:sp>
+      <p:sp>
+        <p:nvSpPr>
+          <p:cNvPr id="32" name="TextBox 32"/>
+          <p:cNvSpPr txBox="1"/>
+          <p:nvPr/>
+        </p:nvSpPr>
+        <p:spPr>
+          <a:xfrm>
+            <a:off x="3880424" y="990600"/>
+            <a:ext cx="3713120" cy="966496"/>
+          </a:xfrm>
+          <a:prstGeom prst="rect">
+            <a:avLst/>
+          </a:prstGeom>
+        </p:spPr>
+        <p:txBody>
+          <a:bodyPr lIns="0" tIns="0" rIns="0" bIns="0" rtlCol="0" anchor="t">
+            <a:spAutoFit/>
+          </a:bodyPr>
+          <a:lstStyle/>
+          <a:p>
+            <a:pPr algn="ctr">
+              <a:lnSpc>
+                <a:spcPts val="2605"/>
+              </a:lnSpc>
+            </a:pPr>
+            <a:r>
+              <a:rPr lang="en-US" sz="1887">
+                <a:solidFill>
+                  <a:srgbClr val="000000"/>
+                </a:solidFill>
+                <a:latin typeface="DM Sans"/>
+                <a:ea typeface="DM Sans"/>
+                <a:cs typeface="DM Sans"/>
+                <a:sym typeface="DM Sans"/>
+              </a:rPr>
+              <a:t>More than 170 for </a:t>
+            </a:r>
+            <a:r>
+              <a:rPr lang="en-US" sz="1887" u="sng">
+                <a:solidFill>
+                  <a:srgbClr val="000000"/>
+                </a:solidFill>
+                <a:latin typeface="DM Sans"/>
+                <a:ea typeface="DM Sans"/>
+                <a:cs typeface="DM Sans"/>
+                <a:sym typeface="DM Sans"/>
+              </a:rPr>
+              <a:t>EduRoam</a:t>
+            </a:r>
+            <a:r>
+              <a:rPr lang="en-US" sz="1887">
+                <a:solidFill>
+                  <a:srgbClr val="000000"/>
+                </a:solidFill>
+                <a:latin typeface="DM Sans"/>
+                <a:ea typeface="DM Sans"/>
+                <a:cs typeface="DM Sans"/>
+                <a:sym typeface="DM Sans"/>
+              </a:rPr>
+              <a:t> </a:t>
+            </a:r>
+          </a:p>
+          <a:p>
+            <a:pPr algn="ctr">
+              <a:lnSpc>
+                <a:spcPts val="2605"/>
+              </a:lnSpc>
+            </a:pPr>
+            <a:r>
+              <a:rPr lang="en-US" sz="1887">
+                <a:solidFill>
+                  <a:srgbClr val="000000"/>
+                </a:solidFill>
+                <a:latin typeface="DM Sans"/>
+                <a:ea typeface="DM Sans"/>
+                <a:cs typeface="DM Sans"/>
+                <a:sym typeface="DM Sans"/>
+              </a:rPr>
+              <a:t>3 LoRa</a:t>
+            </a:r>
+          </a:p>
+          <a:p>
+            <a:pPr algn="ctr">
+              <a:lnSpc>
+                <a:spcPts val="2605"/>
+              </a:lnSpc>
+            </a:pPr>
+            <a:endParaRPr lang="en-US" sz="1887">
+              <a:solidFill>
+                <a:srgbClr val="000000"/>
+              </a:solidFill>
+              <a:latin typeface="DM Sans"/>
+              <a:ea typeface="DM Sans"/>
+              <a:cs typeface="DM Sans"/>
+              <a:sym typeface="DM Sans"/>
+            </a:endParaRPr>
+          </a:p>
+        </p:txBody>
+      </p:sp>
+      <p:sp>
+        <p:nvSpPr>
+          <p:cNvPr id="33" name="TextBox 33"/>
+          <p:cNvSpPr txBox="1"/>
+          <p:nvPr/>
+        </p:nvSpPr>
+        <p:spPr>
+          <a:xfrm>
+            <a:off x="3734644" y="490829"/>
+            <a:ext cx="3713120" cy="335560"/>
+          </a:xfrm>
+          <a:prstGeom prst="rect">
+            <a:avLst/>
+          </a:prstGeom>
+        </p:spPr>
+        <p:txBody>
+          <a:bodyPr lIns="0" tIns="0" rIns="0" bIns="0" rtlCol="0" anchor="t">
+            <a:spAutoFit/>
+          </a:bodyPr>
+          <a:lstStyle/>
+          <a:p>
+            <a:pPr algn="ctr">
+              <a:lnSpc>
+                <a:spcPts val="2743"/>
+              </a:lnSpc>
+            </a:pPr>
+            <a:r>
+              <a:rPr lang="en-US" sz="1987" b="1" i="1">
+                <a:solidFill>
+                  <a:srgbClr val="833035"/>
+                </a:solidFill>
+                <a:latin typeface="DM Sans Bold Italics"/>
+                <a:ea typeface="DM Sans Bold Italics"/>
+                <a:cs typeface="DM Sans Bold Italics"/>
+                <a:sym typeface="DM Sans Bold Italics"/>
+              </a:rPr>
+              <a:t>Access Points</a:t>
+            </a:r>
+          </a:p>
+        </p:txBody>
+      </p:sp>
+      <p:sp>
+        <p:nvSpPr>
+          <p:cNvPr id="34" name="TextBox 34"/>
+          <p:cNvSpPr txBox="1"/>
+          <p:nvPr/>
+        </p:nvSpPr>
+        <p:spPr>
+          <a:xfrm>
+            <a:off x="9768597" y="990600"/>
+            <a:ext cx="3713120" cy="966496"/>
+          </a:xfrm>
+          <a:prstGeom prst="rect">
+            <a:avLst/>
+          </a:prstGeom>
+        </p:spPr>
+        <p:txBody>
+          <a:bodyPr lIns="0" tIns="0" rIns="0" bIns="0" rtlCol="0" anchor="t">
+            <a:spAutoFit/>
+          </a:bodyPr>
+          <a:lstStyle/>
+          <a:p>
+            <a:pPr algn="ctr">
+              <a:lnSpc>
+                <a:spcPts val="2605"/>
+              </a:lnSpc>
+            </a:pPr>
+            <a:r>
+              <a:rPr lang="en-US" sz="1887">
+                <a:solidFill>
+                  <a:srgbClr val="000000"/>
+                </a:solidFill>
+                <a:latin typeface="DM Sans"/>
+                <a:ea typeface="DM Sans"/>
+                <a:cs typeface="DM Sans"/>
+                <a:sym typeface="DM Sans"/>
+              </a:rPr>
+              <a:t>27 for </a:t>
+            </a:r>
+            <a:r>
+              <a:rPr lang="en-US" sz="1887" u="sng">
+                <a:solidFill>
+                  <a:srgbClr val="000000"/>
+                </a:solidFill>
+                <a:latin typeface="DM Sans"/>
+                <a:ea typeface="DM Sans"/>
+                <a:cs typeface="DM Sans"/>
+                <a:sym typeface="DM Sans"/>
+              </a:rPr>
+              <a:t>Patras WiFi</a:t>
+            </a:r>
+          </a:p>
+          <a:p>
+            <a:pPr algn="ctr">
+              <a:lnSpc>
+                <a:spcPts val="2605"/>
+              </a:lnSpc>
+            </a:pPr>
+            <a:r>
+              <a:rPr lang="en-US" sz="1887">
+                <a:solidFill>
+                  <a:srgbClr val="000000"/>
+                </a:solidFill>
+                <a:latin typeface="DM Sans"/>
+                <a:ea typeface="DM Sans"/>
+                <a:cs typeface="DM Sans"/>
+                <a:sym typeface="DM Sans"/>
+              </a:rPr>
+              <a:t>80 LoRa</a:t>
+            </a:r>
+          </a:p>
+          <a:p>
+            <a:pPr algn="ctr">
+              <a:lnSpc>
+                <a:spcPts val="2605"/>
+              </a:lnSpc>
+            </a:pPr>
+            <a:endParaRPr lang="en-US" sz="1887">
+              <a:solidFill>
+                <a:srgbClr val="000000"/>
+              </a:solidFill>
+              <a:latin typeface="DM Sans"/>
+              <a:ea typeface="DM Sans"/>
+              <a:cs typeface="DM Sans"/>
+              <a:sym typeface="DM Sans"/>
+            </a:endParaRPr>
+          </a:p>
+        </p:txBody>
+      </p:sp>
+      <p:sp>
+        <p:nvSpPr>
+          <p:cNvPr id="35" name="TextBox 35"/>
+          <p:cNvSpPr txBox="1"/>
+          <p:nvPr/>
+        </p:nvSpPr>
+        <p:spPr>
+          <a:xfrm>
+            <a:off x="9656509" y="490829"/>
+            <a:ext cx="3713120" cy="335560"/>
+          </a:xfrm>
+          <a:prstGeom prst="rect">
+            <a:avLst/>
+          </a:prstGeom>
+        </p:spPr>
+        <p:txBody>
+          <a:bodyPr lIns="0" tIns="0" rIns="0" bIns="0" rtlCol="0" anchor="t">
+            <a:spAutoFit/>
+          </a:bodyPr>
+          <a:lstStyle/>
+          <a:p>
+            <a:pPr algn="ctr">
+              <a:lnSpc>
+                <a:spcPts val="2743"/>
+              </a:lnSpc>
+            </a:pPr>
+            <a:r>
+              <a:rPr lang="en-US" sz="1987" b="1" i="1">
+                <a:solidFill>
+                  <a:srgbClr val="194A8D"/>
+                </a:solidFill>
+                <a:latin typeface="DM Sans Bold Italics"/>
+                <a:ea typeface="DM Sans Bold Italics"/>
+                <a:cs typeface="DM Sans Bold Italics"/>
+                <a:sym typeface="DM Sans Bold Italics"/>
+              </a:rPr>
+              <a:t>Access Points</a:t>
+            </a:r>
+          </a:p>
+        </p:txBody>
+      </p:sp>
+    </p:spTree>
+  </p:cSld>
+  <p:clrMapOvr>
+    <a:masterClrMapping/>
+  </p:clrMapOvr>
+  <p:transition spd="med">
+    <p:wipe/>
+  </p:transition>
+</p:sld>
+</file>
+
+<file path=ppt/slides/slide5.xml><?xml version="1.0" encoding="utf-8"?>
+<p:sld xmlns:a="http://schemas.openxmlformats.org/drawingml/2006/main" xmlns:r="http://schemas.openxmlformats.org/officeDocument/2006/relationships" xmlns:p="http://schemas.openxmlformats.org/presentationml/2006/main">
+  <p:cSld>
+    <p:bg>
+      <p:bgPr>
+        <a:solidFill>
+          <a:srgbClr val="051D40"/>
+        </a:solidFill>
+        <a:effectLst/>
+      </p:bgPr>
+    </p:bg>
+    <p:spTree>
+      <p:nvGrpSpPr>
+        <p:cNvPr id="1" name=""/>
+        <p:cNvGrpSpPr/>
+        <p:nvPr/>
+      </p:nvGrpSpPr>
+      <p:grpSpPr>
+        <a:xfrm>
+          <a:off x="0" y="0"/>
+          <a:ext cx="0" cy="0"/>
+          <a:chOff x="0" y="0"/>
+          <a:chExt cx="0" cy="0"/>
+        </a:xfrm>
+      </p:grpSpPr>
+      <p:sp>
+        <p:nvSpPr>
+          <p:cNvPr id="2" name="Freeform 2"/>
+          <p:cNvSpPr/>
+          <p:nvPr/>
+        </p:nvSpPr>
+        <p:spPr>
+          <a:xfrm rot="1313163">
+            <a:off x="-3514114" y="6354761"/>
+            <a:ext cx="9085628" cy="5368780"/>
+          </a:xfrm>
+          <a:custGeom>
+            <a:avLst/>
+            <a:gdLst/>
+            <a:ahLst/>
+            <a:cxnLst/>
+            <a:rect l="l" t="t" r="r" b="b"/>
+            <a:pathLst>
+              <a:path w="9085628" h="5368780">
+                <a:moveTo>
+                  <a:pt x="0" y="0"/>
+                </a:moveTo>
+                <a:lnTo>
+                  <a:pt x="9085628" y="0"/>
+                </a:lnTo>
+                <a:lnTo>
+                  <a:pt x="9085628" y="5368780"/>
+                </a:lnTo>
+                <a:lnTo>
+                  <a:pt x="0" y="5368780"/>
+                </a:lnTo>
+                <a:lnTo>
+                  <a:pt x="0" y="0"/>
+                </a:lnTo>
+                <a:close/>
+              </a:path>
+            </a:pathLst>
+          </a:custGeom>
+          <a:blipFill>
+            <a:blip r:embed="rId2">
+              <a:extLst>
+                <a:ext uri="{96DAC541-7B7A-43D3-8B79-37D633B846F1}">
+                  <asvg:svgBlip xmlns:asvg="http://schemas.microsoft.com/office/drawing/2016/SVG/main" r:embed="rId3"/>
+                </a:ext>
+              </a:extLst>
+            </a:blip>
+            <a:stretch>
+              <a:fillRect/>
+            </a:stretch>
+          </a:blipFill>
+        </p:spPr>
+        <p:txBody>
+          <a:bodyPr/>
+          <a:lstStyle/>
+          <a:p>
+            <a:endParaRPr lang="el-GR"/>
+          </a:p>
+        </p:txBody>
+      </p:sp>
+      <p:sp>
+        <p:nvSpPr>
+          <p:cNvPr id="3" name="Freeform 3"/>
+          <p:cNvSpPr/>
+          <p:nvPr/>
+        </p:nvSpPr>
+        <p:spPr>
+          <a:xfrm>
+            <a:off x="3534132" y="8412696"/>
+            <a:ext cx="4319810" cy="426581"/>
+          </a:xfrm>
+          <a:custGeom>
+            <a:avLst/>
+            <a:gdLst/>
+            <a:ahLst/>
+            <a:cxnLst/>
+            <a:rect l="l" t="t" r="r" b="b"/>
+            <a:pathLst>
+              <a:path w="4319810" h="426581">
+                <a:moveTo>
+                  <a:pt x="0" y="0"/>
+                </a:moveTo>
+                <a:lnTo>
+                  <a:pt x="4319810" y="0"/>
+                </a:lnTo>
+                <a:lnTo>
+                  <a:pt x="4319810" y="426581"/>
+                </a:lnTo>
+                <a:lnTo>
+                  <a:pt x="0" y="426581"/>
+                </a:lnTo>
+                <a:lnTo>
+                  <a:pt x="0" y="0"/>
+                </a:lnTo>
+                <a:close/>
+              </a:path>
+            </a:pathLst>
+          </a:custGeom>
+          <a:blipFill>
+            <a:blip r:embed="rId4"/>
+            <a:stretch>
+              <a:fillRect t="-99999"/>
+            </a:stretch>
+          </a:blipFill>
+        </p:spPr>
+        <p:txBody>
+          <a:bodyPr/>
+          <a:lstStyle/>
+          <a:p>
+            <a:endParaRPr lang="el-GR"/>
+          </a:p>
+        </p:txBody>
+      </p:sp>
+      <p:grpSp>
+        <p:nvGrpSpPr>
+          <p:cNvPr id="4" name="Group 4"/>
+          <p:cNvGrpSpPr/>
+          <p:nvPr/>
+        </p:nvGrpSpPr>
+        <p:grpSpPr>
+          <a:xfrm>
+            <a:off x="3642789" y="2770321"/>
             <a:ext cx="4297048" cy="6268830"/>
             <a:chOff x="0" y="0"/>
             <a:chExt cx="1131733" cy="1651050"/>
@@ -9071,7 +10408,7 @@
         </p:grpSpPr>
         <p:sp>
           <p:nvSpPr>
-            <p:cNvPr id="13" name="Freeform 13"/>
+            <p:cNvPr id="5" name="Freeform 5"/>
             <p:cNvSpPr/>
             <p:nvPr/>
           </p:nvSpPr>
@@ -9105,7 +10442,7 @@
               </a:pathLst>
             </a:custGeom>
             <a:solidFill>
-              <a:srgbClr val="CFF4FF"/>
+              <a:srgbClr val="9BC9FF"/>
             </a:solidFill>
             <a:ln w="19050" cap="sq">
               <a:solidFill>
@@ -9125,7 +10462,7 @@
         </p:sp>
         <p:sp>
           <p:nvSpPr>
-            <p:cNvPr id="14" name="TextBox 14"/>
+            <p:cNvPr id="6" name="TextBox 6"/>
             <p:cNvSpPr txBox="1"/>
             <p:nvPr/>
           </p:nvSpPr>
@@ -9152,9 +10489,106 @@
           </p:txBody>
         </p:sp>
       </p:grpSp>
-      <p:sp>
-        <p:nvSpPr>
-          <p:cNvPr id="15" name="Freeform 15"/>
+      <p:grpSp>
+        <p:nvGrpSpPr>
+          <p:cNvPr id="7" name="Group 7"/>
+          <p:cNvGrpSpPr/>
+          <p:nvPr/>
+        </p:nvGrpSpPr>
+        <p:grpSpPr>
+          <a:xfrm>
+            <a:off x="10931273" y="2778142"/>
+            <a:ext cx="4297048" cy="6268830"/>
+            <a:chOff x="0" y="0"/>
+            <a:chExt cx="1131733" cy="1651050"/>
+          </a:xfrm>
+        </p:grpSpPr>
+        <p:sp>
+          <p:nvSpPr>
+            <p:cNvPr id="8" name="Freeform 8"/>
+            <p:cNvSpPr/>
+            <p:nvPr/>
+          </p:nvSpPr>
+          <p:spPr>
+            <a:xfrm>
+              <a:off x="0" y="0"/>
+              <a:ext cx="1131733" cy="1651050"/>
+            </a:xfrm>
+            <a:custGeom>
+              <a:avLst/>
+              <a:gdLst/>
+              <a:ahLst/>
+              <a:cxnLst/>
+              <a:rect l="l" t="t" r="r" b="b"/>
+              <a:pathLst>
+                <a:path w="1131733" h="1651050">
+                  <a:moveTo>
+                    <a:pt x="0" y="0"/>
+                  </a:moveTo>
+                  <a:lnTo>
+                    <a:pt x="1131733" y="0"/>
+                  </a:lnTo>
+                  <a:lnTo>
+                    <a:pt x="1131733" y="1651050"/>
+                  </a:lnTo>
+                  <a:lnTo>
+                    <a:pt x="0" y="1651050"/>
+                  </a:lnTo>
+                  <a:close/>
+                </a:path>
+              </a:pathLst>
+            </a:custGeom>
+            <a:solidFill>
+              <a:srgbClr val="78C1FF"/>
+            </a:solidFill>
+            <a:ln w="19050" cap="sq">
+              <a:solidFill>
+                <a:srgbClr val="FFFFFF"/>
+              </a:solidFill>
+              <a:prstDash val="solid"/>
+              <a:miter/>
+            </a:ln>
+          </p:spPr>
+          <p:txBody>
+            <a:bodyPr/>
+            <a:lstStyle/>
+            <a:p>
+              <a:endParaRPr lang="el-GR"/>
+            </a:p>
+          </p:txBody>
+        </p:sp>
+        <p:sp>
+          <p:nvSpPr>
+            <p:cNvPr id="9" name="TextBox 9"/>
+            <p:cNvSpPr txBox="1"/>
+            <p:nvPr/>
+          </p:nvSpPr>
+          <p:spPr>
+            <a:xfrm>
+              <a:off x="0" y="-38100"/>
+              <a:ext cx="1131733" cy="1689150"/>
+            </a:xfrm>
+            <a:prstGeom prst="rect">
+              <a:avLst/>
+            </a:prstGeom>
+          </p:spPr>
+          <p:txBody>
+            <a:bodyPr lIns="50800" tIns="50800" rIns="50800" bIns="50800" rtlCol="0" anchor="ctr"/>
+            <a:lstStyle/>
+            <a:p>
+              <a:pPr algn="ctr">
+                <a:lnSpc>
+                  <a:spcPts val="2605"/>
+                </a:lnSpc>
+              </a:pPr>
+              <a:endParaRPr/>
+            </a:p>
+          </p:txBody>
+        </p:sp>
+      </p:grpSp>
+      <p:sp>
+        <p:nvSpPr>
+          <p:cNvPr id="10" name="Freeform 10"/>
           <p:cNvSpPr/>
           <p:nvPr/>
         </p:nvSpPr>
@@ -9213,14 +10647,88 @@
       </p:sp>
       <p:sp>
         <p:nvSpPr>
-          <p:cNvPr id="16" name="Freeform 16"/>
+          <p:cNvPr id="11" name="TextBox 11"/>
+          <p:cNvSpPr txBox="1"/>
+          <p:nvPr/>
+        </p:nvSpPr>
+        <p:spPr>
+          <a:xfrm>
+            <a:off x="4190941" y="4881382"/>
+            <a:ext cx="3200745" cy="276095"/>
+          </a:xfrm>
+          <a:prstGeom prst="rect">
+            <a:avLst/>
+          </a:prstGeom>
+        </p:spPr>
+        <p:txBody>
+          <a:bodyPr lIns="0" tIns="0" rIns="0" bIns="0" rtlCol="0" anchor="t">
+            <a:spAutoFit/>
+          </a:bodyPr>
+          <a:lstStyle/>
+          <a:p>
+            <a:pPr algn="ctr">
+              <a:lnSpc>
+                <a:spcPts val="2307"/>
+              </a:lnSpc>
+            </a:pPr>
+            <a:endParaRPr/>
+          </a:p>
+        </p:txBody>
+      </p:sp>
+      <p:sp>
+        <p:nvSpPr>
+          <p:cNvPr id="12" name="TextBox 12"/>
+          <p:cNvSpPr txBox="1"/>
+          <p:nvPr/>
+        </p:nvSpPr>
+        <p:spPr>
+          <a:xfrm>
+            <a:off x="5047496" y="717592"/>
+            <a:ext cx="8193009" cy="814479"/>
+          </a:xfrm>
+          <a:prstGeom prst="rect">
+            <a:avLst/>
+          </a:prstGeom>
+        </p:spPr>
+        <p:txBody>
+          <a:bodyPr lIns="0" tIns="0" rIns="0" bIns="0" rtlCol="0" anchor="t">
+            <a:spAutoFit/>
+          </a:bodyPr>
+          <a:lstStyle/>
+          <a:p>
+            <a:pPr algn="ctr">
+              <a:lnSpc>
+                <a:spcPts val="6606"/>
+              </a:lnSpc>
+              <a:spcBef>
+                <a:spcPct val="0"/>
+              </a:spcBef>
+            </a:pPr>
+            <a:r>
+              <a:rPr lang="en-US" sz="4787" b="1">
+                <a:solidFill>
+                  <a:srgbClr val="EBE2E2"/>
+                </a:solidFill>
+                <a:latin typeface="DM Sans Bold"/>
+                <a:ea typeface="DM Sans Bold"/>
+                <a:cs typeface="DM Sans Bold"/>
+                <a:sym typeface="DM Sans Bold"/>
+              </a:rPr>
+              <a:t>MORE PROJECTS</a:t>
+            </a:r>
+          </a:p>
+        </p:txBody>
+      </p:sp>
+      <p:sp>
+        <p:nvSpPr>
+          <p:cNvPr id="13" name="Freeform 13"/>
           <p:cNvSpPr/>
           <p:nvPr/>
         </p:nvSpPr>
         <p:spPr>
           <a:xfrm>
-            <a:off x="2886506" y="2923756"/>
-            <a:ext cx="1438527" cy="1434115"/>
+            <a:off x="6338921" y="2895232"/>
+            <a:ext cx="1426874" cy="1326390"/>
           </a:xfrm>
           <a:custGeom>
             <a:avLst/>
@@ -9229,18 +10737,18 @@
             <a:cxnLst/>
             <a:rect l="l" t="t" r="r" b="b"/>
             <a:pathLst>
-              <a:path w="1438527" h="1434115">
+              <a:path w="1426874" h="1326390">
                 <a:moveTo>
                   <a:pt x="0" y="0"/>
                 </a:moveTo>
                 <a:lnTo>
-                  <a:pt x="1438527" y="0"/>
-                </a:lnTo>
-                <a:lnTo>
-                  <a:pt x="1438527" y="1434115"/>
-                </a:lnTo>
-                <a:lnTo>
-                  <a:pt x="0" y="1434115"/>
+                  <a:pt x="1426875" y="0"/>
+                </a:lnTo>
+                <a:lnTo>
+                  <a:pt x="1426875" y="1326390"/>
+                </a:lnTo>
+                <a:lnTo>
+                  <a:pt x="0" y="1326390"/>
                 </a:lnTo>
                 <a:lnTo>
                   <a:pt x="0" y="0"/>
@@ -9266,14 +10774,14 @@
       </p:sp>
       <p:sp>
         <p:nvSpPr>
-          <p:cNvPr id="17" name="Freeform 17"/>
+          <p:cNvPr id="14" name="Freeform 14"/>
           <p:cNvSpPr/>
           <p:nvPr/>
         </p:nvSpPr>
         <p:spPr>
           <a:xfrm>
-            <a:off x="4525142" y="2983046"/>
-            <a:ext cx="1386011" cy="1315536"/>
+            <a:off x="4363566" y="2895232"/>
+            <a:ext cx="1330471" cy="1326390"/>
           </a:xfrm>
           <a:custGeom>
             <a:avLst/>
@@ -9282,18 +10790,18 @@
             <a:cxnLst/>
             <a:rect l="l" t="t" r="r" b="b"/>
             <a:pathLst>
-              <a:path w="1386011" h="1315536">
+              <a:path w="1330471" h="1326390">
                 <a:moveTo>
                   <a:pt x="0" y="0"/>
                 </a:moveTo>
                 <a:lnTo>
-                  <a:pt x="1386011" y="0"/>
-                </a:lnTo>
-                <a:lnTo>
-                  <a:pt x="1386011" y="1315536"/>
-                </a:lnTo>
-                <a:lnTo>
-                  <a:pt x="0" y="1315536"/>
+                  <a:pt x="1330471" y="0"/>
+                </a:lnTo>
+                <a:lnTo>
+                  <a:pt x="1330471" y="1326390"/>
+                </a:lnTo>
+                <a:lnTo>
+                  <a:pt x="0" y="1326390"/>
                 </a:lnTo>
                 <a:lnTo>
                   <a:pt x="0" y="0"/>
@@ -9305,112 +10813,6 @@
           <a:blipFill>
             <a:blip r:embed="rId6"/>
             <a:stretch>
-              <a:fillRect l="-29391" t="-34063" r="-28266" b="-32040"/>
-            </a:stretch>
-          </a:blipFill>
-        </p:spPr>
-        <p:txBody>
-          <a:bodyPr/>
-          <a:lstStyle/>
-          <a:p>
-            <a:endParaRPr lang="el-GR"/>
-          </a:p>
-        </p:txBody>
-      </p:sp>
-      <p:sp>
-        <p:nvSpPr>
-          <p:cNvPr id="18" name="Freeform 18"/>
-          <p:cNvSpPr/>
-          <p:nvPr/>
-        </p:nvSpPr>
-        <p:spPr>
-          <a:xfrm>
-            <a:off x="7102021" y="3125959"/>
-            <a:ext cx="2851724" cy="943263"/>
-          </a:xfrm>
-          <a:custGeom>
-            <a:avLst/>
-            <a:gdLst/>
-            <a:ahLst/>
-            <a:cxnLst/>
-            <a:rect l="l" t="t" r="r" b="b"/>
-            <a:pathLst>
-              <a:path w="2851724" h="943263">
-                <a:moveTo>
-                  <a:pt x="0" y="0"/>
-                </a:moveTo>
-                <a:lnTo>
-                  <a:pt x="2851724" y="0"/>
-                </a:lnTo>
-                <a:lnTo>
-                  <a:pt x="2851724" y="943263"/>
-                </a:lnTo>
-                <a:lnTo>
-                  <a:pt x="0" y="943263"/>
-                </a:lnTo>
-                <a:lnTo>
-                  <a:pt x="0" y="0"/>
-                </a:lnTo>
-                <a:close/>
-              </a:path>
-            </a:pathLst>
-          </a:custGeom>
-          <a:blipFill>
-            <a:blip r:embed="rId7"/>
-            <a:stretch>
-              <a:fillRect l="-6860" t="-57829" b="-57548"/>
-            </a:stretch>
-          </a:blipFill>
-        </p:spPr>
-        <p:txBody>
-          <a:bodyPr/>
-          <a:lstStyle/>
-          <a:p>
-            <a:endParaRPr lang="el-GR"/>
-          </a:p>
-        </p:txBody>
-      </p:sp>
-      <p:sp>
-        <p:nvSpPr>
-          <p:cNvPr id="19" name="Freeform 19"/>
-          <p:cNvSpPr/>
-          <p:nvPr/>
-        </p:nvSpPr>
-        <p:spPr>
-          <a:xfrm>
-            <a:off x="9940569" y="3154073"/>
-            <a:ext cx="1184578" cy="918048"/>
-          </a:xfrm>
-          <a:custGeom>
-            <a:avLst/>
-            <a:gdLst/>
-            <a:ahLst/>
-            <a:cxnLst/>
-            <a:rect l="l" t="t" r="r" b="b"/>
-            <a:pathLst>
-              <a:path w="1184578" h="918048">
-                <a:moveTo>
-                  <a:pt x="0" y="0"/>
-                </a:moveTo>
-                <a:lnTo>
-                  <a:pt x="1184578" y="0"/>
-                </a:lnTo>
-                <a:lnTo>
-                  <a:pt x="1184578" y="918048"/>
-                </a:lnTo>
-                <a:lnTo>
-                  <a:pt x="0" y="918048"/>
-                </a:lnTo>
-                <a:lnTo>
-                  <a:pt x="0" y="0"/>
-                </a:lnTo>
-                <a:close/>
-              </a:path>
-            </a:pathLst>
-          </a:custGeom>
-          <a:blipFill>
-            <a:blip r:embed="rId8"/>
-            <a:stretch>
               <a:fillRect/>
             </a:stretch>
           </a:blipFill>
@@ -9423,15 +10825,610 @@
           </a:p>
         </p:txBody>
       </p:sp>
-      <p:sp>
-        <p:nvSpPr>
-          <p:cNvPr id="20" name="Freeform 20"/>
+      <p:grpSp>
+        <p:nvGrpSpPr>
+          <p:cNvPr id="15" name="Group 15"/>
+          <p:cNvGrpSpPr/>
+          <p:nvPr/>
+        </p:nvGrpSpPr>
+        <p:grpSpPr>
+          <a:xfrm>
+            <a:off x="3681837" y="5073993"/>
+            <a:ext cx="4493717" cy="3478908"/>
+            <a:chOff x="0" y="0"/>
+            <a:chExt cx="5991623" cy="4638544"/>
+          </a:xfrm>
+        </p:grpSpPr>
+        <p:sp>
+          <p:nvSpPr>
+            <p:cNvPr id="16" name="TextBox 16"/>
+            <p:cNvSpPr txBox="1"/>
+            <p:nvPr/>
+          </p:nvSpPr>
+          <p:spPr>
+            <a:xfrm>
+              <a:off x="95447" y="2813520"/>
+              <a:ext cx="4777852" cy="691849"/>
+            </a:xfrm>
+            <a:prstGeom prst="rect">
+              <a:avLst/>
+            </a:prstGeom>
+          </p:spPr>
+          <p:txBody>
+            <a:bodyPr lIns="0" tIns="0" rIns="0" bIns="0" rtlCol="0" anchor="t">
+              <a:spAutoFit/>
+            </a:bodyPr>
+            <a:lstStyle/>
+            <a:p>
+              <a:pPr marL="339473" lvl="1" indent="-169736" algn="l">
+                <a:lnSpc>
+                  <a:spcPts val="2169"/>
+                </a:lnSpc>
+                <a:buFont typeface="Arial"/>
+                <a:buChar char="•"/>
+              </a:pPr>
+              <a:r>
+                <a:rPr lang="en-US" sz="1572">
+                  <a:solidFill>
+                    <a:srgbClr val="051D40"/>
+                  </a:solidFill>
+                  <a:latin typeface="DM Sans"/>
+                  <a:ea typeface="DM Sans"/>
+                  <a:cs typeface="DM Sans"/>
+                  <a:sym typeface="DM Sans"/>
+                </a:rPr>
+                <a:t>Improving road maintenance scheduling </a:t>
+              </a:r>
+            </a:p>
+          </p:txBody>
+        </p:sp>
+        <p:sp>
+          <p:nvSpPr>
+            <p:cNvPr id="17" name="TextBox 17"/>
+            <p:cNvSpPr txBox="1"/>
+            <p:nvPr/>
+          </p:nvSpPr>
+          <p:spPr>
+            <a:xfrm>
+              <a:off x="19323" y="-28575"/>
+              <a:ext cx="4267660" cy="380954"/>
+            </a:xfrm>
+            <a:prstGeom prst="rect">
+              <a:avLst/>
+            </a:prstGeom>
+          </p:spPr>
+          <p:txBody>
+            <a:bodyPr lIns="0" tIns="0" rIns="0" bIns="0" rtlCol="0" anchor="t">
+              <a:spAutoFit/>
+            </a:bodyPr>
+            <a:lstStyle/>
+            <a:p>
+              <a:pPr algn="l">
+                <a:lnSpc>
+                  <a:spcPts val="2445"/>
+                </a:lnSpc>
+              </a:pPr>
+              <a:r>
+                <a:rPr lang="en-US" sz="1772">
+                  <a:solidFill>
+                    <a:srgbClr val="051D40"/>
+                  </a:solidFill>
+                  <a:latin typeface="DM Sans"/>
+                  <a:ea typeface="DM Sans"/>
+                  <a:cs typeface="DM Sans"/>
+                  <a:sym typeface="DM Sans"/>
+                </a:rPr>
+                <a:t>Detecting:</a:t>
+              </a:r>
+            </a:p>
+          </p:txBody>
+        </p:sp>
+        <p:sp>
+          <p:nvSpPr>
+            <p:cNvPr id="18" name="TextBox 18"/>
+            <p:cNvSpPr txBox="1"/>
+            <p:nvPr/>
+          </p:nvSpPr>
+          <p:spPr>
+            <a:xfrm>
+              <a:off x="703579" y="735096"/>
+              <a:ext cx="5288044" cy="358602"/>
+            </a:xfrm>
+            <a:prstGeom prst="rect">
+              <a:avLst/>
+            </a:prstGeom>
+          </p:spPr>
+          <p:txBody>
+            <a:bodyPr lIns="0" tIns="0" rIns="0" bIns="0" rtlCol="0" anchor="t">
+              <a:spAutoFit/>
+            </a:bodyPr>
+            <a:lstStyle/>
+            <a:p>
+              <a:pPr algn="just">
+                <a:lnSpc>
+                  <a:spcPts val="2307"/>
+                </a:lnSpc>
+              </a:pPr>
+              <a:r>
+                <a:rPr lang="en-US" sz="1672">
+                  <a:solidFill>
+                    <a:srgbClr val="051D40"/>
+                  </a:solidFill>
+                  <a:latin typeface="DM Sans"/>
+                  <a:ea typeface="DM Sans"/>
+                  <a:cs typeface="DM Sans"/>
+                  <a:sym typeface="DM Sans"/>
+                </a:rPr>
+                <a:t>Road roughness using an</a:t>
+              </a:r>
+              <a:r>
+                <a:rPr lang="en-US" sz="1672" b="1">
+                  <a:solidFill>
+                    <a:srgbClr val="051D40"/>
+                  </a:solidFill>
+                  <a:latin typeface="DM Sans Bold"/>
+                  <a:ea typeface="DM Sans Bold"/>
+                  <a:cs typeface="DM Sans Bold"/>
+                  <a:sym typeface="DM Sans Bold"/>
+                </a:rPr>
+                <a:t> IMU </a:t>
+              </a:r>
+            </a:p>
+          </p:txBody>
+        </p:sp>
+        <p:sp>
+          <p:nvSpPr>
+            <p:cNvPr id="19" name="TextBox 19"/>
+            <p:cNvSpPr txBox="1"/>
+            <p:nvPr/>
+          </p:nvSpPr>
+          <p:spPr>
+            <a:xfrm>
+              <a:off x="0" y="2246222"/>
+              <a:ext cx="4267660" cy="380954"/>
+            </a:xfrm>
+            <a:prstGeom prst="rect">
+              <a:avLst/>
+            </a:prstGeom>
+          </p:spPr>
+          <p:txBody>
+            <a:bodyPr lIns="0" tIns="0" rIns="0" bIns="0" rtlCol="0" anchor="t">
+              <a:spAutoFit/>
+            </a:bodyPr>
+            <a:lstStyle/>
+            <a:p>
+              <a:pPr algn="l">
+                <a:lnSpc>
+                  <a:spcPts val="2445"/>
+                </a:lnSpc>
+              </a:pPr>
+              <a:r>
+                <a:rPr lang="en-US" sz="1772">
+                  <a:solidFill>
+                    <a:srgbClr val="051D40"/>
+                  </a:solidFill>
+                  <a:latin typeface="DM Sans"/>
+                  <a:ea typeface="DM Sans"/>
+                  <a:cs typeface="DM Sans"/>
+                  <a:sym typeface="DM Sans"/>
+                </a:rPr>
+                <a:t>Providing:</a:t>
+              </a:r>
+            </a:p>
+          </p:txBody>
+        </p:sp>
+        <p:sp>
+          <p:nvSpPr>
+            <p:cNvPr id="20" name="TextBox 20"/>
+            <p:cNvSpPr txBox="1"/>
+            <p:nvPr/>
+          </p:nvSpPr>
+          <p:spPr>
+            <a:xfrm>
+              <a:off x="97940" y="3591095"/>
+              <a:ext cx="4777852" cy="1047449"/>
+            </a:xfrm>
+            <a:prstGeom prst="rect">
+              <a:avLst/>
+            </a:prstGeom>
+          </p:spPr>
+          <p:txBody>
+            <a:bodyPr lIns="0" tIns="0" rIns="0" bIns="0" rtlCol="0" anchor="t">
+              <a:spAutoFit/>
+            </a:bodyPr>
+            <a:lstStyle/>
+            <a:p>
+              <a:pPr marL="339473" lvl="1" indent="-169736" algn="l">
+                <a:lnSpc>
+                  <a:spcPts val="2169"/>
+                </a:lnSpc>
+                <a:buFont typeface="Arial"/>
+                <a:buChar char="•"/>
+              </a:pPr>
+              <a:r>
+                <a:rPr lang="en-US" sz="1572">
+                  <a:solidFill>
+                    <a:srgbClr val="051D40"/>
+                  </a:solidFill>
+                  <a:latin typeface="DM Sans"/>
+                  <a:ea typeface="DM Sans"/>
+                  <a:cs typeface="DM Sans"/>
+                  <a:sym typeface="DM Sans"/>
+                </a:rPr>
+                <a:t>Suggesting routes for micro mobility vehicles</a:t>
+              </a:r>
+            </a:p>
+            <a:p>
+              <a:pPr marL="339473" lvl="1" indent="-169736" algn="l">
+                <a:lnSpc>
+                  <a:spcPts val="2169"/>
+                </a:lnSpc>
+                <a:buFont typeface="Arial"/>
+                <a:buChar char="•"/>
+              </a:pPr>
+              <a:r>
+                <a:rPr lang="en-US" sz="1572">
+                  <a:solidFill>
+                    <a:srgbClr val="051D40"/>
+                  </a:solidFill>
+                  <a:latin typeface="DM Sans"/>
+                  <a:ea typeface="DM Sans"/>
+                  <a:cs typeface="DM Sans"/>
+                  <a:sym typeface="DM Sans"/>
+                </a:rPr>
+                <a:t>Urban infrastructure suggestions</a:t>
+              </a:r>
+            </a:p>
+          </p:txBody>
+        </p:sp>
+      </p:grpSp>
+      <p:sp>
+        <p:nvSpPr>
+          <p:cNvPr id="21" name="TextBox 21"/>
+          <p:cNvSpPr txBox="1"/>
+          <p:nvPr/>
+        </p:nvSpPr>
+        <p:spPr>
+          <a:xfrm>
+            <a:off x="3681837" y="4469272"/>
+            <a:ext cx="4083959" cy="385572"/>
+          </a:xfrm>
+          <a:prstGeom prst="rect">
+            <a:avLst/>
+          </a:prstGeom>
+        </p:spPr>
+        <p:txBody>
+          <a:bodyPr lIns="0" tIns="0" rIns="0" bIns="0" rtlCol="0" anchor="t">
+            <a:spAutoFit/>
+          </a:bodyPr>
+          <a:lstStyle/>
+          <a:p>
+            <a:pPr marL="0" lvl="0" indent="0" algn="ctr">
+              <a:lnSpc>
+                <a:spcPts val="3174"/>
+              </a:lnSpc>
+              <a:spcBef>
+                <a:spcPct val="0"/>
+              </a:spcBef>
+            </a:pPr>
+            <a:r>
+              <a:rPr lang="en-US" sz="2300" b="1">
+                <a:solidFill>
+                  <a:srgbClr val="854C40"/>
+                </a:solidFill>
+                <a:latin typeface="DM Sans Bold"/>
+                <a:ea typeface="DM Sans Bold"/>
+                <a:cs typeface="DM Sans Bold"/>
+                <a:sym typeface="DM Sans Bold"/>
+              </a:rPr>
+              <a:t>Road Roughness</a:t>
+            </a:r>
+          </a:p>
+        </p:txBody>
+      </p:sp>
+      <p:grpSp>
+        <p:nvGrpSpPr>
+          <p:cNvPr id="22" name="Group 22"/>
+          <p:cNvGrpSpPr/>
+          <p:nvPr/>
+        </p:nvGrpSpPr>
+        <p:grpSpPr>
+          <a:xfrm>
+            <a:off x="11023948" y="4507372"/>
+            <a:ext cx="4082711" cy="4208543"/>
+            <a:chOff x="0" y="0"/>
+            <a:chExt cx="5443614" cy="5611391"/>
+          </a:xfrm>
+        </p:grpSpPr>
+        <p:sp>
+          <p:nvSpPr>
+            <p:cNvPr id="23" name="TextBox 23"/>
+            <p:cNvSpPr txBox="1"/>
+            <p:nvPr/>
+          </p:nvSpPr>
+          <p:spPr>
+            <a:xfrm>
+              <a:off x="390740" y="3852741"/>
+              <a:ext cx="4267660" cy="1758649"/>
+            </a:xfrm>
+            <a:prstGeom prst="rect">
+              <a:avLst/>
+            </a:prstGeom>
+          </p:spPr>
+          <p:txBody>
+            <a:bodyPr lIns="0" tIns="0" rIns="0" bIns="0" rtlCol="0" anchor="t">
+              <a:spAutoFit/>
+            </a:bodyPr>
+            <a:lstStyle/>
+            <a:p>
+              <a:pPr marL="339473" lvl="1" indent="-169736" algn="l">
+                <a:lnSpc>
+                  <a:spcPts val="2169"/>
+                </a:lnSpc>
+                <a:buFont typeface="Arial"/>
+                <a:buChar char="•"/>
+              </a:pPr>
+              <a:r>
+                <a:rPr lang="en-US" sz="1572" b="1" dirty="0">
+                  <a:solidFill>
+                    <a:srgbClr val="051D40"/>
+                  </a:solidFill>
+                  <a:latin typeface="DM Sans Bold"/>
+                  <a:ea typeface="DM Sans Bold"/>
+                  <a:cs typeface="DM Sans Bold"/>
+                  <a:sym typeface="DM Sans Bold"/>
+                </a:rPr>
+                <a:t>Images </a:t>
+              </a:r>
+              <a:r>
+                <a:rPr lang="en-US" sz="1572" dirty="0">
+                  <a:solidFill>
+                    <a:srgbClr val="051D40"/>
+                  </a:solidFill>
+                  <a:latin typeface="DM Sans"/>
+                  <a:ea typeface="DM Sans"/>
+                  <a:cs typeface="DM Sans"/>
+                  <a:sym typeface="DM Sans"/>
+                </a:rPr>
+                <a:t>formatted for </a:t>
+              </a:r>
+              <a:r>
+                <a:rPr lang="en-US" sz="1572" b="1" dirty="0">
+                  <a:solidFill>
+                    <a:srgbClr val="051D40"/>
+                  </a:solidFill>
+                  <a:latin typeface="DM Sans Bold"/>
+                  <a:ea typeface="DM Sans Bold"/>
+                  <a:cs typeface="DM Sans Bold"/>
+                  <a:sym typeface="DM Sans Bold"/>
+                </a:rPr>
+                <a:t>3D-reconstruction</a:t>
+              </a:r>
+              <a:r>
+                <a:rPr lang="en-US" sz="1572" dirty="0">
+                  <a:solidFill>
+                    <a:srgbClr val="051D40"/>
+                  </a:solidFill>
+                  <a:latin typeface="DM Sans"/>
+                  <a:ea typeface="DM Sans"/>
+                  <a:cs typeface="DM Sans"/>
+                  <a:sym typeface="DM Sans"/>
+                </a:rPr>
+                <a:t> of the desired area</a:t>
+              </a:r>
+            </a:p>
+            <a:p>
+              <a:pPr marL="339473" lvl="1" indent="-169736" algn="l">
+                <a:lnSpc>
+                  <a:spcPts val="2169"/>
+                </a:lnSpc>
+                <a:buFont typeface="Arial"/>
+                <a:buChar char="•"/>
+              </a:pPr>
+              <a:r>
+                <a:rPr lang="en-US" sz="1572" dirty="0">
+                  <a:solidFill>
+                    <a:srgbClr val="051D40"/>
+                  </a:solidFill>
+                  <a:latin typeface="DM Sans"/>
+                  <a:ea typeface="DM Sans"/>
+                  <a:cs typeface="DM Sans"/>
+                  <a:sym typeface="DM Sans"/>
+                </a:rPr>
+                <a:t>Information from the images collected, using</a:t>
+              </a:r>
+              <a:r>
+                <a:rPr lang="en-US" sz="1572" b="1" dirty="0">
+                  <a:solidFill>
+                    <a:srgbClr val="051D40"/>
+                  </a:solidFill>
+                  <a:latin typeface="DM Sans Bold"/>
+                  <a:ea typeface="DM Sans Bold"/>
+                  <a:cs typeface="DM Sans Bold"/>
+                  <a:sym typeface="DM Sans Bold"/>
+                </a:rPr>
+                <a:t> AI</a:t>
+              </a:r>
+            </a:p>
+          </p:txBody>
+        </p:sp>
+        <p:sp>
+          <p:nvSpPr>
+            <p:cNvPr id="24" name="TextBox 24"/>
+            <p:cNvSpPr txBox="1"/>
+            <p:nvPr/>
+          </p:nvSpPr>
+          <p:spPr>
+            <a:xfrm>
+              <a:off x="154320" y="-38100"/>
+              <a:ext cx="5250262" cy="1034796"/>
+            </a:xfrm>
+            <a:prstGeom prst="rect">
+              <a:avLst/>
+            </a:prstGeom>
+          </p:spPr>
+          <p:txBody>
+            <a:bodyPr lIns="0" tIns="0" rIns="0" bIns="0" rtlCol="0" anchor="t">
+              <a:spAutoFit/>
+            </a:bodyPr>
+            <a:lstStyle/>
+            <a:p>
+              <a:pPr marL="0" lvl="0" indent="0" algn="ctr">
+                <a:lnSpc>
+                  <a:spcPts val="3174"/>
+                </a:lnSpc>
+                <a:spcBef>
+                  <a:spcPct val="0"/>
+                </a:spcBef>
+              </a:pPr>
+              <a:r>
+                <a:rPr lang="en-US" sz="2300" b="1" dirty="0">
+                  <a:solidFill>
+                    <a:srgbClr val="532929"/>
+                  </a:solidFill>
+                  <a:latin typeface="DM Sans Bold"/>
+                  <a:ea typeface="DM Sans Bold"/>
+                  <a:cs typeface="DM Sans Bold"/>
+                  <a:sym typeface="DM Sans Bold"/>
+                </a:rPr>
+                <a:t>Image Collection for 3D reconstruction</a:t>
+              </a:r>
+            </a:p>
+          </p:txBody>
+        </p:sp>
+        <p:sp>
+          <p:nvSpPr>
+            <p:cNvPr id="25" name="TextBox 25"/>
+            <p:cNvSpPr txBox="1"/>
+            <p:nvPr/>
+          </p:nvSpPr>
+          <p:spPr>
+            <a:xfrm>
+              <a:off x="0" y="1010646"/>
+              <a:ext cx="4267660" cy="380954"/>
+            </a:xfrm>
+            <a:prstGeom prst="rect">
+              <a:avLst/>
+            </a:prstGeom>
+          </p:spPr>
+          <p:txBody>
+            <a:bodyPr lIns="0" tIns="0" rIns="0" bIns="0" rtlCol="0" anchor="t">
+              <a:spAutoFit/>
+            </a:bodyPr>
+            <a:lstStyle/>
+            <a:p>
+              <a:pPr algn="l">
+                <a:lnSpc>
+                  <a:spcPts val="2445"/>
+                </a:lnSpc>
+              </a:pPr>
+              <a:r>
+                <a:rPr lang="en-US" sz="1772">
+                  <a:solidFill>
+                    <a:srgbClr val="051D40"/>
+                  </a:solidFill>
+                  <a:latin typeface="DM Sans"/>
+                  <a:ea typeface="DM Sans"/>
+                  <a:cs typeface="DM Sans"/>
+                  <a:sym typeface="DM Sans"/>
+                </a:rPr>
+                <a:t>Collecting:</a:t>
+              </a:r>
+            </a:p>
+          </p:txBody>
+        </p:sp>
+        <p:sp>
+          <p:nvSpPr>
+            <p:cNvPr id="26" name="TextBox 26"/>
+            <p:cNvSpPr txBox="1"/>
+            <p:nvPr/>
+          </p:nvSpPr>
+          <p:spPr>
+            <a:xfrm>
+              <a:off x="155570" y="1593894"/>
+              <a:ext cx="5288044" cy="739602"/>
+            </a:xfrm>
+            <a:prstGeom prst="rect">
+              <a:avLst/>
+            </a:prstGeom>
+          </p:spPr>
+          <p:txBody>
+            <a:bodyPr lIns="0" tIns="0" rIns="0" bIns="0" rtlCol="0" anchor="t">
+              <a:spAutoFit/>
+            </a:bodyPr>
+            <a:lstStyle/>
+            <a:p>
+              <a:pPr algn="just">
+                <a:lnSpc>
+                  <a:spcPts val="2307"/>
+                </a:lnSpc>
+              </a:pPr>
+              <a:r>
+                <a:rPr lang="en-US" sz="1672">
+                  <a:solidFill>
+                    <a:srgbClr val="051D40"/>
+                  </a:solidFill>
+                  <a:latin typeface="DM Sans"/>
+                  <a:ea typeface="DM Sans"/>
+                  <a:cs typeface="DM Sans"/>
+                  <a:sym typeface="DM Sans"/>
+                </a:rPr>
+                <a:t>Images from 3 cameras looking in  different angles</a:t>
+              </a:r>
+            </a:p>
+          </p:txBody>
+        </p:sp>
+        <p:sp>
+          <p:nvSpPr>
+            <p:cNvPr id="27" name="TextBox 27"/>
+            <p:cNvSpPr txBox="1"/>
+            <p:nvPr/>
+          </p:nvSpPr>
+          <p:spPr>
+            <a:xfrm>
+              <a:off x="130653" y="3285443"/>
+              <a:ext cx="4267660" cy="380954"/>
+            </a:xfrm>
+            <a:prstGeom prst="rect">
+              <a:avLst/>
+            </a:prstGeom>
+          </p:spPr>
+          <p:txBody>
+            <a:bodyPr lIns="0" tIns="0" rIns="0" bIns="0" rtlCol="0" anchor="t">
+              <a:spAutoFit/>
+            </a:bodyPr>
+            <a:lstStyle/>
+            <a:p>
+              <a:pPr algn="l">
+                <a:lnSpc>
+                  <a:spcPts val="2445"/>
+                </a:lnSpc>
+              </a:pPr>
+              <a:r>
+                <a:rPr lang="en-US" sz="1772">
+                  <a:solidFill>
+                    <a:srgbClr val="051D40"/>
+                  </a:solidFill>
+                  <a:latin typeface="DM Sans"/>
+                  <a:ea typeface="DM Sans"/>
+                  <a:cs typeface="DM Sans"/>
+                  <a:sym typeface="DM Sans"/>
+                </a:rPr>
+                <a:t>Providing:</a:t>
+              </a:r>
+            </a:p>
+          </p:txBody>
+        </p:sp>
+      </p:grpSp>
+      <p:sp>
+        <p:nvSpPr>
+          <p:cNvPr id="28" name="Freeform 28"/>
           <p:cNvSpPr/>
           <p:nvPr/>
         </p:nvSpPr>
         <p:spPr>
           <a:xfrm>
-            <a:off x="14381317" y="2983046"/>
+            <a:off x="13657593" y="2895232"/>
             <a:ext cx="1167188" cy="1040256"/>
           </a:xfrm>
           <a:custGeom>
@@ -9446,10 +11443,10 @@
                   <a:pt x="0" y="0"/>
                 </a:moveTo>
                 <a:lnTo>
-                  <a:pt x="1167187" y="0"/>
-                </a:lnTo>
-                <a:lnTo>
-                  <a:pt x="1167187" y="1040256"/>
+                  <a:pt x="1167188" y="0"/>
+                </a:lnTo>
+                <a:lnTo>
+                  <a:pt x="1167188" y="1040256"/>
                 </a:lnTo>
                 <a:lnTo>
                   <a:pt x="0" y="1040256"/>
@@ -9462,7 +11459,7 @@
             </a:pathLst>
           </a:custGeom>
           <a:blipFill>
-            <a:blip r:embed="rId9"/>
+            <a:blip r:embed="rId7"/>
             <a:stretch>
               <a:fillRect/>
             </a:stretch>
@@ -9476,16 +11473,204 @@
           </a:p>
         </p:txBody>
       </p:sp>
-      <p:sp>
-        <p:nvSpPr>
-          <p:cNvPr id="21" name="TextBox 21"/>
+      <p:grpSp>
+        <p:nvGrpSpPr>
+          <p:cNvPr id="29" name="Group 29"/>
+          <p:cNvGrpSpPr/>
+          <p:nvPr/>
+        </p:nvGrpSpPr>
+        <p:grpSpPr>
+          <a:xfrm>
+            <a:off x="11468953" y="2992950"/>
+            <a:ext cx="1596351" cy="844820"/>
+            <a:chOff x="0" y="0"/>
+            <a:chExt cx="2128468" cy="1126427"/>
+          </a:xfrm>
+        </p:grpSpPr>
+        <p:sp>
+          <p:nvSpPr>
+            <p:cNvPr id="30" name="TextBox 30"/>
+            <p:cNvSpPr txBox="1"/>
+            <p:nvPr/>
+          </p:nvSpPr>
+          <p:spPr>
+            <a:xfrm>
+              <a:off x="0" y="-76200"/>
+              <a:ext cx="1824523" cy="1003637"/>
+            </a:xfrm>
+            <a:prstGeom prst="rect">
+              <a:avLst/>
+            </a:prstGeom>
+          </p:spPr>
+          <p:txBody>
+            <a:bodyPr lIns="0" tIns="0" rIns="0" bIns="0" rtlCol="0" anchor="t">
+              <a:spAutoFit/>
+            </a:bodyPr>
+            <a:lstStyle/>
+            <a:p>
+              <a:pPr algn="l">
+                <a:lnSpc>
+                  <a:spcPts val="6309"/>
+                </a:lnSpc>
+              </a:pPr>
+              <a:r>
+                <a:rPr lang="en-US" sz="4572">
+                  <a:solidFill>
+                    <a:srgbClr val="051D40"/>
+                  </a:solidFill>
+                  <a:latin typeface="DM Sans"/>
+                  <a:ea typeface="DM Sans"/>
+                  <a:cs typeface="DM Sans"/>
+                  <a:sym typeface="DM Sans"/>
+                </a:rPr>
+                <a:t>NAM</a:t>
+              </a:r>
+            </a:p>
+          </p:txBody>
+        </p:sp>
+        <p:sp>
+          <p:nvSpPr>
+            <p:cNvPr id="31" name="TextBox 31"/>
+            <p:cNvSpPr txBox="1"/>
+            <p:nvPr/>
+          </p:nvSpPr>
+          <p:spPr>
+            <a:xfrm>
+              <a:off x="507145" y="560307"/>
+              <a:ext cx="1621323" cy="566120"/>
+            </a:xfrm>
+            <a:prstGeom prst="rect">
+              <a:avLst/>
+            </a:prstGeom>
+          </p:spPr>
+          <p:txBody>
+            <a:bodyPr lIns="0" tIns="0" rIns="0" bIns="0" rtlCol="0" anchor="t">
+              <a:spAutoFit/>
+            </a:bodyPr>
+            <a:lstStyle/>
+            <a:p>
+              <a:pPr algn="l">
+                <a:lnSpc>
+                  <a:spcPts val="3549"/>
+                </a:lnSpc>
+              </a:pPr>
+              <a:r>
+                <a:rPr lang="en-US" sz="2572">
+                  <a:solidFill>
+                    <a:srgbClr val="051D40"/>
+                  </a:solidFill>
+                  <a:latin typeface="DM Sans"/>
+                  <a:ea typeface="DM Sans"/>
+                  <a:cs typeface="DM Sans"/>
+                  <a:sym typeface="DM Sans"/>
+                </a:rPr>
+                <a:t>Group</a:t>
+              </a:r>
+            </a:p>
+          </p:txBody>
+        </p:sp>
+      </p:grpSp>
+    </p:spTree>
+  </p:cSld>
+  <p:clrMapOvr>
+    <a:masterClrMapping/>
+  </p:clrMapOvr>
+  <p:transition spd="med">
+    <p:wipe/>
+  </p:transition>
+</p:sld>
+</file>
+
+<file path=ppt/slides/slide6.xml><?xml version="1.0" encoding="utf-8"?>
+<p:sld xmlns:a="http://schemas.openxmlformats.org/drawingml/2006/main" xmlns:r="http://schemas.openxmlformats.org/officeDocument/2006/relationships" xmlns:p="http://schemas.openxmlformats.org/presentationml/2006/main">
+  <p:cSld>
+    <p:bg>
+      <p:bgPr>
+        <a:solidFill>
+          <a:srgbClr val="051D40"/>
+        </a:solidFill>
+        <a:effectLst/>
+      </p:bgPr>
+    </p:bg>
+    <p:spTree>
+      <p:nvGrpSpPr>
+        <p:cNvPr id="1" name=""/>
+        <p:cNvGrpSpPr/>
+        <p:nvPr/>
+      </p:nvGrpSpPr>
+      <p:grpSpPr>
+        <a:xfrm>
+          <a:off x="0" y="0"/>
+          <a:ext cx="0" cy="0"/>
+          <a:chOff x="0" y="0"/>
+          <a:chExt cx="0" cy="0"/>
+        </a:xfrm>
+      </p:grpSpPr>
+      <p:sp>
+        <p:nvSpPr>
+          <p:cNvPr id="2" name="Freeform 2"/>
+          <p:cNvSpPr/>
+          <p:nvPr/>
+        </p:nvSpPr>
+        <p:spPr>
+          <a:xfrm>
+            <a:off x="0" y="-392725"/>
+            <a:ext cx="19324444" cy="3050739"/>
+          </a:xfrm>
+          <a:custGeom>
+            <a:avLst/>
+            <a:gdLst/>
+            <a:ahLst/>
+            <a:cxnLst/>
+            <a:rect l="l" t="t" r="r" b="b"/>
+            <a:pathLst>
+              <a:path w="19324444" h="3050739">
+                <a:moveTo>
+                  <a:pt x="0" y="0"/>
+                </a:moveTo>
+                <a:lnTo>
+                  <a:pt x="19324444" y="0"/>
+                </a:lnTo>
+                <a:lnTo>
+                  <a:pt x="19324444" y="3050739"/>
+                </a:lnTo>
+                <a:lnTo>
+                  <a:pt x="0" y="3050739"/>
+                </a:lnTo>
+                <a:lnTo>
+                  <a:pt x="0" y="0"/>
+                </a:lnTo>
+                <a:close/>
+              </a:path>
+            </a:pathLst>
+          </a:custGeom>
+          <a:blipFill>
+            <a:blip r:embed="rId2">
+              <a:alphaModFix amt="67000"/>
+            </a:blip>
+            <a:stretch>
+              <a:fillRect t="-80700" b="-175922"/>
+            </a:stretch>
+          </a:blipFill>
+        </p:spPr>
+        <p:txBody>
+          <a:bodyPr/>
+          <a:lstStyle/>
+          <a:p>
+            <a:endParaRPr lang="el-GR"/>
+          </a:p>
+        </p:txBody>
+      </p:sp>
+      <p:sp>
+        <p:nvSpPr>
+          <p:cNvPr id="3" name="TextBox 3"/>
           <p:cNvSpPr txBox="1"/>
           <p:nvPr/>
         </p:nvSpPr>
         <p:spPr>
           <a:xfrm>
-            <a:off x="5043486" y="616395"/>
-            <a:ext cx="8197288" cy="824609"/>
+            <a:off x="4467437" y="915508"/>
+            <a:ext cx="8245699" cy="714375"/>
           </a:xfrm>
           <a:prstGeom prst="rect">
             <a:avLst/>
@@ -9499,14 +11684,14 @@
           <a:p>
             <a:pPr marL="0" lvl="0" indent="0" algn="ctr">
               <a:lnSpc>
-                <a:spcPts val="6451"/>
+                <a:spcPts val="5687"/>
               </a:lnSpc>
               <a:spcBef>
                 <a:spcPct val="0"/>
               </a:spcBef>
             </a:pPr>
             <a:r>
-              <a:rPr lang="en-US" sz="5376" b="1">
+              <a:rPr lang="en-US" sz="4739" b="1">
                 <a:solidFill>
                   <a:srgbClr val="FFFFFF"/>
                 </a:solidFill>
@@ -9515,21 +11700,21 @@
                 <a:cs typeface="Now Bold"/>
                 <a:sym typeface="Now Bold"/>
               </a:rPr>
-              <a:t>CURRENTLY WORKING</a:t>
-            </a:r>
-          </a:p>
-        </p:txBody>
-      </p:sp>
-      <p:sp>
-        <p:nvSpPr>
-          <p:cNvPr id="22" name="TextBox 22"/>
+              <a:t>UNIQUENESS</a:t>
+            </a:r>
+          </a:p>
+        </p:txBody>
+      </p:sp>
+      <p:sp>
+        <p:nvSpPr>
+          <p:cNvPr id="4" name="TextBox 4"/>
           <p:cNvSpPr txBox="1"/>
           <p:nvPr/>
         </p:nvSpPr>
         <p:spPr>
           <a:xfrm>
-            <a:off x="2608960" y="4469272"/>
-            <a:ext cx="3432147" cy="385572"/>
+            <a:off x="288007" y="3735988"/>
+            <a:ext cx="4256332" cy="628474"/>
           </a:xfrm>
           <a:prstGeom prst="rect">
             <a:avLst/>
@@ -9543,37 +11728,37 @@
           <a:p>
             <a:pPr marL="0" lvl="0" indent="0" algn="ctr">
               <a:lnSpc>
-                <a:spcPts val="3174"/>
+                <a:spcPts val="5185"/>
               </a:lnSpc>
               <a:spcBef>
                 <a:spcPct val="0"/>
               </a:spcBef>
             </a:pPr>
             <a:r>
-              <a:rPr lang="en-US" sz="2300" b="1">
-                <a:solidFill>
-                  <a:srgbClr val="0071C9"/>
+              <a:rPr lang="en-US" sz="3757" b="1">
+                <a:solidFill>
+                  <a:srgbClr val="4BD1FB"/>
                 </a:solidFill>
                 <a:latin typeface="DM Sans Bold"/>
                 <a:ea typeface="DM Sans Bold"/>
                 <a:cs typeface="DM Sans Bold"/>
                 <a:sym typeface="DM Sans Bold"/>
               </a:rPr>
-              <a:t>Signal RSSI Mapping</a:t>
-            </a:r>
-          </a:p>
-        </p:txBody>
-      </p:sp>
-      <p:sp>
-        <p:nvSpPr>
-          <p:cNvPr id="23" name="TextBox 23"/>
+              <a:t>Vehicle Utilization</a:t>
+            </a:r>
+          </a:p>
+        </p:txBody>
+      </p:sp>
+      <p:sp>
+        <p:nvSpPr>
+          <p:cNvPr id="5" name="TextBox 5"/>
           <p:cNvSpPr txBox="1"/>
           <p:nvPr/>
         </p:nvSpPr>
         <p:spPr>
           <a:xfrm>
-            <a:off x="7159114" y="7044847"/>
-            <a:ext cx="3583389" cy="526031"/>
+            <a:off x="288007" y="5124450"/>
+            <a:ext cx="5723939" cy="3332603"/>
           </a:xfrm>
           <a:prstGeom prst="rect">
             <a:avLst/>
@@ -9585,41 +11770,52 @@
           </a:bodyPr>
           <a:lstStyle/>
           <a:p>
-            <a:pPr marL="339473" lvl="1" indent="-169736" algn="l">
+            <a:pPr marL="0" lvl="0" indent="0" algn="l">
               <a:lnSpc>
-                <a:spcPts val="2169"/>
+                <a:spcPts val="2944"/>
               </a:lnSpc>
-              <a:buFont typeface="Arial"/>
-              <a:buChar char="•"/>
+              <a:spcBef>
+                <a:spcPct val="0"/>
+              </a:spcBef>
             </a:pPr>
             <a:r>
-              <a:rPr lang="en-US" sz="1572">
-                <a:solidFill>
-                  <a:srgbClr val="051D40"/>
+              <a:rPr lang="en-US" sz="2133">
+                <a:solidFill>
+                  <a:srgbClr val="FFFFFF"/>
                 </a:solidFill>
                 <a:latin typeface="DM Sans"/>
                 <a:ea typeface="DM Sans"/>
                 <a:cs typeface="DM Sans"/>
                 <a:sym typeface="DM Sans"/>
               </a:rPr>
-              <a:t>A map of the campus </a:t>
-            </a:r>
-            <a:r>
-              <a:rPr lang="en-US" sz="1572" b="1">
-                <a:solidFill>
-                  <a:srgbClr val="051D40"/>
-                </a:solidFill>
-                <a:latin typeface="DM Sans Bold"/>
-                <a:ea typeface="DM Sans Bold"/>
-                <a:cs typeface="DM Sans Bold"/>
-                <a:sym typeface="DM Sans Bold"/>
+              <a:t>P</a:t>
+            </a:r>
+            <a:r>
+              <a:rPr lang="en-US" sz="2133" u="none" strike="noStrike">
+                <a:solidFill>
+                  <a:srgbClr val="FFFFFF"/>
+                </a:solidFill>
+                <a:latin typeface="DM Sans"/>
+                <a:ea typeface="DM Sans"/>
+                <a:cs typeface="DM Sans"/>
+                <a:sym typeface="DM Sans"/>
               </a:rPr>
-              <a:t> WiFi access points locations</a:t>
-            </a:r>
-            <a:r>
-              <a:rPr lang="en-US" sz="1572">
-                <a:solidFill>
-                  <a:srgbClr val="051D40"/>
+              <a:t>ublic transportation vehicles: </a:t>
+            </a:r>
+          </a:p>
+          <a:p>
+            <a:pPr marL="0" lvl="0" indent="0" algn="l">
+              <a:lnSpc>
+                <a:spcPts val="2944"/>
+              </a:lnSpc>
+              <a:spcBef>
+                <a:spcPct val="0"/>
+              </a:spcBef>
+            </a:pPr>
+            <a:r>
+              <a:rPr lang="en-US" sz="2133" u="none" strike="noStrike">
+                <a:solidFill>
+                  <a:srgbClr val="FFFFFF"/>
                 </a:solidFill>
                 <a:latin typeface="DM Sans"/>
                 <a:ea typeface="DM Sans"/>
@@ -9628,429 +11824,22 @@
               </a:rPr>
               <a:t> </a:t>
             </a:r>
-          </a:p>
-        </p:txBody>
-      </p:sp>
-      <p:sp>
-        <p:nvSpPr>
-          <p:cNvPr id="24" name="TextBox 24"/>
-          <p:cNvSpPr txBox="1"/>
-          <p:nvPr/>
-        </p:nvSpPr>
-        <p:spPr>
-          <a:xfrm>
-            <a:off x="7100151" y="4469272"/>
-            <a:ext cx="4083959" cy="385572"/>
-          </a:xfrm>
-          <a:prstGeom prst="rect">
-            <a:avLst/>
-          </a:prstGeom>
-        </p:spPr>
-        <p:txBody>
-          <a:bodyPr lIns="0" tIns="0" rIns="0" bIns="0" rtlCol="0" anchor="t">
-            <a:spAutoFit/>
-          </a:bodyPr>
-          <a:lstStyle/>
-          <a:p>
-            <a:pPr marL="0" lvl="0" indent="0" algn="ctr">
-              <a:lnSpc>
-                <a:spcPts val="3174"/>
-              </a:lnSpc>
-              <a:spcBef>
-                <a:spcPct val="0"/>
-              </a:spcBef>
-            </a:pPr>
-            <a:r>
-              <a:rPr lang="en-US" sz="2300" b="1">
-                <a:solidFill>
-                  <a:srgbClr val="854C40"/>
-                </a:solidFill>
-                <a:latin typeface="DM Sans Bold"/>
-                <a:ea typeface="DM Sans Bold"/>
-                <a:cs typeface="DM Sans Bold"/>
-                <a:sym typeface="DM Sans Bold"/>
-              </a:rPr>
-              <a:t>WiFi Access-Point Mapping </a:t>
-            </a:r>
-          </a:p>
-        </p:txBody>
-      </p:sp>
-      <p:sp>
-        <p:nvSpPr>
-          <p:cNvPr id="25" name="TextBox 25"/>
-          <p:cNvSpPr txBox="1"/>
-          <p:nvPr/>
-        </p:nvSpPr>
-        <p:spPr>
-          <a:xfrm>
-            <a:off x="12057220" y="7044847"/>
-            <a:ext cx="3200745" cy="1326131"/>
-          </a:xfrm>
-          <a:prstGeom prst="rect">
-            <a:avLst/>
-          </a:prstGeom>
-        </p:spPr>
-        <p:txBody>
-          <a:bodyPr lIns="0" tIns="0" rIns="0" bIns="0" rtlCol="0" anchor="t">
-            <a:spAutoFit/>
-          </a:bodyPr>
-          <a:lstStyle/>
-          <a:p>
-            <a:pPr marL="339473" lvl="1" indent="-169736" algn="l">
-              <a:lnSpc>
-                <a:spcPts val="2169"/>
-              </a:lnSpc>
-              <a:buFont typeface="Arial"/>
-              <a:buChar char="•"/>
-            </a:pPr>
-            <a:r>
-              <a:rPr lang="en-US" sz="1572" b="1">
-                <a:solidFill>
-                  <a:srgbClr val="051D40"/>
-                </a:solidFill>
-                <a:latin typeface="DM Sans Bold"/>
-                <a:ea typeface="DM Sans Bold"/>
-                <a:cs typeface="DM Sans Bold"/>
-                <a:sym typeface="DM Sans Bold"/>
-              </a:rPr>
-              <a:t>Images </a:t>
-            </a:r>
-            <a:r>
-              <a:rPr lang="en-US" sz="1572">
-                <a:solidFill>
-                  <a:srgbClr val="051D40"/>
+            <a:r>
+              <a:rPr lang="en-US" sz="2133" u="none" strike="noStrike">
+                <a:solidFill>
+                  <a:srgbClr val="4BD1FB"/>
                 </a:solidFill>
                 <a:latin typeface="DM Sans"/>
                 <a:ea typeface="DM Sans"/>
                 <a:cs typeface="DM Sans"/>
                 <a:sym typeface="DM Sans"/>
               </a:rPr>
-              <a:t>formatted for </a:t>
-            </a:r>
-            <a:r>
-              <a:rPr lang="en-US" sz="1572" b="1">
-                <a:solidFill>
-                  <a:srgbClr val="051D40"/>
-                </a:solidFill>
-                <a:latin typeface="DM Sans Bold"/>
-                <a:ea typeface="DM Sans Bold"/>
-                <a:cs typeface="DM Sans Bold"/>
-                <a:sym typeface="DM Sans Bold"/>
-              </a:rPr>
-              <a:t>3D-reconstruction</a:t>
-            </a:r>
-            <a:r>
-              <a:rPr lang="en-US" sz="1572">
-                <a:solidFill>
-                  <a:srgbClr val="051D40"/>
-                </a:solidFill>
-                <a:latin typeface="DM Sans"/>
-                <a:ea typeface="DM Sans"/>
-                <a:cs typeface="DM Sans"/>
-                <a:sym typeface="DM Sans"/>
-              </a:rPr>
-              <a:t> of the desired area</a:t>
-            </a:r>
-          </a:p>
-          <a:p>
-            <a:pPr marL="339473" lvl="1" indent="-169736" algn="l">
-              <a:lnSpc>
-                <a:spcPts val="2169"/>
-              </a:lnSpc>
-              <a:buFont typeface="Arial"/>
-              <a:buChar char="•"/>
-            </a:pPr>
-            <a:r>
-              <a:rPr lang="en-US" sz="1572">
-                <a:solidFill>
-                  <a:srgbClr val="051D40"/>
-                </a:solidFill>
-                <a:latin typeface="DM Sans"/>
-                <a:ea typeface="DM Sans"/>
-                <a:cs typeface="DM Sans"/>
-                <a:sym typeface="DM Sans"/>
-              </a:rPr>
-              <a:t>Information from the images collected, using</a:t>
-            </a:r>
-            <a:r>
-              <a:rPr lang="en-US" sz="1572" b="1">
-                <a:solidFill>
-                  <a:srgbClr val="051D40"/>
-                </a:solidFill>
-                <a:latin typeface="DM Sans Bold"/>
-                <a:ea typeface="DM Sans Bold"/>
-                <a:cs typeface="DM Sans Bold"/>
-                <a:sym typeface="DM Sans Bold"/>
-              </a:rPr>
-              <a:t> EdgeAI</a:t>
-            </a:r>
-          </a:p>
-        </p:txBody>
-      </p:sp>
-      <p:sp>
-        <p:nvSpPr>
-          <p:cNvPr id="26" name="TextBox 26"/>
-          <p:cNvSpPr txBox="1"/>
-          <p:nvPr/>
-        </p:nvSpPr>
-        <p:spPr>
-          <a:xfrm>
-            <a:off x="11879906" y="4124335"/>
-            <a:ext cx="3937696" cy="785622"/>
-          </a:xfrm>
-          <a:prstGeom prst="rect">
-            <a:avLst/>
-          </a:prstGeom>
-        </p:spPr>
-        <p:txBody>
-          <a:bodyPr lIns="0" tIns="0" rIns="0" bIns="0" rtlCol="0" anchor="t">
-            <a:spAutoFit/>
-          </a:bodyPr>
-          <a:lstStyle/>
-          <a:p>
-            <a:pPr marL="0" lvl="0" indent="0" algn="ctr">
-              <a:lnSpc>
-                <a:spcPts val="3174"/>
-              </a:lnSpc>
-              <a:spcBef>
-                <a:spcPct val="0"/>
-              </a:spcBef>
-            </a:pPr>
-            <a:r>
-              <a:rPr lang="en-US" sz="2300" b="1">
-                <a:solidFill>
-                  <a:srgbClr val="532929"/>
-                </a:solidFill>
-                <a:latin typeface="DM Sans Bold"/>
-                <a:ea typeface="DM Sans Bold"/>
-                <a:cs typeface="DM Sans Bold"/>
-                <a:sym typeface="DM Sans Bold"/>
-              </a:rPr>
-              <a:t>Image Collection for 3D reconstruction</a:t>
-            </a:r>
-          </a:p>
-        </p:txBody>
-      </p:sp>
-      <p:sp>
-        <p:nvSpPr>
-          <p:cNvPr id="27" name="TextBox 27"/>
-          <p:cNvSpPr txBox="1"/>
-          <p:nvPr/>
-        </p:nvSpPr>
-        <p:spPr>
-          <a:xfrm>
-            <a:off x="2608960" y="5400304"/>
-            <a:ext cx="3200745" cy="1133345"/>
-          </a:xfrm>
-          <a:prstGeom prst="rect">
-            <a:avLst/>
-          </a:prstGeom>
-        </p:spPr>
-        <p:txBody>
-          <a:bodyPr lIns="0" tIns="0" rIns="0" bIns="0" rtlCol="0" anchor="t">
-            <a:spAutoFit/>
-          </a:bodyPr>
-          <a:lstStyle/>
-          <a:p>
-            <a:pPr algn="ctr">
-              <a:lnSpc>
-                <a:spcPts val="2307"/>
-              </a:lnSpc>
-            </a:pPr>
-            <a:r>
-              <a:rPr lang="en-US" sz="1672">
-                <a:solidFill>
-                  <a:srgbClr val="051D40"/>
-                </a:solidFill>
-                <a:latin typeface="DM Sans"/>
-                <a:ea typeface="DM Sans"/>
-                <a:cs typeface="DM Sans"/>
-                <a:sym typeface="DM Sans"/>
-              </a:rPr>
-              <a:t>4G/5G</a:t>
-            </a:r>
-          </a:p>
-          <a:p>
-            <a:pPr algn="ctr">
-              <a:lnSpc>
-                <a:spcPts val="2307"/>
-              </a:lnSpc>
-            </a:pPr>
-            <a:r>
-              <a:rPr lang="en-US" sz="1672">
-                <a:solidFill>
-                  <a:srgbClr val="051D40"/>
-                </a:solidFill>
-                <a:latin typeface="DM Sans"/>
-                <a:ea typeface="DM Sans"/>
-                <a:cs typeface="DM Sans"/>
-                <a:sym typeface="DM Sans"/>
-              </a:rPr>
-              <a:t>LoRa</a:t>
-            </a:r>
-          </a:p>
-          <a:p>
-            <a:pPr algn="ctr">
-              <a:lnSpc>
-                <a:spcPts val="2307"/>
-              </a:lnSpc>
-            </a:pPr>
-            <a:r>
-              <a:rPr lang="en-US" sz="1672">
-                <a:solidFill>
-                  <a:srgbClr val="051D40"/>
-                </a:solidFill>
-                <a:latin typeface="DM Sans"/>
-                <a:ea typeface="DM Sans"/>
-                <a:cs typeface="DM Sans"/>
-                <a:sym typeface="DM Sans"/>
-              </a:rPr>
-              <a:t>Zigbee</a:t>
-            </a:r>
-          </a:p>
-          <a:p>
-            <a:pPr algn="ctr">
-              <a:lnSpc>
-                <a:spcPts val="2307"/>
-              </a:lnSpc>
-            </a:pPr>
-            <a:r>
-              <a:rPr lang="en-US" sz="1672">
-                <a:solidFill>
-                  <a:srgbClr val="051D40"/>
-                </a:solidFill>
-                <a:latin typeface="DM Sans"/>
-                <a:ea typeface="DM Sans"/>
-                <a:cs typeface="DM Sans"/>
-                <a:sym typeface="DM Sans"/>
-              </a:rPr>
-              <a:t>NB-IoT</a:t>
-            </a:r>
-          </a:p>
-        </p:txBody>
-      </p:sp>
-      <p:sp>
-        <p:nvSpPr>
-          <p:cNvPr id="28" name="TextBox 28"/>
-          <p:cNvSpPr txBox="1"/>
-          <p:nvPr/>
-        </p:nvSpPr>
-        <p:spPr>
-          <a:xfrm>
-            <a:off x="2381844" y="6994594"/>
-            <a:ext cx="4117780" cy="1704845"/>
-          </a:xfrm>
-          <a:prstGeom prst="rect">
-            <a:avLst/>
-          </a:prstGeom>
-        </p:spPr>
-        <p:txBody>
-          <a:bodyPr lIns="0" tIns="0" rIns="0" bIns="0" rtlCol="0" anchor="t">
-            <a:spAutoFit/>
-          </a:bodyPr>
-          <a:lstStyle/>
-          <a:p>
-            <a:pPr marL="361062" lvl="1" indent="-180531" algn="l">
-              <a:lnSpc>
-                <a:spcPts val="2307"/>
-              </a:lnSpc>
-              <a:buFont typeface="Arial"/>
-              <a:buChar char="•"/>
-            </a:pPr>
-            <a:r>
-              <a:rPr lang="en-US" sz="1672">
-                <a:solidFill>
-                  <a:srgbClr val="051D40"/>
-                </a:solidFill>
-                <a:latin typeface="DM Sans"/>
-                <a:ea typeface="DM Sans"/>
-                <a:cs typeface="DM Sans"/>
-                <a:sym typeface="DM Sans"/>
-              </a:rPr>
-              <a:t>Detection of </a:t>
-            </a:r>
-            <a:r>
-              <a:rPr lang="en-US" sz="1672" b="1">
-                <a:solidFill>
-                  <a:srgbClr val="051D40"/>
-                </a:solidFill>
-                <a:latin typeface="DM Sans Bold"/>
-                <a:ea typeface="DM Sans Bold"/>
-                <a:cs typeface="DM Sans Bold"/>
-                <a:sym typeface="DM Sans Bold"/>
-              </a:rPr>
-              <a:t>dead signal spots </a:t>
-            </a:r>
-          </a:p>
-          <a:p>
-            <a:pPr marL="361062" lvl="1" indent="-180531" algn="l">
-              <a:lnSpc>
-                <a:spcPts val="2307"/>
-              </a:lnSpc>
-              <a:buFont typeface="Arial"/>
-              <a:buChar char="•"/>
-            </a:pPr>
-            <a:r>
-              <a:rPr lang="en-US" sz="1672">
-                <a:solidFill>
-                  <a:srgbClr val="051D40"/>
-                </a:solidFill>
-                <a:latin typeface="DM Sans"/>
-                <a:ea typeface="DM Sans"/>
-                <a:cs typeface="DM Sans"/>
-                <a:sym typeface="DM Sans"/>
-              </a:rPr>
-              <a:t>Recommendation of new</a:t>
-            </a:r>
-            <a:r>
-              <a:rPr lang="en-US" sz="1672" b="1">
-                <a:solidFill>
-                  <a:srgbClr val="051D40"/>
-                </a:solidFill>
-                <a:latin typeface="DM Sans Bold"/>
-                <a:ea typeface="DM Sans Bold"/>
-                <a:cs typeface="DM Sans Bold"/>
-                <a:sym typeface="DM Sans Bold"/>
-              </a:rPr>
-              <a:t> access points placement </a:t>
-            </a:r>
-          </a:p>
-          <a:p>
-            <a:pPr marL="361062" lvl="1" indent="-180531" algn="l">
-              <a:lnSpc>
-                <a:spcPts val="2307"/>
-              </a:lnSpc>
-              <a:buFont typeface="Arial"/>
-              <a:buChar char="•"/>
-            </a:pPr>
-            <a:r>
-              <a:rPr lang="en-US" sz="1672">
-                <a:solidFill>
-                  <a:srgbClr val="051D40"/>
-                </a:solidFill>
-                <a:latin typeface="DM Sans"/>
-                <a:ea typeface="DM Sans"/>
-                <a:cs typeface="DM Sans"/>
-                <a:sym typeface="DM Sans"/>
-              </a:rPr>
-              <a:t>Creation of </a:t>
-            </a:r>
-            <a:r>
-              <a:rPr lang="en-US" sz="1672" b="1">
-                <a:solidFill>
-                  <a:srgbClr val="051D40"/>
-                </a:solidFill>
-                <a:latin typeface="DM Sans Bold"/>
-                <a:ea typeface="DM Sans Bold"/>
-                <a:cs typeface="DM Sans Bold"/>
-                <a:sym typeface="DM Sans Bold"/>
-              </a:rPr>
-              <a:t>signal coverage heatmap</a:t>
-            </a:r>
-            <a:r>
-              <a:rPr lang="en-US" sz="1672">
-                <a:solidFill>
-                  <a:srgbClr val="051D40"/>
+              <a:t>established routes frequently</a:t>
+            </a:r>
+            <a:r>
+              <a:rPr lang="en-US" sz="2133" u="none" strike="noStrike">
+                <a:solidFill>
+                  <a:srgbClr val="FFFFFF"/>
                 </a:solidFill>
                 <a:latin typeface="DM Sans"/>
                 <a:ea typeface="DM Sans"/>
@@ -10061,232 +11850,174 @@
             </a:r>
           </a:p>
           <a:p>
-            <a:pPr marL="361062" lvl="1" indent="-180531" algn="l">
+            <a:pPr algn="l">
               <a:lnSpc>
-                <a:spcPts val="2307"/>
+                <a:spcPts val="2944"/>
               </a:lnSpc>
-              <a:buFont typeface="Arial"/>
-              <a:buChar char="•"/>
+              <a:spcBef>
+                <a:spcPct val="0"/>
+              </a:spcBef>
             </a:pPr>
-            <a:r>
-              <a:rPr lang="en-US" sz="1672">
-                <a:solidFill>
-                  <a:srgbClr val="051D40"/>
+            <a:endParaRPr lang="en-US" sz="2133" u="none" strike="noStrike">
+              <a:solidFill>
+                <a:srgbClr val="FFFFFF"/>
+              </a:solidFill>
+              <a:latin typeface="DM Sans"/>
+              <a:ea typeface="DM Sans"/>
+              <a:cs typeface="DM Sans"/>
+              <a:sym typeface="DM Sans"/>
+            </a:endParaRPr>
+          </a:p>
+          <a:p>
+            <a:pPr marL="0" lvl="0" indent="0" algn="l">
+              <a:lnSpc>
+                <a:spcPts val="2944"/>
+              </a:lnSpc>
+              <a:spcBef>
+                <a:spcPct val="0"/>
+              </a:spcBef>
+            </a:pPr>
+            <a:r>
+              <a:rPr lang="en-US" sz="2133" u="none" strike="noStrike">
+                <a:solidFill>
+                  <a:srgbClr val="FFFFFF"/>
                 </a:solidFill>
                 <a:latin typeface="DM Sans"/>
                 <a:ea typeface="DM Sans"/>
                 <a:cs typeface="DM Sans"/>
                 <a:sym typeface="DM Sans"/>
               </a:rPr>
-              <a:t>Comparison of network service providers </a:t>
-            </a:r>
-          </a:p>
-        </p:txBody>
-      </p:sp>
-      <p:sp>
-        <p:nvSpPr>
-          <p:cNvPr id="29" name="TextBox 29"/>
-          <p:cNvSpPr txBox="1"/>
-          <p:nvPr/>
-        </p:nvSpPr>
-        <p:spPr>
-          <a:xfrm>
-            <a:off x="2924769" y="4881382"/>
-            <a:ext cx="3200745" cy="276095"/>
-          </a:xfrm>
-          <a:prstGeom prst="rect">
-            <a:avLst/>
-          </a:prstGeom>
-        </p:spPr>
-        <p:txBody>
-          <a:bodyPr lIns="0" tIns="0" rIns="0" bIns="0" rtlCol="0" anchor="t">
-            <a:spAutoFit/>
-          </a:bodyPr>
-          <a:lstStyle/>
-          <a:p>
-            <a:pPr algn="ctr">
+              <a:t>Private transportation vehicles (taxis): </a:t>
+            </a:r>
+          </a:p>
+          <a:p>
+            <a:pPr marL="0" lvl="0" indent="0" algn="l">
               <a:lnSpc>
-                <a:spcPts val="2307"/>
+                <a:spcPts val="2944"/>
               </a:lnSpc>
+              <a:spcBef>
+                <a:spcPct val="0"/>
+              </a:spcBef>
             </a:pPr>
-            <a:endParaRPr/>
-          </a:p>
-        </p:txBody>
-      </p:sp>
-      <p:sp>
-        <p:nvSpPr>
-          <p:cNvPr id="30" name="TextBox 30"/>
-          <p:cNvSpPr txBox="1"/>
-          <p:nvPr/>
-        </p:nvSpPr>
-        <p:spPr>
-          <a:xfrm>
-            <a:off x="2430787" y="4913276"/>
-            <a:ext cx="3200745" cy="292859"/>
-          </a:xfrm>
-          <a:prstGeom prst="rect">
-            <a:avLst/>
-          </a:prstGeom>
-        </p:spPr>
-        <p:txBody>
-          <a:bodyPr lIns="0" tIns="0" rIns="0" bIns="0" rtlCol="0" anchor="t">
-            <a:spAutoFit/>
-          </a:bodyPr>
-          <a:lstStyle/>
-          <a:p>
-            <a:pPr algn="l">
-              <a:lnSpc>
-                <a:spcPts val="2445"/>
-              </a:lnSpc>
-            </a:pPr>
-            <a:r>
-              <a:rPr lang="en-US" sz="1772">
-                <a:solidFill>
-                  <a:srgbClr val="051D40"/>
+            <a:r>
+              <a:rPr lang="en-US" sz="2133" u="none" strike="noStrike">
+                <a:solidFill>
+                  <a:srgbClr val="4BD1FB"/>
                 </a:solidFill>
                 <a:latin typeface="DM Sans"/>
                 <a:ea typeface="DM Sans"/>
                 <a:cs typeface="DM Sans"/>
                 <a:sym typeface="DM Sans"/>
               </a:rPr>
-              <a:t>Measuring:</a:t>
-            </a:r>
-          </a:p>
-        </p:txBody>
-      </p:sp>
-      <p:sp>
-        <p:nvSpPr>
-          <p:cNvPr id="31" name="TextBox 31"/>
-          <p:cNvSpPr txBox="1"/>
-          <p:nvPr/>
-        </p:nvSpPr>
-        <p:spPr>
-          <a:xfrm>
-            <a:off x="2430787" y="6619374"/>
-            <a:ext cx="3200745" cy="292859"/>
-          </a:xfrm>
-          <a:prstGeom prst="rect">
-            <a:avLst/>
-          </a:prstGeom>
-        </p:spPr>
-        <p:txBody>
-          <a:bodyPr lIns="0" tIns="0" rIns="0" bIns="0" rtlCol="0" anchor="t">
-            <a:spAutoFit/>
-          </a:bodyPr>
-          <a:lstStyle/>
+              <a:t> wide range of routes </a:t>
+            </a:r>
+          </a:p>
           <a:p>
             <a:pPr algn="l">
               <a:lnSpc>
-                <a:spcPts val="2445"/>
+                <a:spcPts val="2944"/>
               </a:lnSpc>
+              <a:spcBef>
+                <a:spcPct val="0"/>
+              </a:spcBef>
             </a:pPr>
-            <a:r>
-              <a:rPr lang="en-US" sz="1772">
-                <a:solidFill>
-                  <a:srgbClr val="051D40"/>
+            <a:endParaRPr lang="en-US" sz="2133" u="none" strike="noStrike">
+              <a:solidFill>
+                <a:srgbClr val="4BD1FB"/>
+              </a:solidFill>
+              <a:latin typeface="DM Sans"/>
+              <a:ea typeface="DM Sans"/>
+              <a:cs typeface="DM Sans"/>
+              <a:sym typeface="DM Sans"/>
+            </a:endParaRPr>
+          </a:p>
+          <a:p>
+            <a:pPr marL="0" lvl="0" indent="0" algn="l">
+              <a:lnSpc>
+                <a:spcPts val="2944"/>
+              </a:lnSpc>
+              <a:spcBef>
+                <a:spcPct val="0"/>
+              </a:spcBef>
+            </a:pPr>
+            <a:r>
+              <a:rPr lang="en-US" sz="2133" u="none" strike="noStrike">
+                <a:solidFill>
+                  <a:srgbClr val="FFFFFF"/>
                 </a:solidFill>
                 <a:latin typeface="DM Sans"/>
                 <a:ea typeface="DM Sans"/>
                 <a:cs typeface="DM Sans"/>
                 <a:sym typeface="DM Sans"/>
               </a:rPr>
-              <a:t>Providing:</a:t>
-            </a:r>
-          </a:p>
-        </p:txBody>
-      </p:sp>
-      <p:sp>
-        <p:nvSpPr>
-          <p:cNvPr id="32" name="TextBox 32"/>
-          <p:cNvSpPr txBox="1"/>
-          <p:nvPr/>
-        </p:nvSpPr>
-        <p:spPr>
-          <a:xfrm>
-            <a:off x="7102021" y="4913276"/>
-            <a:ext cx="3200745" cy="292859"/>
-          </a:xfrm>
-          <a:prstGeom prst="rect">
-            <a:avLst/>
-          </a:prstGeom>
-        </p:spPr>
-        <p:txBody>
-          <a:bodyPr lIns="0" tIns="0" rIns="0" bIns="0" rtlCol="0" anchor="t">
-            <a:spAutoFit/>
-          </a:bodyPr>
-          <a:lstStyle/>
+              <a:t>City management vehicles: </a:t>
+            </a:r>
+          </a:p>
           <a:p>
             <a:pPr algn="l">
               <a:lnSpc>
-                <a:spcPts val="2445"/>
+                <a:spcPts val="2944"/>
               </a:lnSpc>
+              <a:spcBef>
+                <a:spcPct val="0"/>
+              </a:spcBef>
             </a:pPr>
             <a:r>
-              <a:rPr lang="en-US" sz="1772">
-                <a:solidFill>
-                  <a:srgbClr val="051D40"/>
+              <a:rPr lang="en-US" sz="2133" u="none" strike="noStrike">
+                <a:solidFill>
+                  <a:srgbClr val="4BD1FB"/>
                 </a:solidFill>
                 <a:latin typeface="DM Sans"/>
                 <a:ea typeface="DM Sans"/>
                 <a:cs typeface="DM Sans"/>
                 <a:sym typeface="DM Sans"/>
               </a:rPr>
-              <a:t>Detecting:</a:t>
-            </a:r>
-          </a:p>
-        </p:txBody>
-      </p:sp>
-      <p:sp>
-        <p:nvSpPr>
-          <p:cNvPr id="33" name="TextBox 33"/>
-          <p:cNvSpPr txBox="1"/>
-          <p:nvPr/>
-        </p:nvSpPr>
-        <p:spPr>
-          <a:xfrm>
-            <a:off x="7160983" y="5350712"/>
-            <a:ext cx="3966033" cy="561845"/>
-          </a:xfrm>
-          <a:prstGeom prst="rect">
-            <a:avLst/>
-          </a:prstGeom>
-        </p:spPr>
-        <p:txBody>
-          <a:bodyPr lIns="0" tIns="0" rIns="0" bIns="0" rtlCol="0" anchor="t">
-            <a:spAutoFit/>
-          </a:bodyPr>
-          <a:lstStyle/>
-          <a:p>
-            <a:pPr algn="just">
-              <a:lnSpc>
-                <a:spcPts val="2307"/>
-              </a:lnSpc>
-            </a:pPr>
-            <a:r>
-              <a:rPr lang="en-US" sz="1672">
-                <a:solidFill>
-                  <a:srgbClr val="051D40"/>
+              <a:t> specific hours</a:t>
+            </a:r>
+            <a:r>
+              <a:rPr lang="en-US" sz="2133" u="none" strike="noStrike">
+                <a:solidFill>
+                  <a:srgbClr val="FFFFFF"/>
                 </a:solidFill>
                 <a:latin typeface="DM Sans"/>
                 <a:ea typeface="DM Sans"/>
                 <a:cs typeface="DM Sans"/>
                 <a:sym typeface="DM Sans"/>
               </a:rPr>
-              <a:t>Approximate detection of access point location, in campus</a:t>
-            </a:r>
-          </a:p>
-        </p:txBody>
-      </p:sp>
-      <p:sp>
-        <p:nvSpPr>
-          <p:cNvPr id="34" name="TextBox 34"/>
+              <a:t>  </a:t>
+            </a:r>
+          </a:p>
+          <a:p>
+            <a:pPr marL="0" lvl="0" indent="0" algn="ctr">
+              <a:lnSpc>
+                <a:spcPts val="2944"/>
+              </a:lnSpc>
+              <a:spcBef>
+                <a:spcPct val="0"/>
+              </a:spcBef>
+            </a:pPr>
+            <a:endParaRPr lang="en-US" sz="2133" u="none" strike="noStrike">
+              <a:solidFill>
+                <a:srgbClr val="FFFFFF"/>
+              </a:solidFill>
+              <a:latin typeface="DM Sans"/>
+              <a:ea typeface="DM Sans"/>
+              <a:cs typeface="DM Sans"/>
+              <a:sym typeface="DM Sans"/>
+            </a:endParaRPr>
+          </a:p>
+        </p:txBody>
+      </p:sp>
+      <p:sp>
+        <p:nvSpPr>
+          <p:cNvPr id="6" name="TextBox 6"/>
           <p:cNvSpPr txBox="1"/>
           <p:nvPr/>
         </p:nvSpPr>
         <p:spPr>
           <a:xfrm>
-            <a:off x="7159114" y="6648698"/>
-            <a:ext cx="3200745" cy="292859"/>
+            <a:off x="5021151" y="3735988"/>
+            <a:ext cx="7138272" cy="628474"/>
           </a:xfrm>
           <a:prstGeom prst="rect">
             <a:avLst/>
@@ -10298,77 +12029,184 @@
           </a:bodyPr>
           <a:lstStyle/>
           <a:p>
-            <a:pPr algn="l">
+            <a:pPr marL="0" lvl="0" indent="0" algn="ctr">
               <a:lnSpc>
-                <a:spcPts val="2445"/>
+                <a:spcPts val="5185"/>
               </a:lnSpc>
+              <a:spcBef>
+                <a:spcPct val="0"/>
+              </a:spcBef>
             </a:pPr>
             <a:r>
-              <a:rPr lang="en-US" sz="1772">
-                <a:solidFill>
-                  <a:srgbClr val="051D40"/>
+              <a:rPr lang="en-US" sz="3757" b="1">
+                <a:solidFill>
+                  <a:srgbClr val="4BD1FB"/>
+                </a:solidFill>
+                <a:latin typeface="DM Sans Bold"/>
+                <a:ea typeface="DM Sans Bold"/>
+                <a:cs typeface="DM Sans Bold"/>
+                <a:sym typeface="DM Sans Bold"/>
+              </a:rPr>
+              <a:t>Enhanced Features</a:t>
+            </a:r>
+          </a:p>
+        </p:txBody>
+      </p:sp>
+      <p:sp>
+        <p:nvSpPr>
+          <p:cNvPr id="7" name="TextBox 7"/>
+          <p:cNvSpPr txBox="1"/>
+          <p:nvPr/>
+        </p:nvSpPr>
+        <p:spPr>
+          <a:xfrm>
+            <a:off x="6649882" y="5077765"/>
+            <a:ext cx="6902620" cy="2282973"/>
+          </a:xfrm>
+          <a:prstGeom prst="rect">
+            <a:avLst/>
+          </a:prstGeom>
+        </p:spPr>
+        <p:txBody>
+          <a:bodyPr lIns="0" tIns="0" rIns="0" bIns="0" rtlCol="0" anchor="t">
+            <a:spAutoFit/>
+          </a:bodyPr>
+          <a:lstStyle/>
+          <a:p>
+            <a:pPr marL="0" lvl="0" indent="0" algn="just">
+              <a:lnSpc>
+                <a:spcPts val="3057"/>
+              </a:lnSpc>
+              <a:spcBef>
+                <a:spcPct val="0"/>
+              </a:spcBef>
+            </a:pPr>
+            <a:r>
+              <a:rPr lang="en-US" sz="2215" u="none" strike="noStrike">
+                <a:solidFill>
+                  <a:srgbClr val="FFFFFF"/>
                 </a:solidFill>
                 <a:latin typeface="DM Sans"/>
                 <a:ea typeface="DM Sans"/>
                 <a:cs typeface="DM Sans"/>
                 <a:sym typeface="DM Sans"/>
               </a:rPr>
-              <a:t>Providing:</a:t>
-            </a:r>
-          </a:p>
-        </p:txBody>
-      </p:sp>
-      <p:sp>
-        <p:nvSpPr>
-          <p:cNvPr id="35" name="TextBox 35"/>
-          <p:cNvSpPr txBox="1"/>
-          <p:nvPr/>
-        </p:nvSpPr>
-        <p:spPr>
-          <a:xfrm>
-            <a:off x="7159114" y="6144004"/>
-            <a:ext cx="3966033" cy="276095"/>
-          </a:xfrm>
-          <a:prstGeom prst="rect">
-            <a:avLst/>
-          </a:prstGeom>
-        </p:spPr>
-        <p:txBody>
-          <a:bodyPr lIns="0" tIns="0" rIns="0" bIns="0" rtlCol="0" anchor="t">
-            <a:spAutoFit/>
-          </a:bodyPr>
-          <a:lstStyle/>
+              <a:t>Low-cost hardware </a:t>
+            </a:r>
+          </a:p>
           <a:p>
             <a:pPr algn="just">
               <a:lnSpc>
-                <a:spcPts val="2307"/>
+                <a:spcPts val="3057"/>
               </a:lnSpc>
+              <a:spcBef>
+                <a:spcPct val="0"/>
+              </a:spcBef>
             </a:pPr>
-            <a:r>
-              <a:rPr lang="en-US" sz="1672">
-                <a:solidFill>
-                  <a:srgbClr val="051D40"/>
+            <a:endParaRPr lang="en-US" sz="2215" u="none" strike="noStrike">
+              <a:solidFill>
+                <a:srgbClr val="FFFFFF"/>
+              </a:solidFill>
+              <a:latin typeface="DM Sans"/>
+              <a:ea typeface="DM Sans"/>
+              <a:cs typeface="DM Sans"/>
+              <a:sym typeface="DM Sans"/>
+            </a:endParaRPr>
+          </a:p>
+          <a:p>
+            <a:pPr marL="0" lvl="0" indent="0" algn="just">
+              <a:lnSpc>
+                <a:spcPts val="3057"/>
+              </a:lnSpc>
+              <a:spcBef>
+                <a:spcPct val="0"/>
+              </a:spcBef>
+            </a:pPr>
+            <a:r>
+              <a:rPr lang="en-US" sz="2215" b="1" strike="noStrike">
+                <a:solidFill>
+                  <a:srgbClr val="FFFFFF"/>
+                </a:solidFill>
+                <a:latin typeface="DM Sans Bold"/>
+                <a:ea typeface="DM Sans Bold"/>
+                <a:cs typeface="DM Sans Bold"/>
+                <a:sym typeface="DM Sans Bold"/>
+              </a:rPr>
+              <a:t>Plug and play h/w </a:t>
+            </a:r>
+          </a:p>
+          <a:p>
+            <a:pPr marL="0" lvl="0" indent="0" algn="just">
+              <a:lnSpc>
+                <a:spcPts val="3057"/>
+              </a:lnSpc>
+              <a:spcBef>
+                <a:spcPct val="0"/>
+              </a:spcBef>
+            </a:pPr>
+            <a:endParaRPr lang="en-US" sz="2215" b="1" strike="noStrike">
+              <a:solidFill>
+                <a:srgbClr val="FFFFFF"/>
+              </a:solidFill>
+              <a:latin typeface="DM Sans Bold"/>
+              <a:ea typeface="DM Sans Bold"/>
+              <a:cs typeface="DM Sans Bold"/>
+              <a:sym typeface="DM Sans Bold"/>
+            </a:endParaRPr>
+          </a:p>
+          <a:p>
+            <a:pPr algn="just">
+              <a:lnSpc>
+                <a:spcPts val="3057"/>
+              </a:lnSpc>
+              <a:spcBef>
+                <a:spcPct val="0"/>
+              </a:spcBef>
+            </a:pPr>
+            <a:r>
+              <a:rPr lang="en-US" sz="2215" u="none" strike="noStrike">
+                <a:solidFill>
+                  <a:srgbClr val="FFFFFF"/>
                 </a:solidFill>
                 <a:latin typeface="DM Sans"/>
                 <a:ea typeface="DM Sans"/>
                 <a:cs typeface="DM Sans"/>
                 <a:sym typeface="DM Sans"/>
               </a:rPr>
-              <a:t>WiFi RSSI</a:t>
-            </a:r>
-          </a:p>
-        </p:txBody>
-      </p:sp>
-      <p:sp>
-        <p:nvSpPr>
-          <p:cNvPr id="36" name="TextBox 36"/>
+              <a:t>Application specific hardware selection</a:t>
+            </a:r>
+          </a:p>
+          <a:p>
+            <a:pPr marL="0" lvl="0" indent="0" algn="ctr">
+              <a:lnSpc>
+                <a:spcPts val="3057"/>
+              </a:lnSpc>
+              <a:spcBef>
+                <a:spcPct val="0"/>
+              </a:spcBef>
+            </a:pPr>
+            <a:endParaRPr lang="en-US" sz="2215" u="none" strike="noStrike">
+              <a:solidFill>
+                <a:srgbClr val="FFFFFF"/>
+              </a:solidFill>
+              <a:latin typeface="DM Sans"/>
+              <a:ea typeface="DM Sans"/>
+              <a:cs typeface="DM Sans"/>
+              <a:sym typeface="DM Sans"/>
+            </a:endParaRPr>
+          </a:p>
+        </p:txBody>
+      </p:sp>
+      <p:sp>
+        <p:nvSpPr>
+          <p:cNvPr id="8" name="TextBox 8"/>
           <p:cNvSpPr txBox="1"/>
           <p:nvPr/>
         </p:nvSpPr>
         <p:spPr>
           <a:xfrm>
-            <a:off x="7160983" y="7628028"/>
-            <a:ext cx="3583389" cy="526031"/>
+            <a:off x="11636293" y="3735988"/>
+            <a:ext cx="7138272" cy="628474"/>
           </a:xfrm>
           <a:prstGeom prst="rect">
             <a:avLst/>
@@ -10380,321 +12218,284 @@
           </a:bodyPr>
           <a:lstStyle/>
           <a:p>
-            <a:pPr marL="339473" lvl="1" indent="-169736" algn="l">
+            <a:pPr marL="0" lvl="0" indent="0" algn="ctr">
               <a:lnSpc>
-                <a:spcPts val="2169"/>
+                <a:spcPts val="5185"/>
               </a:lnSpc>
-              <a:buFont typeface="Arial"/>
-              <a:buChar char="•"/>
+              <a:spcBef>
+                <a:spcPct val="0"/>
+              </a:spcBef>
             </a:pPr>
             <a:r>
-              <a:rPr lang="en-US" sz="1572">
-                <a:solidFill>
-                  <a:srgbClr val="051D40"/>
+              <a:rPr lang="en-US" sz="3757" b="1">
+                <a:solidFill>
+                  <a:srgbClr val="4BD1FB"/>
+                </a:solidFill>
+                <a:latin typeface="DM Sans Bold"/>
+                <a:ea typeface="DM Sans Bold"/>
+                <a:cs typeface="DM Sans Bold"/>
+                <a:sym typeface="DM Sans Bold"/>
+              </a:rPr>
+              <a:t>Data Analysis</a:t>
+            </a:r>
+          </a:p>
+        </p:txBody>
+      </p:sp>
+      <p:sp>
+        <p:nvSpPr>
+          <p:cNvPr id="9" name="TextBox 9"/>
+          <p:cNvSpPr txBox="1"/>
+          <p:nvPr/>
+        </p:nvSpPr>
+        <p:spPr>
+          <a:xfrm>
+            <a:off x="12713136" y="5124450"/>
+            <a:ext cx="5648184" cy="3072358"/>
+          </a:xfrm>
+          <a:prstGeom prst="rect">
+            <a:avLst/>
+          </a:prstGeom>
+        </p:spPr>
+        <p:txBody>
+          <a:bodyPr lIns="0" tIns="0" rIns="0" bIns="0" rtlCol="0" anchor="t">
+            <a:spAutoFit/>
+          </a:bodyPr>
+          <a:lstStyle/>
+          <a:p>
+            <a:pPr marL="0" lvl="0" indent="0" algn="just">
+              <a:lnSpc>
+                <a:spcPts val="3129"/>
+              </a:lnSpc>
+              <a:spcBef>
+                <a:spcPct val="0"/>
+              </a:spcBef>
+            </a:pPr>
+            <a:r>
+              <a:rPr lang="en-US" sz="2267">
+                <a:solidFill>
+                  <a:srgbClr val="FFFFFF"/>
                 </a:solidFill>
                 <a:latin typeface="DM Sans"/>
                 <a:ea typeface="DM Sans"/>
                 <a:cs typeface="DM Sans"/>
                 <a:sym typeface="DM Sans"/>
               </a:rPr>
-              <a:t>A </a:t>
-            </a:r>
-            <a:r>
-              <a:rPr lang="en-US" sz="1572" b="1">
-                <a:solidFill>
-                  <a:srgbClr val="051D40"/>
+              <a:t>Cu</a:t>
+            </a:r>
+            <a:r>
+              <a:rPr lang="en-US" sz="2267" u="none" strike="noStrike">
+                <a:solidFill>
+                  <a:srgbClr val="FFFFFF"/>
+                </a:solidFill>
+                <a:latin typeface="DM Sans"/>
+                <a:ea typeface="DM Sans"/>
+                <a:cs typeface="DM Sans"/>
+                <a:sym typeface="DM Sans"/>
+              </a:rPr>
+              <a:t>stomized </a:t>
+            </a:r>
+            <a:r>
+              <a:rPr lang="en-US" sz="2267" b="1" u="none" strike="noStrike">
+                <a:solidFill>
+                  <a:srgbClr val="FFFFFF"/>
                 </a:solidFill>
                 <a:latin typeface="DM Sans Bold"/>
                 <a:ea typeface="DM Sans Bold"/>
                 <a:cs typeface="DM Sans Bold"/>
                 <a:sym typeface="DM Sans Bold"/>
               </a:rPr>
-              <a:t>heatmap </a:t>
-            </a:r>
-            <a:r>
-              <a:rPr lang="en-US" sz="1572">
-                <a:solidFill>
-                  <a:srgbClr val="051D40"/>
+              <a:t>data analysis</a:t>
+            </a:r>
+            <a:r>
+              <a:rPr lang="en-US" sz="2267" u="none" strike="noStrike">
+                <a:solidFill>
+                  <a:srgbClr val="FFFFFF"/>
                 </a:solidFill>
                 <a:latin typeface="DM Sans"/>
                 <a:ea typeface="DM Sans"/>
                 <a:cs typeface="DM Sans"/>
                 <a:sym typeface="DM Sans"/>
               </a:rPr>
-              <a:t>of the campus </a:t>
-            </a:r>
-            <a:r>
-              <a:rPr lang="en-US" sz="1572" b="1">
-                <a:solidFill>
-                  <a:srgbClr val="051D40"/>
+              <a:t> per project  </a:t>
+            </a:r>
+          </a:p>
+          <a:p>
+            <a:pPr marL="0" lvl="0" indent="0" algn="just">
+              <a:lnSpc>
+                <a:spcPts val="3129"/>
+              </a:lnSpc>
+              <a:spcBef>
+                <a:spcPct val="0"/>
+              </a:spcBef>
+            </a:pPr>
+            <a:endParaRPr lang="en-US" sz="2267" u="none" strike="noStrike">
+              <a:solidFill>
+                <a:srgbClr val="FFFFFF"/>
+              </a:solidFill>
+              <a:latin typeface="DM Sans"/>
+              <a:ea typeface="DM Sans"/>
+              <a:cs typeface="DM Sans"/>
+              <a:sym typeface="DM Sans"/>
+            </a:endParaRPr>
+          </a:p>
+          <a:p>
+            <a:pPr marL="0" lvl="0" indent="0" algn="just">
+              <a:lnSpc>
+                <a:spcPts val="3129"/>
+              </a:lnSpc>
+              <a:spcBef>
+                <a:spcPct val="0"/>
+              </a:spcBef>
+            </a:pPr>
+            <a:r>
+              <a:rPr lang="en-US" sz="2267" u="none" strike="noStrike">
+                <a:solidFill>
+                  <a:srgbClr val="FFFFFF"/>
+                </a:solidFill>
+                <a:latin typeface="DM Sans"/>
+                <a:ea typeface="DM Sans"/>
+                <a:cs typeface="DM Sans"/>
+                <a:sym typeface="DM Sans"/>
+              </a:rPr>
+              <a:t>Use of </a:t>
+            </a:r>
+            <a:r>
+              <a:rPr lang="en-US" sz="2267" b="1" u="none" strike="noStrike">
+                <a:solidFill>
+                  <a:srgbClr val="FFFFFF"/>
                 </a:solidFill>
                 <a:latin typeface="DM Sans Bold"/>
                 <a:ea typeface="DM Sans Bold"/>
                 <a:cs typeface="DM Sans Bold"/>
                 <a:sym typeface="DM Sans Bold"/>
               </a:rPr>
-              <a:t>WiFi signal</a:t>
-            </a:r>
-          </a:p>
-        </p:txBody>
-      </p:sp>
-      <p:sp>
-        <p:nvSpPr>
-          <p:cNvPr id="37" name="TextBox 37"/>
-          <p:cNvSpPr txBox="1"/>
-          <p:nvPr/>
-        </p:nvSpPr>
-        <p:spPr>
-          <a:xfrm>
-            <a:off x="7160983" y="8173408"/>
-            <a:ext cx="3583389" cy="526031"/>
-          </a:xfrm>
-          <a:prstGeom prst="rect">
-            <a:avLst/>
-          </a:prstGeom>
-        </p:spPr>
-        <p:txBody>
-          <a:bodyPr lIns="0" tIns="0" rIns="0" bIns="0" rtlCol="0" anchor="t">
-            <a:spAutoFit/>
-          </a:bodyPr>
-          <a:lstStyle/>
-          <a:p>
-            <a:pPr marL="339473" lvl="1" indent="-169736" algn="l">
+              <a:t>AI/ ML </a:t>
+            </a:r>
+          </a:p>
+          <a:p>
+            <a:pPr algn="just">
               <a:lnSpc>
-                <a:spcPts val="2169"/>
+                <a:spcPts val="3129"/>
               </a:lnSpc>
-              <a:buFont typeface="Arial"/>
-              <a:buChar char="•"/>
+              <a:spcBef>
+                <a:spcPct val="0"/>
+              </a:spcBef>
             </a:pPr>
-            <a:r>
-              <a:rPr lang="en-US" sz="1572">
-                <a:solidFill>
-                  <a:srgbClr val="051D40"/>
+            <a:endParaRPr lang="en-US" sz="2267" b="1" u="none" strike="noStrike">
+              <a:solidFill>
+                <a:srgbClr val="FFFFFF"/>
+              </a:solidFill>
+              <a:latin typeface="DM Sans Bold"/>
+              <a:ea typeface="DM Sans Bold"/>
+              <a:cs typeface="DM Sans Bold"/>
+              <a:sym typeface="DM Sans Bold"/>
+            </a:endParaRPr>
+          </a:p>
+          <a:p>
+            <a:pPr marL="0" lvl="0" indent="0" algn="just">
+              <a:lnSpc>
+                <a:spcPts val="3129"/>
+              </a:lnSpc>
+              <a:spcBef>
+                <a:spcPct val="0"/>
+              </a:spcBef>
+            </a:pPr>
+            <a:r>
+              <a:rPr lang="en-US" sz="2267" u="none" strike="noStrike">
+                <a:solidFill>
+                  <a:srgbClr val="FFFFFF"/>
                 </a:solidFill>
                 <a:latin typeface="DM Sans"/>
                 <a:ea typeface="DM Sans"/>
                 <a:cs typeface="DM Sans"/>
                 <a:sym typeface="DM Sans"/>
               </a:rPr>
-              <a:t>Recommendations for </a:t>
-            </a:r>
-            <a:r>
-              <a:rPr lang="en-US" sz="1572" b="1">
-                <a:solidFill>
-                  <a:srgbClr val="051D40"/>
+              <a:t>Friendly and readable </a:t>
+            </a:r>
+            <a:r>
+              <a:rPr lang="en-US" sz="2267" b="1" u="none" strike="noStrike">
+                <a:solidFill>
+                  <a:srgbClr val="FFFFFF"/>
                 </a:solidFill>
                 <a:latin typeface="DM Sans Bold"/>
                 <a:ea typeface="DM Sans Bold"/>
                 <a:cs typeface="DM Sans Bold"/>
                 <a:sym typeface="DM Sans Bold"/>
               </a:rPr>
-              <a:t>access-points reallocation </a:t>
-            </a:r>
-          </a:p>
-        </p:txBody>
-      </p:sp>
-      <p:sp>
-        <p:nvSpPr>
-          <p:cNvPr id="38" name="TextBox 38"/>
-          <p:cNvSpPr txBox="1"/>
-          <p:nvPr/>
-        </p:nvSpPr>
-        <p:spPr>
-          <a:xfrm>
-            <a:off x="11996146" y="2955665"/>
-            <a:ext cx="1368392" cy="771778"/>
-          </a:xfrm>
-          <a:prstGeom prst="rect">
-            <a:avLst/>
-          </a:prstGeom>
-        </p:spPr>
-        <p:txBody>
-          <a:bodyPr lIns="0" tIns="0" rIns="0" bIns="0" rtlCol="0" anchor="t">
-            <a:spAutoFit/>
-          </a:bodyPr>
-          <a:lstStyle/>
-          <a:p>
-            <a:pPr algn="l">
-              <a:lnSpc>
-                <a:spcPts val="6309"/>
-              </a:lnSpc>
-            </a:pPr>
-            <a:r>
-              <a:rPr lang="en-US" sz="4572">
-                <a:solidFill>
-                  <a:srgbClr val="051D40"/>
+              <a:t>data presentation</a:t>
+            </a:r>
+            <a:r>
+              <a:rPr lang="en-US" sz="2267" u="none" strike="noStrike">
+                <a:solidFill>
+                  <a:srgbClr val="FFFFFF"/>
                 </a:solidFill>
                 <a:latin typeface="DM Sans"/>
                 <a:ea typeface="DM Sans"/>
                 <a:cs typeface="DM Sans"/>
                 <a:sym typeface="DM Sans"/>
               </a:rPr>
-              <a:t>NAM</a:t>
-            </a:r>
-          </a:p>
-        </p:txBody>
-      </p:sp>
-      <p:sp>
-        <p:nvSpPr>
-          <p:cNvPr id="39" name="TextBox 39"/>
-          <p:cNvSpPr txBox="1"/>
-          <p:nvPr/>
-        </p:nvSpPr>
-        <p:spPr>
-          <a:xfrm>
-            <a:off x="12376505" y="3440189"/>
-            <a:ext cx="1215992" cy="436496"/>
-          </a:xfrm>
-          <a:prstGeom prst="rect">
-            <a:avLst/>
-          </a:prstGeom>
-        </p:spPr>
-        <p:txBody>
-          <a:bodyPr lIns="0" tIns="0" rIns="0" bIns="0" rtlCol="0" anchor="t">
-            <a:spAutoFit/>
-          </a:bodyPr>
-          <a:lstStyle/>
-          <a:p>
-            <a:pPr algn="l">
+              <a:t> </a:t>
+            </a:r>
+          </a:p>
+          <a:p>
+            <a:pPr marL="0" lvl="0" indent="0" algn="r">
               <a:lnSpc>
-                <a:spcPts val="3549"/>
+                <a:spcPts val="2991"/>
               </a:lnSpc>
+              <a:spcBef>
+                <a:spcPct val="0"/>
+              </a:spcBef>
             </a:pPr>
-            <a:r>
-              <a:rPr lang="en-US" sz="2572">
-                <a:solidFill>
-                  <a:srgbClr val="051D40"/>
-                </a:solidFill>
-                <a:latin typeface="DM Sans"/>
-                <a:ea typeface="DM Sans"/>
-                <a:cs typeface="DM Sans"/>
-                <a:sym typeface="DM Sans"/>
-              </a:rPr>
-              <a:t>Group</a:t>
-            </a:r>
-          </a:p>
-        </p:txBody>
-      </p:sp>
-      <p:sp>
-        <p:nvSpPr>
-          <p:cNvPr id="40" name="TextBox 40"/>
-          <p:cNvSpPr txBox="1"/>
-          <p:nvPr/>
-        </p:nvSpPr>
-        <p:spPr>
-          <a:xfrm>
-            <a:off x="11764165" y="4913276"/>
-            <a:ext cx="3200745" cy="292859"/>
-          </a:xfrm>
-          <a:prstGeom prst="rect">
-            <a:avLst/>
-          </a:prstGeom>
-        </p:spPr>
-        <p:txBody>
-          <a:bodyPr lIns="0" tIns="0" rIns="0" bIns="0" rtlCol="0" anchor="t">
-            <a:spAutoFit/>
-          </a:bodyPr>
-          <a:lstStyle/>
-          <a:p>
-            <a:pPr algn="l">
-              <a:lnSpc>
-                <a:spcPts val="2445"/>
-              </a:lnSpc>
-            </a:pPr>
-            <a:r>
-              <a:rPr lang="en-US" sz="1772">
-                <a:solidFill>
-                  <a:srgbClr val="051D40"/>
-                </a:solidFill>
-                <a:latin typeface="DM Sans"/>
-                <a:ea typeface="DM Sans"/>
-                <a:cs typeface="DM Sans"/>
-                <a:sym typeface="DM Sans"/>
-              </a:rPr>
-              <a:t>Collecting:</a:t>
-            </a:r>
-          </a:p>
-        </p:txBody>
-      </p:sp>
-      <p:sp>
-        <p:nvSpPr>
-          <p:cNvPr id="41" name="TextBox 41"/>
-          <p:cNvSpPr txBox="1"/>
-          <p:nvPr/>
-        </p:nvSpPr>
-        <p:spPr>
-          <a:xfrm>
-            <a:off x="11880843" y="5350712"/>
-            <a:ext cx="3966033" cy="561845"/>
-          </a:xfrm>
-          <a:prstGeom prst="rect">
-            <a:avLst/>
-          </a:prstGeom>
-        </p:spPr>
-        <p:txBody>
-          <a:bodyPr lIns="0" tIns="0" rIns="0" bIns="0" rtlCol="0" anchor="t">
-            <a:spAutoFit/>
-          </a:bodyPr>
-          <a:lstStyle/>
+            <a:endParaRPr lang="en-US" sz="2267" u="none" strike="noStrike">
+              <a:solidFill>
+                <a:srgbClr val="FFFFFF"/>
+              </a:solidFill>
+              <a:latin typeface="DM Sans"/>
+              <a:ea typeface="DM Sans"/>
+              <a:cs typeface="DM Sans"/>
+              <a:sym typeface="DM Sans"/>
+            </a:endParaRPr>
+          </a:p>
           <a:p>
             <a:pPr algn="just">
               <a:lnSpc>
-                <a:spcPts val="2307"/>
+                <a:spcPts val="2991"/>
               </a:lnSpc>
+              <a:spcBef>
+                <a:spcPct val="0"/>
+              </a:spcBef>
             </a:pPr>
             <a:r>
-              <a:rPr lang="en-US" sz="1672">
-                <a:solidFill>
-                  <a:srgbClr val="051D40"/>
-                </a:solidFill>
-                <a:latin typeface="DM Sans"/>
-                <a:ea typeface="DM Sans"/>
-                <a:cs typeface="DM Sans"/>
-                <a:sym typeface="DM Sans"/>
+              <a:rPr lang="en-US" sz="2167" b="1" strike="noStrike">
+                <a:solidFill>
+                  <a:srgbClr val="FFFBFB"/>
+                </a:solidFill>
+                <a:latin typeface="DM Sans Bold"/>
+                <a:ea typeface="DM Sans Bold"/>
+                <a:cs typeface="DM Sans Bold"/>
+                <a:sym typeface="DM Sans Bold"/>
               </a:rPr>
-              <a:t>Images from 3 cameras looking in  different angles</a:t>
-            </a:r>
-          </a:p>
-        </p:txBody>
-      </p:sp>
-      <p:sp>
-        <p:nvSpPr>
-          <p:cNvPr id="42" name="TextBox 42"/>
-          <p:cNvSpPr txBox="1"/>
-          <p:nvPr/>
-        </p:nvSpPr>
-        <p:spPr>
-          <a:xfrm>
-            <a:off x="11862155" y="6619374"/>
-            <a:ext cx="3200745" cy="292859"/>
-          </a:xfrm>
-          <a:prstGeom prst="rect">
-            <a:avLst/>
-          </a:prstGeom>
-        </p:spPr>
-        <p:txBody>
-          <a:bodyPr lIns="0" tIns="0" rIns="0" bIns="0" rtlCol="0" anchor="t">
-            <a:spAutoFit/>
-          </a:bodyPr>
-          <a:lstStyle/>
-          <a:p>
-            <a:pPr algn="l">
+              <a:t>Covering a wide spectrum of applications </a:t>
+            </a:r>
+          </a:p>
+          <a:p>
+            <a:pPr marL="0" lvl="0" indent="0" algn="r">
               <a:lnSpc>
-                <a:spcPts val="2445"/>
+                <a:spcPts val="3129"/>
               </a:lnSpc>
+              <a:spcBef>
+                <a:spcPct val="0"/>
+              </a:spcBef>
             </a:pPr>
-            <a:r>
-              <a:rPr lang="en-US" sz="1772">
-                <a:solidFill>
-                  <a:srgbClr val="051D40"/>
-                </a:solidFill>
-                <a:latin typeface="DM Sans"/>
-                <a:ea typeface="DM Sans"/>
-                <a:cs typeface="DM Sans"/>
-                <a:sym typeface="DM Sans"/>
-              </a:rPr>
-              <a:t>Providing:</a:t>
-            </a:r>
+            <a:endParaRPr lang="en-US" sz="2167" b="1" strike="noStrike">
+              <a:solidFill>
+                <a:srgbClr val="FFFBFB"/>
+              </a:solidFill>
+              <a:latin typeface="DM Sans Bold"/>
+              <a:ea typeface="DM Sans Bold"/>
+              <a:cs typeface="DM Sans Bold"/>
+              <a:sym typeface="DM Sans Bold"/>
+            </a:endParaRPr>
           </a:p>
         </p:txBody>
       </p:sp>
@@ -10703,13 +12504,13 @@
   <p:clrMapOvr>
     <a:masterClrMapping/>
   </p:clrMapOvr>
-  <p:transition spd="slow">
+  <p:transition spd="med">
     <p:wipe/>
   </p:transition>
 </p:sld>
 </file>
 
-<file path=ppt/slides/slide6.xml><?xml version="1.0" encoding="utf-8"?>
+<file path=ppt/slides/slide7.xml><?xml version="1.0" encoding="utf-8"?>
 <p:sld xmlns:a="http://schemas.openxmlformats.org/drawingml/2006/main" xmlns:r="http://schemas.openxmlformats.org/officeDocument/2006/relationships" xmlns:p="http://schemas.openxmlformats.org/presentationml/2006/main">
   <p:cSld>
     <p:bg>
@@ -11251,15 +13052,218 @@
         </p:nvGrpSpPr>
         <p:grpSpPr>
           <a:xfrm>
-            <a:off x="10325432" y="8106500"/>
-            <a:ext cx="6724646" cy="1649324"/>
+            <a:off x="11620770" y="8106500"/>
+            <a:ext cx="2475232" cy="1649324"/>
             <a:chOff x="0" y="0"/>
-            <a:chExt cx="1771100" cy="434390"/>
+            <a:chExt cx="651913" cy="434390"/>
           </a:xfrm>
         </p:grpSpPr>
         <p:sp>
           <p:nvSpPr>
             <p:cNvPr id="16" name="Freeform 16"/>
+            <p:cNvSpPr/>
+            <p:nvPr/>
+          </p:nvSpPr>
+          <p:spPr>
+            <a:xfrm>
+              <a:off x="0" y="0"/>
+              <a:ext cx="651913" cy="434390"/>
+            </a:xfrm>
+            <a:custGeom>
+              <a:avLst/>
+              <a:gdLst/>
+              <a:ahLst/>
+              <a:cxnLst/>
+              <a:rect l="l" t="t" r="r" b="b"/>
+              <a:pathLst>
+                <a:path w="651913" h="434390">
+                  <a:moveTo>
+                    <a:pt x="0" y="0"/>
+                  </a:moveTo>
+                  <a:lnTo>
+                    <a:pt x="651913" y="0"/>
+                  </a:lnTo>
+                  <a:lnTo>
+                    <a:pt x="651913" y="434390"/>
+                  </a:lnTo>
+                  <a:lnTo>
+                    <a:pt x="0" y="434390"/>
+                  </a:lnTo>
+                  <a:close/>
+                </a:path>
+              </a:pathLst>
+            </a:custGeom>
+            <a:solidFill>
+              <a:srgbClr val="CFF4FF"/>
+            </a:solidFill>
+            <a:ln w="19050" cap="sq">
+              <a:solidFill>
+                <a:srgbClr val="FFFFFF"/>
+              </a:solidFill>
+              <a:prstDash val="solid"/>
+              <a:miter/>
+            </a:ln>
+          </p:spPr>
+          <p:txBody>
+            <a:bodyPr/>
+            <a:lstStyle/>
+            <a:p>
+              <a:endParaRPr lang="el-GR"/>
+            </a:p>
+          </p:txBody>
+        </p:sp>
+        <p:sp>
+          <p:nvSpPr>
+            <p:cNvPr id="17" name="TextBox 17"/>
+            <p:cNvSpPr txBox="1"/>
+            <p:nvPr/>
+          </p:nvSpPr>
+          <p:spPr>
+            <a:xfrm>
+              <a:off x="0" y="-38100"/>
+              <a:ext cx="651913" cy="472490"/>
+            </a:xfrm>
+            <a:prstGeom prst="rect">
+              <a:avLst/>
+            </a:prstGeom>
+          </p:spPr>
+          <p:txBody>
+            <a:bodyPr lIns="50800" tIns="50800" rIns="50800" bIns="50800" rtlCol="0" anchor="ctr"/>
+            <a:lstStyle/>
+            <a:p>
+              <a:pPr algn="ctr">
+                <a:lnSpc>
+                  <a:spcPts val="2605"/>
+                </a:lnSpc>
+              </a:pPr>
+              <a:endParaRPr/>
+            </a:p>
+          </p:txBody>
+        </p:sp>
+      </p:grpSp>
+      <p:sp>
+        <p:nvSpPr>
+          <p:cNvPr id="18" name="Freeform 18"/>
+          <p:cNvSpPr/>
+          <p:nvPr/>
+        </p:nvSpPr>
+        <p:spPr>
+          <a:xfrm>
+            <a:off x="10325432" y="8106500"/>
+            <a:ext cx="1559389" cy="1649324"/>
+          </a:xfrm>
+          <a:custGeom>
+            <a:avLst/>
+            <a:gdLst/>
+            <a:ahLst/>
+            <a:cxnLst/>
+            <a:rect l="l" t="t" r="r" b="b"/>
+            <a:pathLst>
+              <a:path w="1559389" h="1649324">
+                <a:moveTo>
+                  <a:pt x="0" y="0"/>
+                </a:moveTo>
+                <a:lnTo>
+                  <a:pt x="1559388" y="0"/>
+                </a:lnTo>
+                <a:lnTo>
+                  <a:pt x="1559388" y="1649324"/>
+                </a:lnTo>
+                <a:lnTo>
+                  <a:pt x="0" y="1649324"/>
+                </a:lnTo>
+                <a:lnTo>
+                  <a:pt x="0" y="0"/>
+                </a:lnTo>
+                <a:close/>
+              </a:path>
+            </a:pathLst>
+          </a:custGeom>
+          <a:blipFill>
+            <a:blip r:embed="rId7"/>
+            <a:stretch>
+              <a:fillRect l="-14490"/>
+            </a:stretch>
+          </a:blipFill>
+        </p:spPr>
+        <p:txBody>
+          <a:bodyPr/>
+          <a:lstStyle/>
+          <a:p>
+            <a:endParaRPr lang="el-GR"/>
+          </a:p>
+        </p:txBody>
+      </p:sp>
+      <p:sp>
+        <p:nvSpPr>
+          <p:cNvPr id="19" name="Freeform 19"/>
+          <p:cNvSpPr/>
+          <p:nvPr/>
+        </p:nvSpPr>
+        <p:spPr>
+          <a:xfrm>
+            <a:off x="10431348" y="5143500"/>
+            <a:ext cx="3664654" cy="3664654"/>
+          </a:xfrm>
+          <a:custGeom>
+            <a:avLst/>
+            <a:gdLst/>
+            <a:ahLst/>
+            <a:cxnLst/>
+            <a:rect l="l" t="t" r="r" b="b"/>
+            <a:pathLst>
+              <a:path w="3664654" h="3664654">
+                <a:moveTo>
+                  <a:pt x="0" y="0"/>
+                </a:moveTo>
+                <a:lnTo>
+                  <a:pt x="3664654" y="0"/>
+                </a:lnTo>
+                <a:lnTo>
+                  <a:pt x="3664654" y="3664654"/>
+                </a:lnTo>
+                <a:lnTo>
+                  <a:pt x="0" y="3664654"/>
+                </a:lnTo>
+                <a:lnTo>
+                  <a:pt x="0" y="0"/>
+                </a:lnTo>
+                <a:close/>
+              </a:path>
+            </a:pathLst>
+          </a:custGeom>
+          <a:blipFill>
+            <a:blip r:embed="rId8"/>
+            <a:stretch>
+              <a:fillRect/>
+            </a:stretch>
+          </a:blipFill>
+        </p:spPr>
+        <p:txBody>
+          <a:bodyPr/>
+          <a:lstStyle/>
+          <a:p>
+            <a:endParaRPr lang="el-GR"/>
+          </a:p>
+        </p:txBody>
+      </p:sp>
+      <p:grpSp>
+        <p:nvGrpSpPr>
+          <p:cNvPr id="20" name="Group 20"/>
+          <p:cNvGrpSpPr/>
+          <p:nvPr/>
+        </p:nvGrpSpPr>
+        <p:grpSpPr>
+          <a:xfrm>
+            <a:off x="722304" y="4443874"/>
+            <a:ext cx="6724646" cy="1649324"/>
+            <a:chOff x="0" y="0"/>
+            <a:chExt cx="1771100" cy="434390"/>
+          </a:xfrm>
+        </p:grpSpPr>
+        <p:sp>
+          <p:nvSpPr>
+            <p:cNvPr id="21" name="Freeform 21"/>
             <p:cNvSpPr/>
             <p:nvPr/>
           </p:nvSpPr>
@@ -11313,157 +13317,7 @@
         </p:sp>
         <p:sp>
           <p:nvSpPr>
-            <p:cNvPr id="17" name="TextBox 17"/>
-            <p:cNvSpPr txBox="1"/>
-            <p:nvPr/>
-          </p:nvSpPr>
-          <p:spPr>
-            <a:xfrm>
-              <a:off x="0" y="-38100"/>
-              <a:ext cx="1771100" cy="472490"/>
-            </a:xfrm>
-            <a:prstGeom prst="rect">
-              <a:avLst/>
-            </a:prstGeom>
-          </p:spPr>
-          <p:txBody>
-            <a:bodyPr lIns="50800" tIns="50800" rIns="50800" bIns="50800" rtlCol="0" anchor="ctr"/>
-            <a:lstStyle/>
-            <a:p>
-              <a:pPr algn="ctr">
-                <a:lnSpc>
-                  <a:spcPts val="2605"/>
-                </a:lnSpc>
-              </a:pPr>
-              <a:endParaRPr/>
-            </a:p>
-          </p:txBody>
-        </p:sp>
-      </p:grpSp>
-      <p:sp>
-        <p:nvSpPr>
-          <p:cNvPr id="18" name="Freeform 18"/>
-          <p:cNvSpPr/>
-          <p:nvPr/>
-        </p:nvSpPr>
-        <p:spPr>
-          <a:xfrm>
-            <a:off x="10431348" y="5143500"/>
-            <a:ext cx="3664654" cy="3664654"/>
-          </a:xfrm>
-          <a:custGeom>
-            <a:avLst/>
-            <a:gdLst/>
-            <a:ahLst/>
-            <a:cxnLst/>
-            <a:rect l="l" t="t" r="r" b="b"/>
-            <a:pathLst>
-              <a:path w="3664654" h="3664654">
-                <a:moveTo>
-                  <a:pt x="0" y="0"/>
-                </a:moveTo>
-                <a:lnTo>
-                  <a:pt x="3664654" y="0"/>
-                </a:lnTo>
-                <a:lnTo>
-                  <a:pt x="3664654" y="3664654"/>
-                </a:lnTo>
-                <a:lnTo>
-                  <a:pt x="0" y="3664654"/>
-                </a:lnTo>
-                <a:lnTo>
-                  <a:pt x="0" y="0"/>
-                </a:lnTo>
-                <a:close/>
-              </a:path>
-            </a:pathLst>
-          </a:custGeom>
-          <a:blipFill>
-            <a:blip r:embed="rId7"/>
-            <a:stretch>
-              <a:fillRect/>
-            </a:stretch>
-          </a:blipFill>
-        </p:spPr>
-        <p:txBody>
-          <a:bodyPr/>
-          <a:lstStyle/>
-          <a:p>
-            <a:endParaRPr lang="el-GR"/>
-          </a:p>
-        </p:txBody>
-      </p:sp>
-      <p:grpSp>
-        <p:nvGrpSpPr>
-          <p:cNvPr id="19" name="Group 19"/>
-          <p:cNvGrpSpPr/>
-          <p:nvPr/>
-        </p:nvGrpSpPr>
-        <p:grpSpPr>
-          <a:xfrm>
-            <a:off x="722304" y="4443874"/>
-            <a:ext cx="6724646" cy="1649324"/>
-            <a:chOff x="0" y="0"/>
-            <a:chExt cx="1771100" cy="434390"/>
-          </a:xfrm>
-        </p:grpSpPr>
-        <p:sp>
-          <p:nvSpPr>
-            <p:cNvPr id="20" name="Freeform 20"/>
-            <p:cNvSpPr/>
-            <p:nvPr/>
-          </p:nvSpPr>
-          <p:spPr>
-            <a:xfrm>
-              <a:off x="0" y="0"/>
-              <a:ext cx="1771100" cy="434390"/>
-            </a:xfrm>
-            <a:custGeom>
-              <a:avLst/>
-              <a:gdLst/>
-              <a:ahLst/>
-              <a:cxnLst/>
-              <a:rect l="l" t="t" r="r" b="b"/>
-              <a:pathLst>
-                <a:path w="1771100" h="434390">
-                  <a:moveTo>
-                    <a:pt x="0" y="0"/>
-                  </a:moveTo>
-                  <a:lnTo>
-                    <a:pt x="1771100" y="0"/>
-                  </a:lnTo>
-                  <a:lnTo>
-                    <a:pt x="1771100" y="434390"/>
-                  </a:lnTo>
-                  <a:lnTo>
-                    <a:pt x="0" y="434390"/>
-                  </a:lnTo>
-                  <a:close/>
-                </a:path>
-              </a:pathLst>
-            </a:custGeom>
-            <a:solidFill>
-              <a:srgbClr val="CFF4FF"/>
-            </a:solidFill>
-            <a:ln w="19050" cap="sq">
-              <a:solidFill>
-                <a:srgbClr val="FFFFFF"/>
-              </a:solidFill>
-              <a:prstDash val="solid"/>
-              <a:miter/>
-            </a:ln>
-          </p:spPr>
-          <p:txBody>
-            <a:bodyPr/>
-            <a:lstStyle/>
-            <a:p>
-              <a:endParaRPr lang="el-GR"/>
-            </a:p>
-          </p:txBody>
-        </p:sp>
-        <p:sp>
-          <p:nvSpPr>
-            <p:cNvPr id="21" name="TextBox 21"/>
+            <p:cNvPr id="22" name="TextBox 22"/>
             <p:cNvSpPr txBox="1"/>
             <p:nvPr/>
           </p:nvSpPr>
@@ -11492,7 +13346,7 @@
       </p:grpSp>
       <p:grpSp>
         <p:nvGrpSpPr>
-          <p:cNvPr id="22" name="Group 22"/>
+          <p:cNvPr id="23" name="Group 23"/>
           <p:cNvGrpSpPr/>
           <p:nvPr/>
         </p:nvGrpSpPr>
@@ -11506,7 +13360,7 @@
         </p:grpSpPr>
         <p:sp>
           <p:nvSpPr>
-            <p:cNvPr id="23" name="Freeform 23"/>
+            <p:cNvPr id="24" name="Freeform 24"/>
             <p:cNvSpPr/>
             <p:nvPr/>
           </p:nvSpPr>
@@ -11560,7 +13414,7 @@
         </p:sp>
         <p:sp>
           <p:nvSpPr>
-            <p:cNvPr id="24" name="TextBox 24"/>
+            <p:cNvPr id="25" name="TextBox 25"/>
             <p:cNvSpPr txBox="1"/>
             <p:nvPr/>
           </p:nvSpPr>
@@ -11589,7 +13443,7 @@
       </p:grpSp>
       <p:sp>
         <p:nvSpPr>
-          <p:cNvPr id="25" name="Freeform 25"/>
+          <p:cNvPr id="26" name="Freeform 26"/>
           <p:cNvSpPr/>
           <p:nvPr/>
         </p:nvSpPr>
@@ -11626,7 +13480,7 @@
             </a:pathLst>
           </a:custGeom>
           <a:blipFill>
-            <a:blip r:embed="rId8"/>
+            <a:blip r:embed="rId9"/>
             <a:stretch>
               <a:fillRect t="-1304" b="-1304"/>
             </a:stretch>
@@ -11642,7 +13496,7 @@
       </p:sp>
       <p:grpSp>
         <p:nvGrpSpPr>
-          <p:cNvPr id="26" name="Group 26"/>
+          <p:cNvPr id="27" name="Group 27"/>
           <p:cNvGrpSpPr/>
           <p:nvPr/>
         </p:nvGrpSpPr>
@@ -11656,7 +13510,7 @@
         </p:grpSpPr>
         <p:sp>
           <p:nvSpPr>
-            <p:cNvPr id="27" name="Freeform 27"/>
+            <p:cNvPr id="28" name="Freeform 28"/>
             <p:cNvSpPr/>
             <p:nvPr/>
           </p:nvSpPr>
@@ -11710,7 +13564,7 @@
         </p:sp>
         <p:sp>
           <p:nvSpPr>
-            <p:cNvPr id="28" name="TextBox 28"/>
+            <p:cNvPr id="29" name="TextBox 29"/>
             <p:cNvSpPr txBox="1"/>
             <p:nvPr/>
           </p:nvSpPr>
@@ -11739,7 +13593,7 @@
       </p:grpSp>
       <p:sp>
         <p:nvSpPr>
-          <p:cNvPr id="29" name="TextBox 29"/>
+          <p:cNvPr id="30" name="TextBox 30"/>
           <p:cNvSpPr txBox="1"/>
           <p:nvPr/>
         </p:nvSpPr>
@@ -11783,7 +13637,7 @@
       </p:sp>
       <p:sp>
         <p:nvSpPr>
-          <p:cNvPr id="30" name="Freeform 30"/>
+          <p:cNvPr id="31" name="Freeform 31"/>
           <p:cNvSpPr/>
           <p:nvPr/>
         </p:nvSpPr>
@@ -11820,10 +13674,10 @@
             </a:pathLst>
           </a:custGeom>
           <a:blipFill>
-            <a:blip r:embed="rId9">
+            <a:blip r:embed="rId10">
               <a:extLst>
                 <a:ext uri="{96DAC541-7B7A-43D3-8B79-37D633B846F1}">
-                  <asvg:svgBlip xmlns:asvg="http://schemas.microsoft.com/office/drawing/2016/SVG/main" r:embed="rId10"/>
+                  <asvg:svgBlip xmlns:asvg="http://schemas.microsoft.com/office/drawing/2016/SVG/main" r:embed="rId11"/>
                 </a:ext>
               </a:extLst>
             </a:blip>
@@ -11842,7 +13696,7 @@
       </p:sp>
       <p:grpSp>
         <p:nvGrpSpPr>
-          <p:cNvPr id="31" name="Group 31"/>
+          <p:cNvPr id="32" name="Group 32"/>
           <p:cNvGrpSpPr/>
           <p:nvPr/>
         </p:nvGrpSpPr>
@@ -11856,7 +13710,7 @@
         </p:grpSpPr>
         <p:sp>
           <p:nvSpPr>
-            <p:cNvPr id="32" name="Freeform 32"/>
+            <p:cNvPr id="33" name="Freeform 33"/>
             <p:cNvSpPr/>
             <p:nvPr/>
           </p:nvSpPr>
@@ -11910,7 +13764,7 @@
         </p:sp>
         <p:sp>
           <p:nvSpPr>
-            <p:cNvPr id="33" name="TextBox 33"/>
+            <p:cNvPr id="34" name="TextBox 34"/>
             <p:cNvSpPr txBox="1"/>
             <p:nvPr/>
           </p:nvSpPr>
@@ -11939,7 +13793,7 @@
       </p:grpSp>
       <p:sp>
         <p:nvSpPr>
-          <p:cNvPr id="34" name="Freeform 34"/>
+          <p:cNvPr id="35" name="Freeform 35"/>
           <p:cNvSpPr/>
           <p:nvPr/>
         </p:nvSpPr>
@@ -11976,10 +13830,10 @@
             </a:pathLst>
           </a:custGeom>
           <a:blipFill>
-            <a:blip r:embed="rId11">
+            <a:blip r:embed="rId12">
               <a:extLst>
                 <a:ext uri="{96DAC541-7B7A-43D3-8B79-37D633B846F1}">
-                  <asvg:svgBlip xmlns:asvg="http://schemas.microsoft.com/office/drawing/2016/SVG/main" r:embed="rId12"/>
+                  <asvg:svgBlip xmlns:asvg="http://schemas.microsoft.com/office/drawing/2016/SVG/main" r:embed="rId13"/>
                 </a:ext>
               </a:extLst>
             </a:blip>
@@ -11998,7 +13852,7 @@
       </p:sp>
       <p:grpSp>
         <p:nvGrpSpPr>
-          <p:cNvPr id="35" name="Group 35"/>
+          <p:cNvPr id="36" name="Group 36"/>
           <p:cNvGrpSpPr/>
           <p:nvPr/>
         </p:nvGrpSpPr>
@@ -12012,7 +13866,7 @@
         </p:grpSpPr>
         <p:sp>
           <p:nvSpPr>
-            <p:cNvPr id="36" name="Freeform 36"/>
+            <p:cNvPr id="37" name="Freeform 37"/>
             <p:cNvSpPr/>
             <p:nvPr/>
           </p:nvSpPr>
@@ -12066,7 +13920,7 @@
         </p:sp>
         <p:sp>
           <p:nvSpPr>
-            <p:cNvPr id="37" name="TextBox 37"/>
+            <p:cNvPr id="38" name="TextBox 38"/>
             <p:cNvSpPr txBox="1"/>
             <p:nvPr/>
           </p:nvSpPr>
@@ -12095,7 +13949,7 @@
       </p:grpSp>
       <p:sp>
         <p:nvSpPr>
-          <p:cNvPr id="38" name="Freeform 38"/>
+          <p:cNvPr id="39" name="Freeform 39"/>
           <p:cNvSpPr/>
           <p:nvPr/>
         </p:nvSpPr>
@@ -12132,62 +13986,9 @@
             </a:pathLst>
           </a:custGeom>
           <a:blipFill>
-            <a:blip r:embed="rId13"/>
+            <a:blip r:embed="rId14"/>
             <a:stretch>
               <a:fillRect l="-19833" r="-19833"/>
-            </a:stretch>
-          </a:blipFill>
-        </p:spPr>
-        <p:txBody>
-          <a:bodyPr/>
-          <a:lstStyle/>
-          <a:p>
-            <a:endParaRPr lang="el-GR"/>
-          </a:p>
-        </p:txBody>
-      </p:sp>
-      <p:sp>
-        <p:nvSpPr>
-          <p:cNvPr id="39" name="Freeform 39"/>
-          <p:cNvSpPr/>
-          <p:nvPr/>
-        </p:nvSpPr>
-        <p:spPr>
-          <a:xfrm>
-            <a:off x="10478325" y="8106500"/>
-            <a:ext cx="1785351" cy="1649324"/>
-          </a:xfrm>
-          <a:custGeom>
-            <a:avLst/>
-            <a:gdLst/>
-            <a:ahLst/>
-            <a:cxnLst/>
-            <a:rect l="l" t="t" r="r" b="b"/>
-            <a:pathLst>
-              <a:path w="1785351" h="1649324">
-                <a:moveTo>
-                  <a:pt x="0" y="0"/>
-                </a:moveTo>
-                <a:lnTo>
-                  <a:pt x="1785350" y="0"/>
-                </a:lnTo>
-                <a:lnTo>
-                  <a:pt x="1785350" y="1649324"/>
-                </a:lnTo>
-                <a:lnTo>
-                  <a:pt x="0" y="1649324"/>
-                </a:lnTo>
-                <a:lnTo>
-                  <a:pt x="0" y="0"/>
-                </a:lnTo>
-                <a:close/>
-              </a:path>
-            </a:pathLst>
-          </a:custGeom>
-          <a:blipFill>
-            <a:blip r:embed="rId14"/>
-            <a:stretch>
-              <a:fillRect/>
             </a:stretch>
           </a:blipFill>
         </p:spPr>
@@ -12534,8 +14335,8 @@
         </p:nvSpPr>
         <p:spPr>
           <a:xfrm>
-            <a:off x="12424774" y="8628644"/>
-            <a:ext cx="4804447" cy="629656"/>
+            <a:off x="11620770" y="8624907"/>
+            <a:ext cx="2527567" cy="545836"/>
           </a:xfrm>
           <a:prstGeom prst="rect">
             <a:avLst/>
@@ -12549,14 +14350,14 @@
           <a:p>
             <a:pPr algn="ctr">
               <a:lnSpc>
-                <a:spcPts val="5114"/>
+                <a:spcPts val="4424"/>
               </a:lnSpc>
               <a:spcBef>
                 <a:spcPct val="0"/>
               </a:spcBef>
             </a:pPr>
             <a:r>
-              <a:rPr lang="en-US" sz="3705">
+              <a:rPr lang="en-US" sz="3206">
                 <a:solidFill>
                   <a:srgbClr val="000000"/>
                 </a:solidFill>
@@ -12652,52 +14453,113 @@
           </a:p>
         </p:txBody>
       </p:sp>
-    </p:spTree>
-  </p:cSld>
-  <p:clrMapOvr>
-    <a:masterClrMapping/>
-  </p:clrMapOvr>
-  <p:transition spd="slow">
-    <p:wipe/>
-  </p:transition>
-</p:sld>
-</file>
-
-<file path=ppt/slides/slide7.xml><?xml version="1.0" encoding="utf-8"?>
-<p:sld xmlns:a="http://schemas.openxmlformats.org/drawingml/2006/main" xmlns:r="http://schemas.openxmlformats.org/officeDocument/2006/relationships" xmlns:p="http://schemas.openxmlformats.org/presentationml/2006/main">
-  <p:cSld>
-    <p:bg>
-      <p:bgPr>
-        <a:solidFill>
-          <a:srgbClr val="CAD0D1"/>
-        </a:solidFill>
-        <a:effectLst/>
-      </p:bgPr>
-    </p:bg>
-    <p:spTree>
-      <p:nvGrpSpPr>
-        <p:cNvPr id="1" name=""/>
-        <p:cNvGrpSpPr/>
-        <p:nvPr/>
-      </p:nvGrpSpPr>
-      <p:grpSpPr>
-        <a:xfrm>
-          <a:off x="0" y="0"/>
-          <a:ext cx="0" cy="0"/>
-          <a:chOff x="0" y="0"/>
-          <a:chExt cx="0" cy="0"/>
-        </a:xfrm>
-      </p:grpSpPr>
-      <p:sp>
-        <p:nvSpPr>
-          <p:cNvPr id="2" name="Freeform 2"/>
+      <p:grpSp>
+        <p:nvGrpSpPr>
+          <p:cNvPr id="49" name="Group 49"/>
+          <p:cNvGrpSpPr/>
+          <p:nvPr/>
+        </p:nvGrpSpPr>
+        <p:grpSpPr>
+          <a:xfrm>
+            <a:off x="14376774" y="8106500"/>
+            <a:ext cx="2673303" cy="1649324"/>
+            <a:chOff x="0" y="0"/>
+            <a:chExt cx="704080" cy="434390"/>
+          </a:xfrm>
+        </p:grpSpPr>
+        <p:sp>
+          <p:nvSpPr>
+            <p:cNvPr id="50" name="Freeform 50"/>
+            <p:cNvSpPr/>
+            <p:nvPr/>
+          </p:nvSpPr>
+          <p:spPr>
+            <a:xfrm>
+              <a:off x="0" y="0"/>
+              <a:ext cx="704080" cy="434390"/>
+            </a:xfrm>
+            <a:custGeom>
+              <a:avLst/>
+              <a:gdLst/>
+              <a:ahLst/>
+              <a:cxnLst/>
+              <a:rect l="l" t="t" r="r" b="b"/>
+              <a:pathLst>
+                <a:path w="704080" h="434390">
+                  <a:moveTo>
+                    <a:pt x="0" y="0"/>
+                  </a:moveTo>
+                  <a:lnTo>
+                    <a:pt x="704080" y="0"/>
+                  </a:lnTo>
+                  <a:lnTo>
+                    <a:pt x="704080" y="434390"/>
+                  </a:lnTo>
+                  <a:lnTo>
+                    <a:pt x="0" y="434390"/>
+                  </a:lnTo>
+                  <a:close/>
+                </a:path>
+              </a:pathLst>
+            </a:custGeom>
+            <a:solidFill>
+              <a:srgbClr val="CFF4FF"/>
+            </a:solidFill>
+            <a:ln w="19050" cap="sq">
+              <a:solidFill>
+                <a:srgbClr val="FFFFFF"/>
+              </a:solidFill>
+              <a:prstDash val="solid"/>
+              <a:miter/>
+            </a:ln>
+          </p:spPr>
+          <p:txBody>
+            <a:bodyPr/>
+            <a:lstStyle/>
+            <a:p>
+              <a:endParaRPr lang="el-GR"/>
+            </a:p>
+          </p:txBody>
+        </p:sp>
+        <p:sp>
+          <p:nvSpPr>
+            <p:cNvPr id="51" name="TextBox 51"/>
+            <p:cNvSpPr txBox="1"/>
+            <p:nvPr/>
+          </p:nvSpPr>
+          <p:spPr>
+            <a:xfrm>
+              <a:off x="0" y="-38100"/>
+              <a:ext cx="704080" cy="472490"/>
+            </a:xfrm>
+            <a:prstGeom prst="rect">
+              <a:avLst/>
+            </a:prstGeom>
+          </p:spPr>
+          <p:txBody>
+            <a:bodyPr lIns="50800" tIns="50800" rIns="50800" bIns="50800" rtlCol="0" anchor="ctr"/>
+            <a:lstStyle/>
+            <a:p>
+              <a:pPr algn="ctr">
+                <a:lnSpc>
+                  <a:spcPts val="2605"/>
+                </a:lnSpc>
+              </a:pPr>
+              <a:endParaRPr/>
+            </a:p>
+          </p:txBody>
+        </p:sp>
+      </p:grpSp>
+      <p:sp>
+        <p:nvSpPr>
+          <p:cNvPr id="52" name="Freeform 52"/>
           <p:cNvSpPr/>
           <p:nvPr/>
         </p:nvSpPr>
         <p:spPr>
           <a:xfrm>
-            <a:off x="6013486" y="0"/>
-            <a:ext cx="12274514" cy="10402692"/>
+            <a:off x="14472187" y="8171807"/>
+            <a:ext cx="1533334" cy="1398615"/>
           </a:xfrm>
           <a:custGeom>
             <a:avLst/>
@@ -12706,18 +14568,18 @@
             <a:cxnLst/>
             <a:rect l="l" t="t" r="r" b="b"/>
             <a:pathLst>
-              <a:path w="12274514" h="10402692">
+              <a:path w="1533334" h="1398615">
                 <a:moveTo>
                   <a:pt x="0" y="0"/>
                 </a:moveTo>
                 <a:lnTo>
-                  <a:pt x="12274514" y="0"/>
-                </a:lnTo>
-                <a:lnTo>
-                  <a:pt x="12274514" y="10402692"/>
-                </a:lnTo>
-                <a:lnTo>
-                  <a:pt x="0" y="10402692"/>
+                  <a:pt x="1533334" y="0"/>
+                </a:lnTo>
+                <a:lnTo>
+                  <a:pt x="1533334" y="1398615"/>
+                </a:lnTo>
+                <a:lnTo>
+                  <a:pt x="0" y="1398615"/>
                 </a:lnTo>
                 <a:lnTo>
                   <a:pt x="0" y="0"/>
@@ -12727,9 +14589,9 @@
             </a:pathLst>
           </a:custGeom>
           <a:blipFill>
-            <a:blip r:embed="rId2"/>
+            <a:blip r:embed="rId15"/>
             <a:stretch>
-              <a:fillRect/>
+              <a:fillRect b="-9632"/>
             </a:stretch>
           </a:blipFill>
         </p:spPr>
@@ -12743,67 +14605,14 @@
       </p:sp>
       <p:sp>
         <p:nvSpPr>
-          <p:cNvPr id="3" name="Freeform 3"/>
-          <p:cNvSpPr/>
-          <p:nvPr/>
-        </p:nvSpPr>
-        <p:spPr>
-          <a:xfrm>
-            <a:off x="1993279" y="4851040"/>
-            <a:ext cx="2100081" cy="2100081"/>
-          </a:xfrm>
-          <a:custGeom>
-            <a:avLst/>
-            <a:gdLst/>
-            <a:ahLst/>
-            <a:cxnLst/>
-            <a:rect l="l" t="t" r="r" b="b"/>
-            <a:pathLst>
-              <a:path w="2100081" h="2100081">
-                <a:moveTo>
-                  <a:pt x="0" y="0"/>
-                </a:moveTo>
-                <a:lnTo>
-                  <a:pt x="2100081" y="0"/>
-                </a:lnTo>
-                <a:lnTo>
-                  <a:pt x="2100081" y="2100081"/>
-                </a:lnTo>
-                <a:lnTo>
-                  <a:pt x="0" y="2100081"/>
-                </a:lnTo>
-                <a:lnTo>
-                  <a:pt x="0" y="0"/>
-                </a:lnTo>
-                <a:close/>
-              </a:path>
-            </a:pathLst>
-          </a:custGeom>
-          <a:blipFill>
-            <a:blip r:embed="rId3"/>
-            <a:stretch>
-              <a:fillRect/>
-            </a:stretch>
-          </a:blipFill>
-        </p:spPr>
-        <p:txBody>
-          <a:bodyPr/>
-          <a:lstStyle/>
-          <a:p>
-            <a:endParaRPr lang="el-GR"/>
-          </a:p>
-        </p:txBody>
-      </p:sp>
-      <p:sp>
-        <p:nvSpPr>
-          <p:cNvPr id="4" name="TextBox 4"/>
+          <p:cNvPr id="53" name="TextBox 53"/>
           <p:cNvSpPr txBox="1"/>
           <p:nvPr/>
         </p:nvSpPr>
         <p:spPr>
           <a:xfrm>
-            <a:off x="740757" y="3612959"/>
-            <a:ext cx="4605125" cy="679609"/>
+            <a:off x="15238854" y="8624907"/>
+            <a:ext cx="2527567" cy="545836"/>
           </a:xfrm>
           <a:prstGeom prst="rect">
             <a:avLst/>
@@ -12817,23 +14626,23 @@
           <a:p>
             <a:pPr algn="ctr">
               <a:lnSpc>
-                <a:spcPts val="5548"/>
+                <a:spcPts val="4424"/>
               </a:lnSpc>
               <a:spcBef>
                 <a:spcPct val="0"/>
               </a:spcBef>
             </a:pPr>
             <a:r>
-              <a:rPr lang="en-US" sz="4020" b="1" i="1">
-                <a:solidFill>
-                  <a:srgbClr val="194A8D"/>
-                </a:solidFill>
-                <a:latin typeface="DM Sans Bold Italics"/>
-                <a:ea typeface="DM Sans Bold Italics"/>
-                <a:cs typeface="DM Sans Bold Italics"/>
-                <a:sym typeface="DM Sans Bold Italics"/>
+              <a:rPr lang="en-US" sz="3206">
+                <a:solidFill>
+                  <a:srgbClr val="000000"/>
+                </a:solidFill>
+                <a:latin typeface="DM Sans"/>
+                <a:ea typeface="DM Sans"/>
+                <a:cs typeface="DM Sans"/>
+                <a:sym typeface="DM Sans"/>
               </a:rPr>
-              <a:t>WEBSITE DRAFT </a:t>
+              <a:t>IMU</a:t>
             </a:r>
           </a:p>
         </p:txBody>
@@ -12843,7 +14652,7 @@
   <p:clrMapOvr>
     <a:masterClrMapping/>
   </p:clrMapOvr>
-  <p:transition spd="slow">
+  <p:transition spd="med">
     <p:wipe/>
   </p:transition>
 </p:sld>
@@ -12882,8 +14691,8 @@
         </p:nvSpPr>
         <p:spPr>
           <a:xfrm>
-            <a:off x="0" y="-119617"/>
-            <a:ext cx="18288000" cy="8389620"/>
+            <a:off x="6013486" y="0"/>
+            <a:ext cx="12274514" cy="10402692"/>
           </a:xfrm>
           <a:custGeom>
             <a:avLst/>
@@ -12892,18 +14701,18 @@
             <a:cxnLst/>
             <a:rect l="l" t="t" r="r" b="b"/>
             <a:pathLst>
-              <a:path w="18288000" h="8389620">
+              <a:path w="12274514" h="10402692">
                 <a:moveTo>
                   <a:pt x="0" y="0"/>
                 </a:moveTo>
                 <a:lnTo>
-                  <a:pt x="18288000" y="0"/>
-                </a:lnTo>
-                <a:lnTo>
-                  <a:pt x="18288000" y="8389620"/>
-                </a:lnTo>
-                <a:lnTo>
-                  <a:pt x="0" y="8389620"/>
+                  <a:pt x="12274514" y="0"/>
+                </a:lnTo>
+                <a:lnTo>
+                  <a:pt x="12274514" y="10402692"/>
+                </a:lnTo>
+                <a:lnTo>
+                  <a:pt x="0" y="10402692"/>
                 </a:lnTo>
                 <a:lnTo>
                   <a:pt x="0" y="0"/>
@@ -12929,14 +14738,67 @@
       </p:sp>
       <p:sp>
         <p:nvSpPr>
-          <p:cNvPr id="3" name="TextBox 3"/>
+          <p:cNvPr id="3" name="Freeform 3"/>
+          <p:cNvSpPr/>
+          <p:nvPr/>
+        </p:nvSpPr>
+        <p:spPr>
+          <a:xfrm>
+            <a:off x="1993279" y="4851040"/>
+            <a:ext cx="2100081" cy="2100081"/>
+          </a:xfrm>
+          <a:custGeom>
+            <a:avLst/>
+            <a:gdLst/>
+            <a:ahLst/>
+            <a:cxnLst/>
+            <a:rect l="l" t="t" r="r" b="b"/>
+            <a:pathLst>
+              <a:path w="2100081" h="2100081">
+                <a:moveTo>
+                  <a:pt x="0" y="0"/>
+                </a:moveTo>
+                <a:lnTo>
+                  <a:pt x="2100081" y="0"/>
+                </a:lnTo>
+                <a:lnTo>
+                  <a:pt x="2100081" y="2100081"/>
+                </a:lnTo>
+                <a:lnTo>
+                  <a:pt x="0" y="2100081"/>
+                </a:lnTo>
+                <a:lnTo>
+                  <a:pt x="0" y="0"/>
+                </a:lnTo>
+                <a:close/>
+              </a:path>
+            </a:pathLst>
+          </a:custGeom>
+          <a:blipFill>
+            <a:blip r:embed="rId3"/>
+            <a:stretch>
+              <a:fillRect/>
+            </a:stretch>
+          </a:blipFill>
+        </p:spPr>
+        <p:txBody>
+          <a:bodyPr/>
+          <a:lstStyle/>
+          <a:p>
+            <a:endParaRPr lang="el-GR"/>
+          </a:p>
+        </p:txBody>
+      </p:sp>
+      <p:sp>
+        <p:nvSpPr>
+          <p:cNvPr id="4" name="TextBox 4"/>
           <p:cNvSpPr txBox="1"/>
           <p:nvPr/>
         </p:nvSpPr>
         <p:spPr>
           <a:xfrm>
-            <a:off x="491468" y="8846299"/>
-            <a:ext cx="18288000" cy="785902"/>
+            <a:off x="740757" y="3612959"/>
+            <a:ext cx="4605125" cy="679609"/>
           </a:xfrm>
           <a:prstGeom prst="rect">
             <a:avLst/>
@@ -12948,45 +14810,25 @@
           </a:bodyPr>
           <a:lstStyle/>
           <a:p>
-            <a:pPr marL="493923" lvl="1" indent="-246962" algn="l">
+            <a:pPr algn="ctr">
               <a:lnSpc>
-                <a:spcPts val="3157"/>
+                <a:spcPts val="5548"/>
               </a:lnSpc>
-              <a:buFont typeface="Arial"/>
-              <a:buChar char="•"/>
+              <a:spcBef>
+                <a:spcPct val="0"/>
+              </a:spcBef>
             </a:pPr>
             <a:r>
-              <a:rPr lang="en-US" sz="2287" b="1">
-                <a:solidFill>
-                  <a:srgbClr val="000000"/>
-                </a:solidFill>
-                <a:latin typeface="DM Sans Bold"/>
-                <a:ea typeface="DM Sans Bold"/>
-                <a:cs typeface="DM Sans Bold"/>
-                <a:sym typeface="DM Sans Bold"/>
+              <a:rPr lang="en-US" sz="4020" b="1" i="1">
+                <a:solidFill>
+                  <a:srgbClr val="194A8D"/>
+                </a:solidFill>
+                <a:latin typeface="DM Sans Bold Italics"/>
+                <a:ea typeface="DM Sans Bold Italics"/>
+                <a:cs typeface="DM Sans Bold Italics"/>
+                <a:sym typeface="DM Sans Bold Italics"/>
               </a:rPr>
-              <a:t>Authorized User Login</a:t>
-            </a:r>
-          </a:p>
-          <a:p>
-            <a:pPr marL="493923" lvl="1" indent="-246962" algn="l">
-              <a:lnSpc>
-                <a:spcPts val="3157"/>
-              </a:lnSpc>
-              <a:buFont typeface="Arial"/>
-              <a:buChar char="•"/>
-            </a:pPr>
-            <a:r>
-              <a:rPr lang="en-US" sz="2287" b="1">
-                <a:solidFill>
-                  <a:srgbClr val="000000"/>
-                </a:solidFill>
-                <a:latin typeface="DM Sans Bold"/>
-                <a:ea typeface="DM Sans Bold"/>
-                <a:cs typeface="DM Sans Bold"/>
-                <a:sym typeface="DM Sans Bold"/>
-              </a:rPr>
-              <a:t>Login necessary in order to view the project updates</a:t>
+              <a:t>WEBSITE DRAFT </a:t>
             </a:r>
           </a:p>
         </p:txBody>
@@ -12996,7 +14838,7 @@
   <p:clrMapOvr>
     <a:masterClrMapping/>
   </p:clrMapOvr>
-  <p:transition spd="slow">
+  <p:transition spd="med">
     <p:wipe/>
   </p:transition>
 </p:sld>
@@ -13035,8 +14877,8 @@
         </p:nvSpPr>
         <p:spPr>
           <a:xfrm>
-            <a:off x="-51264" y="-205057"/>
-            <a:ext cx="18339264" cy="8413137"/>
+            <a:off x="0" y="-119617"/>
+            <a:ext cx="18288000" cy="8389620"/>
           </a:xfrm>
           <a:custGeom>
             <a:avLst/>
@@ -13045,18 +14887,18 @@
             <a:cxnLst/>
             <a:rect l="l" t="t" r="r" b="b"/>
             <a:pathLst>
-              <a:path w="18339264" h="8413137">
+              <a:path w="18288000" h="8389620">
                 <a:moveTo>
                   <a:pt x="0" y="0"/>
                 </a:moveTo>
                 <a:lnTo>
-                  <a:pt x="18339264" y="0"/>
-                </a:lnTo>
-                <a:lnTo>
-                  <a:pt x="18339264" y="8413137"/>
-                </a:lnTo>
-                <a:lnTo>
-                  <a:pt x="0" y="8413137"/>
+                  <a:pt x="18288000" y="0"/>
+                </a:lnTo>
+                <a:lnTo>
+                  <a:pt x="18288000" y="8389620"/>
+                </a:lnTo>
+                <a:lnTo>
+                  <a:pt x="0" y="8389620"/>
                 </a:lnTo>
                 <a:lnTo>
                   <a:pt x="0" y="0"/>
@@ -13088,8 +14930,8 @@
         </p:nvSpPr>
         <p:spPr>
           <a:xfrm>
-            <a:off x="511881" y="9046324"/>
-            <a:ext cx="14853293" cy="385852"/>
+            <a:off x="491468" y="8846299"/>
+            <a:ext cx="18288000" cy="785902"/>
           </a:xfrm>
           <a:prstGeom prst="rect">
             <a:avLst/>
@@ -13118,7 +14960,28 @@
                 <a:cs typeface="DM Sans Bold"/>
                 <a:sym typeface="DM Sans Bold"/>
               </a:rPr>
-              <a:t>For each connected user the list of the projects they are associated with, will be displayed.</a:t>
+              <a:t>Authorized User Login</a:t>
+            </a:r>
+          </a:p>
+          <a:p>
+            <a:pPr marL="493923" lvl="1" indent="-246962" algn="l">
+              <a:lnSpc>
+                <a:spcPts val="3157"/>
+              </a:lnSpc>
+              <a:buFont typeface="Arial"/>
+              <a:buChar char="•"/>
+            </a:pPr>
+            <a:r>
+              <a:rPr lang="en-US" sz="2287" b="1">
+                <a:solidFill>
+                  <a:srgbClr val="000000"/>
+                </a:solidFill>
+                <a:latin typeface="DM Sans Bold"/>
+                <a:ea typeface="DM Sans Bold"/>
+                <a:cs typeface="DM Sans Bold"/>
+                <a:sym typeface="DM Sans Bold"/>
+              </a:rPr>
+              <a:t>Login necessary in order to view the project updates</a:t>
             </a:r>
           </a:p>
         </p:txBody>
@@ -13128,7 +14991,7 @@
   <p:clrMapOvr>
     <a:masterClrMapping/>
   </p:clrMapOvr>
-  <p:transition spd="slow">
+  <p:transition spd="med">
     <p:wipe/>
   </p:transition>
 </p:sld>
